--- a/resources/class17/class17-heap-sort.pptx
+++ b/resources/class17/class17-heap-sort.pptx
@@ -9,8 +9,9 @@
     <p:sldId id="257" r:id="rId3"/>
     <p:sldId id="258" r:id="rId4"/>
     <p:sldId id="259" r:id="rId5"/>
-    <p:sldId id="260" r:id="rId6"/>
-    <p:sldId id="261" r:id="rId7"/>
+    <p:sldId id="262" r:id="rId6"/>
+    <p:sldId id="260" r:id="rId7"/>
+    <p:sldId id="261" r:id="rId8"/>
   </p:sldIdLst>
   <p:sldSz cx="12192000" cy="6858000"/>
   <p:notesSz cx="6858000" cy="9144000"/>
@@ -10822,7 +10823,7 @@
           <a:p>
             <a:fld id="{9049F683-F43A-43DA-A4D5-3837C15A5409}" type="datetimeFigureOut">
               <a:rPr lang="en-US" smtClean="0"/>
-              <a:t>11/3/2021</a:t>
+              <a:t>11/4/2021</a:t>
             </a:fld>
             <a:endParaRPr lang="en-US"/>
           </a:p>
@@ -11020,7 +11021,7 @@
           <a:p>
             <a:fld id="{9049F683-F43A-43DA-A4D5-3837C15A5409}" type="datetimeFigureOut">
               <a:rPr lang="en-US" smtClean="0"/>
-              <a:t>11/3/2021</a:t>
+              <a:t>11/4/2021</a:t>
             </a:fld>
             <a:endParaRPr lang="en-US"/>
           </a:p>
@@ -11228,7 +11229,7 @@
           <a:p>
             <a:fld id="{9049F683-F43A-43DA-A4D5-3837C15A5409}" type="datetimeFigureOut">
               <a:rPr lang="en-US" smtClean="0"/>
-              <a:t>11/3/2021</a:t>
+              <a:t>11/4/2021</a:t>
             </a:fld>
             <a:endParaRPr lang="en-US"/>
           </a:p>
@@ -11426,7 +11427,7 @@
           <a:p>
             <a:fld id="{9049F683-F43A-43DA-A4D5-3837C15A5409}" type="datetimeFigureOut">
               <a:rPr lang="en-US" smtClean="0"/>
-              <a:t>11/3/2021</a:t>
+              <a:t>11/4/2021</a:t>
             </a:fld>
             <a:endParaRPr lang="en-US"/>
           </a:p>
@@ -11701,7 +11702,7 @@
           <a:p>
             <a:fld id="{9049F683-F43A-43DA-A4D5-3837C15A5409}" type="datetimeFigureOut">
               <a:rPr lang="en-US" smtClean="0"/>
-              <a:t>11/3/2021</a:t>
+              <a:t>11/4/2021</a:t>
             </a:fld>
             <a:endParaRPr lang="en-US"/>
           </a:p>
@@ -11966,7 +11967,7 @@
           <a:p>
             <a:fld id="{9049F683-F43A-43DA-A4D5-3837C15A5409}" type="datetimeFigureOut">
               <a:rPr lang="en-US" smtClean="0"/>
-              <a:t>11/3/2021</a:t>
+              <a:t>11/4/2021</a:t>
             </a:fld>
             <a:endParaRPr lang="en-US"/>
           </a:p>
@@ -12378,7 +12379,7 @@
           <a:p>
             <a:fld id="{9049F683-F43A-43DA-A4D5-3837C15A5409}" type="datetimeFigureOut">
               <a:rPr lang="en-US" smtClean="0"/>
-              <a:t>11/3/2021</a:t>
+              <a:t>11/4/2021</a:t>
             </a:fld>
             <a:endParaRPr lang="en-US"/>
           </a:p>
@@ -12519,7 +12520,7 @@
           <a:p>
             <a:fld id="{9049F683-F43A-43DA-A4D5-3837C15A5409}" type="datetimeFigureOut">
               <a:rPr lang="en-US" smtClean="0"/>
-              <a:t>11/3/2021</a:t>
+              <a:t>11/4/2021</a:t>
             </a:fld>
             <a:endParaRPr lang="en-US"/>
           </a:p>
@@ -12632,7 +12633,7 @@
           <a:p>
             <a:fld id="{9049F683-F43A-43DA-A4D5-3837C15A5409}" type="datetimeFigureOut">
               <a:rPr lang="en-US" smtClean="0"/>
-              <a:t>11/3/2021</a:t>
+              <a:t>11/4/2021</a:t>
             </a:fld>
             <a:endParaRPr lang="en-US"/>
           </a:p>
@@ -12943,7 +12944,7 @@
           <a:p>
             <a:fld id="{9049F683-F43A-43DA-A4D5-3837C15A5409}" type="datetimeFigureOut">
               <a:rPr lang="en-US" smtClean="0"/>
-              <a:t>11/3/2021</a:t>
+              <a:t>11/4/2021</a:t>
             </a:fld>
             <a:endParaRPr lang="en-US"/>
           </a:p>
@@ -13231,7 +13232,7 @@
           <a:p>
             <a:fld id="{9049F683-F43A-43DA-A4D5-3837C15A5409}" type="datetimeFigureOut">
               <a:rPr lang="en-US" smtClean="0"/>
-              <a:t>11/3/2021</a:t>
+              <a:t>11/4/2021</a:t>
             </a:fld>
             <a:endParaRPr lang="en-US"/>
           </a:p>
@@ -13472,7 +13473,7 @@
           <a:p>
             <a:fld id="{9049F683-F43A-43DA-A4D5-3837C15A5409}" type="datetimeFigureOut">
               <a:rPr lang="en-US" smtClean="0"/>
-              <a:t>11/3/2021</a:t>
+              <a:t>11/4/2021</a:t>
             </a:fld>
             <a:endParaRPr lang="en-US"/>
           </a:p>
@@ -14087,8 +14088,8 @@
             <a:chExt cx="617760" cy="321120"/>
           </a:xfrm>
         </p:grpSpPr>
-        <mc:AlternateContent xmlns:mc="http://schemas.openxmlformats.org/markup-compatibility/2006">
-          <mc:Choice xmlns:p14="http://schemas.microsoft.com/office/powerpoint/2010/main" Requires="p14">
+        <mc:AlternateContent xmlns:mc="http://schemas.openxmlformats.org/markup-compatibility/2006" xmlns:p14="http://schemas.microsoft.com/office/powerpoint/2010/main">
+          <mc:Choice Requires="p14">
             <p:contentPart p14:bwMode="auto" r:id="rId2">
               <p14:nvContentPartPr>
                 <p14:cNvPr id="4" name="Ink 3">
@@ -14107,7 +14108,7 @@
               </p14:xfrm>
             </p:contentPart>
           </mc:Choice>
-          <mc:Fallback>
+          <mc:Fallback xmlns="">
             <p:pic>
               <p:nvPicPr>
                 <p:cNvPr id="4" name="Ink 3">
@@ -14138,8 +14139,8 @@
             </p:pic>
           </mc:Fallback>
         </mc:AlternateContent>
-        <mc:AlternateContent xmlns:mc="http://schemas.openxmlformats.org/markup-compatibility/2006">
-          <mc:Choice xmlns:p14="http://schemas.microsoft.com/office/powerpoint/2010/main" Requires="p14">
+        <mc:AlternateContent xmlns:mc="http://schemas.openxmlformats.org/markup-compatibility/2006" xmlns:p14="http://schemas.microsoft.com/office/powerpoint/2010/main">
+          <mc:Choice Requires="p14">
             <p:contentPart p14:bwMode="auto" r:id="rId4">
               <p14:nvContentPartPr>
                 <p14:cNvPr id="5" name="Ink 4">
@@ -14158,7 +14159,7 @@
               </p14:xfrm>
             </p:contentPart>
           </mc:Choice>
-          <mc:Fallback>
+          <mc:Fallback xmlns="">
             <p:pic>
               <p:nvPicPr>
                 <p:cNvPr id="5" name="Ink 4">
@@ -14189,8 +14190,8 @@
             </p:pic>
           </mc:Fallback>
         </mc:AlternateContent>
-        <mc:AlternateContent xmlns:mc="http://schemas.openxmlformats.org/markup-compatibility/2006">
-          <mc:Choice xmlns:p14="http://schemas.microsoft.com/office/powerpoint/2010/main" Requires="p14">
+        <mc:AlternateContent xmlns:mc="http://schemas.openxmlformats.org/markup-compatibility/2006" xmlns:p14="http://schemas.microsoft.com/office/powerpoint/2010/main">
+          <mc:Choice Requires="p14">
             <p:contentPart p14:bwMode="auto" r:id="rId6">
               <p14:nvContentPartPr>
                 <p14:cNvPr id="6" name="Ink 5">
@@ -14209,7 +14210,7 @@
               </p14:xfrm>
             </p:contentPart>
           </mc:Choice>
-          <mc:Fallback>
+          <mc:Fallback xmlns="">
             <p:pic>
               <p:nvPicPr>
                 <p:cNvPr id="6" name="Ink 5">
@@ -14240,8 +14241,8 @@
             </p:pic>
           </mc:Fallback>
         </mc:AlternateContent>
-        <mc:AlternateContent xmlns:mc="http://schemas.openxmlformats.org/markup-compatibility/2006">
-          <mc:Choice xmlns:p14="http://schemas.microsoft.com/office/powerpoint/2010/main" Requires="p14">
+        <mc:AlternateContent xmlns:mc="http://schemas.openxmlformats.org/markup-compatibility/2006" xmlns:p14="http://schemas.microsoft.com/office/powerpoint/2010/main">
+          <mc:Choice Requires="p14">
             <p:contentPart p14:bwMode="auto" r:id="rId8">
               <p14:nvContentPartPr>
                 <p14:cNvPr id="7" name="Ink 6">
@@ -14260,7 +14261,7 @@
               </p14:xfrm>
             </p:contentPart>
           </mc:Choice>
-          <mc:Fallback>
+          <mc:Fallback xmlns="">
             <p:pic>
               <p:nvPicPr>
                 <p:cNvPr id="7" name="Ink 6">
@@ -14312,8 +14313,8 @@
             <a:chExt cx="280800" cy="365400"/>
           </a:xfrm>
         </p:grpSpPr>
-        <mc:AlternateContent xmlns:mc="http://schemas.openxmlformats.org/markup-compatibility/2006">
-          <mc:Choice xmlns:p14="http://schemas.microsoft.com/office/powerpoint/2010/main" Requires="p14">
+        <mc:AlternateContent xmlns:mc="http://schemas.openxmlformats.org/markup-compatibility/2006" xmlns:p14="http://schemas.microsoft.com/office/powerpoint/2010/main">
+          <mc:Choice Requires="p14">
             <p:contentPart p14:bwMode="auto" r:id="rId10">
               <p14:nvContentPartPr>
                 <p14:cNvPr id="9" name="Ink 8">
@@ -14332,7 +14333,7 @@
               </p14:xfrm>
             </p:contentPart>
           </mc:Choice>
-          <mc:Fallback>
+          <mc:Fallback xmlns="">
             <p:pic>
               <p:nvPicPr>
                 <p:cNvPr id="9" name="Ink 8">
@@ -14363,8 +14364,8 @@
             </p:pic>
           </mc:Fallback>
         </mc:AlternateContent>
-        <mc:AlternateContent xmlns:mc="http://schemas.openxmlformats.org/markup-compatibility/2006">
-          <mc:Choice xmlns:p14="http://schemas.microsoft.com/office/powerpoint/2010/main" Requires="p14">
+        <mc:AlternateContent xmlns:mc="http://schemas.openxmlformats.org/markup-compatibility/2006" xmlns:p14="http://schemas.microsoft.com/office/powerpoint/2010/main">
+          <mc:Choice Requires="p14">
             <p:contentPart p14:bwMode="auto" r:id="rId12">
               <p14:nvContentPartPr>
                 <p14:cNvPr id="10" name="Ink 9">
@@ -14383,7 +14384,7 @@
               </p14:xfrm>
             </p:contentPart>
           </mc:Choice>
-          <mc:Fallback>
+          <mc:Fallback xmlns="">
             <p:pic>
               <p:nvPicPr>
                 <p:cNvPr id="10" name="Ink 9">
@@ -14415,8 +14416,8 @@
           </mc:Fallback>
         </mc:AlternateContent>
       </p:grpSp>
-      <mc:AlternateContent xmlns:mc="http://schemas.openxmlformats.org/markup-compatibility/2006">
-        <mc:Choice xmlns:p14="http://schemas.microsoft.com/office/powerpoint/2010/main" Requires="p14">
+      <mc:AlternateContent xmlns:mc="http://schemas.openxmlformats.org/markup-compatibility/2006" xmlns:p14="http://schemas.microsoft.com/office/powerpoint/2010/main">
+        <mc:Choice Requires="p14">
           <p:contentPart p14:bwMode="auto" r:id="rId14">
             <p14:nvContentPartPr>
               <p14:cNvPr id="11" name="Ink 10">
@@ -14435,7 +14436,7 @@
             </p14:xfrm>
           </p:contentPart>
         </mc:Choice>
-        <mc:Fallback>
+        <mc:Fallback xmlns="">
           <p:pic>
             <p:nvPicPr>
               <p:cNvPr id="11" name="Ink 10">
@@ -14466,8 +14467,8 @@
           </p:pic>
         </mc:Fallback>
       </mc:AlternateContent>
-      <mc:AlternateContent xmlns:mc="http://schemas.openxmlformats.org/markup-compatibility/2006">
-        <mc:Choice xmlns:p14="http://schemas.microsoft.com/office/powerpoint/2010/main" Requires="p14">
+      <mc:AlternateContent xmlns:mc="http://schemas.openxmlformats.org/markup-compatibility/2006" xmlns:p14="http://schemas.microsoft.com/office/powerpoint/2010/main">
+        <mc:Choice Requires="p14">
           <p:contentPart p14:bwMode="auto" r:id="rId16">
             <p14:nvContentPartPr>
               <p14:cNvPr id="13" name="Ink 12">
@@ -14486,7 +14487,7 @@
             </p14:xfrm>
           </p:contentPart>
         </mc:Choice>
-        <mc:Fallback>
+        <mc:Fallback xmlns="">
           <p:pic>
             <p:nvPicPr>
               <p:cNvPr id="13" name="Ink 12">
@@ -14517,8 +14518,8 @@
           </p:pic>
         </mc:Fallback>
       </mc:AlternateContent>
-      <mc:AlternateContent xmlns:mc="http://schemas.openxmlformats.org/markup-compatibility/2006">
-        <mc:Choice xmlns:p14="http://schemas.microsoft.com/office/powerpoint/2010/main" Requires="p14">
+      <mc:AlternateContent xmlns:mc="http://schemas.openxmlformats.org/markup-compatibility/2006" xmlns:p14="http://schemas.microsoft.com/office/powerpoint/2010/main">
+        <mc:Choice Requires="p14">
           <p:contentPart p14:bwMode="auto" r:id="rId18">
             <p14:nvContentPartPr>
               <p14:cNvPr id="14" name="Ink 13">
@@ -14537,7 +14538,7 @@
             </p14:xfrm>
           </p:contentPart>
         </mc:Choice>
-        <mc:Fallback>
+        <mc:Fallback xmlns="">
           <p:pic>
             <p:nvPicPr>
               <p:cNvPr id="14" name="Ink 13">
@@ -14568,8 +14569,8 @@
           </p:pic>
         </mc:Fallback>
       </mc:AlternateContent>
-      <mc:AlternateContent xmlns:mc="http://schemas.openxmlformats.org/markup-compatibility/2006">
-        <mc:Choice xmlns:p14="http://schemas.microsoft.com/office/powerpoint/2010/main" Requires="p14">
+      <mc:AlternateContent xmlns:mc="http://schemas.openxmlformats.org/markup-compatibility/2006" xmlns:p14="http://schemas.microsoft.com/office/powerpoint/2010/main">
+        <mc:Choice Requires="p14">
           <p:contentPart p14:bwMode="auto" r:id="rId20">
             <p14:nvContentPartPr>
               <p14:cNvPr id="15" name="Ink 14">
@@ -14588,7 +14589,7 @@
             </p14:xfrm>
           </p:contentPart>
         </mc:Choice>
-        <mc:Fallback>
+        <mc:Fallback xmlns="">
           <p:pic>
             <p:nvPicPr>
               <p:cNvPr id="15" name="Ink 14">
@@ -14639,8 +14640,8 @@
             <a:chExt cx="501120" cy="339120"/>
           </a:xfrm>
         </p:grpSpPr>
-        <mc:AlternateContent xmlns:mc="http://schemas.openxmlformats.org/markup-compatibility/2006">
-          <mc:Choice xmlns:p14="http://schemas.microsoft.com/office/powerpoint/2010/main" Requires="p14">
+        <mc:AlternateContent xmlns:mc="http://schemas.openxmlformats.org/markup-compatibility/2006" xmlns:p14="http://schemas.microsoft.com/office/powerpoint/2010/main">
+          <mc:Choice Requires="p14">
             <p:contentPart p14:bwMode="auto" r:id="rId22">
               <p14:nvContentPartPr>
                 <p14:cNvPr id="16" name="Ink 15">
@@ -14659,7 +14660,7 @@
               </p14:xfrm>
             </p:contentPart>
           </mc:Choice>
-          <mc:Fallback>
+          <mc:Fallback xmlns="">
             <p:pic>
               <p:nvPicPr>
                 <p:cNvPr id="16" name="Ink 15">
@@ -14690,8 +14691,8 @@
             </p:pic>
           </mc:Fallback>
         </mc:AlternateContent>
-        <mc:AlternateContent xmlns:mc="http://schemas.openxmlformats.org/markup-compatibility/2006">
-          <mc:Choice xmlns:p14="http://schemas.microsoft.com/office/powerpoint/2010/main" Requires="p14">
+        <mc:AlternateContent xmlns:mc="http://schemas.openxmlformats.org/markup-compatibility/2006" xmlns:p14="http://schemas.microsoft.com/office/powerpoint/2010/main">
+          <mc:Choice Requires="p14">
             <p:contentPart p14:bwMode="auto" r:id="rId24">
               <p14:nvContentPartPr>
                 <p14:cNvPr id="17" name="Ink 16">
@@ -14710,7 +14711,7 @@
               </p14:xfrm>
             </p:contentPart>
           </mc:Choice>
-          <mc:Fallback>
+          <mc:Fallback xmlns="">
             <p:pic>
               <p:nvPicPr>
                 <p:cNvPr id="17" name="Ink 16">
@@ -14762,8 +14763,8 @@
             <a:chExt cx="689760" cy="379440"/>
           </a:xfrm>
         </p:grpSpPr>
-        <mc:AlternateContent xmlns:mc="http://schemas.openxmlformats.org/markup-compatibility/2006">
-          <mc:Choice xmlns:p14="http://schemas.microsoft.com/office/powerpoint/2010/main" Requires="p14">
+        <mc:AlternateContent xmlns:mc="http://schemas.openxmlformats.org/markup-compatibility/2006" xmlns:p14="http://schemas.microsoft.com/office/powerpoint/2010/main">
+          <mc:Choice Requires="p14">
             <p:contentPart p14:bwMode="auto" r:id="rId26">
               <p14:nvContentPartPr>
                 <p14:cNvPr id="31" name="Ink 30">
@@ -14782,7 +14783,7 @@
               </p14:xfrm>
             </p:contentPart>
           </mc:Choice>
-          <mc:Fallback>
+          <mc:Fallback xmlns="">
             <p:pic>
               <p:nvPicPr>
                 <p:cNvPr id="31" name="Ink 30">
@@ -14813,8 +14814,8 @@
             </p:pic>
           </mc:Fallback>
         </mc:AlternateContent>
-        <mc:AlternateContent xmlns:mc="http://schemas.openxmlformats.org/markup-compatibility/2006">
-          <mc:Choice xmlns:p14="http://schemas.microsoft.com/office/powerpoint/2010/main" Requires="p14">
+        <mc:AlternateContent xmlns:mc="http://schemas.openxmlformats.org/markup-compatibility/2006" xmlns:p14="http://schemas.microsoft.com/office/powerpoint/2010/main">
+          <mc:Choice Requires="p14">
             <p:contentPart p14:bwMode="auto" r:id="rId28">
               <p14:nvContentPartPr>
                 <p14:cNvPr id="32" name="Ink 31">
@@ -14833,7 +14834,7 @@
               </p14:xfrm>
             </p:contentPart>
           </mc:Choice>
-          <mc:Fallback>
+          <mc:Fallback xmlns="">
             <p:pic>
               <p:nvPicPr>
                 <p:cNvPr id="32" name="Ink 31">
@@ -14865,8 +14866,8 @@
           </mc:Fallback>
         </mc:AlternateContent>
       </p:grpSp>
-      <mc:AlternateContent xmlns:mc="http://schemas.openxmlformats.org/markup-compatibility/2006">
-        <mc:Choice xmlns:p14="http://schemas.microsoft.com/office/powerpoint/2010/main" Requires="p14">
+      <mc:AlternateContent xmlns:mc="http://schemas.openxmlformats.org/markup-compatibility/2006" xmlns:p14="http://schemas.microsoft.com/office/powerpoint/2010/main">
+        <mc:Choice Requires="p14">
           <p:contentPart p14:bwMode="auto" r:id="rId30">
             <p14:nvContentPartPr>
               <p14:cNvPr id="34" name="Ink 33">
@@ -14885,7 +14886,7 @@
             </p14:xfrm>
           </p:contentPart>
         </mc:Choice>
-        <mc:Fallback>
+        <mc:Fallback xmlns="">
           <p:pic>
             <p:nvPicPr>
               <p:cNvPr id="34" name="Ink 33">
@@ -14916,8 +14917,8 @@
           </p:pic>
         </mc:Fallback>
       </mc:AlternateContent>
-      <mc:AlternateContent xmlns:mc="http://schemas.openxmlformats.org/markup-compatibility/2006">
-        <mc:Choice xmlns:p14="http://schemas.microsoft.com/office/powerpoint/2010/main" Requires="p14">
+      <mc:AlternateContent xmlns:mc="http://schemas.openxmlformats.org/markup-compatibility/2006" xmlns:p14="http://schemas.microsoft.com/office/powerpoint/2010/main">
+        <mc:Choice Requires="p14">
           <p:contentPart p14:bwMode="auto" r:id="rId32">
             <p14:nvContentPartPr>
               <p14:cNvPr id="35" name="Ink 34">
@@ -14936,7 +14937,7 @@
             </p14:xfrm>
           </p:contentPart>
         </mc:Choice>
-        <mc:Fallback>
+        <mc:Fallback xmlns="">
           <p:pic>
             <p:nvPicPr>
               <p:cNvPr id="35" name="Ink 34">
@@ -14987,8 +14988,8 @@
             <a:chExt cx="308160" cy="389880"/>
           </a:xfrm>
         </p:grpSpPr>
-        <mc:AlternateContent xmlns:mc="http://schemas.openxmlformats.org/markup-compatibility/2006">
-          <mc:Choice xmlns:p14="http://schemas.microsoft.com/office/powerpoint/2010/main" Requires="p14">
+        <mc:AlternateContent xmlns:mc="http://schemas.openxmlformats.org/markup-compatibility/2006" xmlns:p14="http://schemas.microsoft.com/office/powerpoint/2010/main">
+          <mc:Choice Requires="p14">
             <p:contentPart p14:bwMode="auto" r:id="rId34">
               <p14:nvContentPartPr>
                 <p14:cNvPr id="36" name="Ink 35">
@@ -15007,7 +15008,7 @@
               </p14:xfrm>
             </p:contentPart>
           </mc:Choice>
-          <mc:Fallback>
+          <mc:Fallback xmlns="">
             <p:pic>
               <p:nvPicPr>
                 <p:cNvPr id="36" name="Ink 35">
@@ -15038,8 +15039,8 @@
             </p:pic>
           </mc:Fallback>
         </mc:AlternateContent>
-        <mc:AlternateContent xmlns:mc="http://schemas.openxmlformats.org/markup-compatibility/2006">
-          <mc:Choice xmlns:p14="http://schemas.microsoft.com/office/powerpoint/2010/main" Requires="p14">
+        <mc:AlternateContent xmlns:mc="http://schemas.openxmlformats.org/markup-compatibility/2006" xmlns:p14="http://schemas.microsoft.com/office/powerpoint/2010/main">
+          <mc:Choice Requires="p14">
             <p:contentPart p14:bwMode="auto" r:id="rId36">
               <p14:nvContentPartPr>
                 <p14:cNvPr id="37" name="Ink 36">
@@ -15058,7 +15059,7 @@
               </p14:xfrm>
             </p:contentPart>
           </mc:Choice>
-          <mc:Fallback>
+          <mc:Fallback xmlns="">
             <p:pic>
               <p:nvPicPr>
                 <p:cNvPr id="37" name="Ink 36">
@@ -15090,8 +15091,8 @@
           </mc:Fallback>
         </mc:AlternateContent>
       </p:grpSp>
-      <mc:AlternateContent xmlns:mc="http://schemas.openxmlformats.org/markup-compatibility/2006">
-        <mc:Choice xmlns:p14="http://schemas.microsoft.com/office/powerpoint/2010/main" Requires="p14">
+      <mc:AlternateContent xmlns:mc="http://schemas.openxmlformats.org/markup-compatibility/2006" xmlns:p14="http://schemas.microsoft.com/office/powerpoint/2010/main">
+        <mc:Choice Requires="p14">
           <p:contentPart p14:bwMode="auto" r:id="rId38">
             <p14:nvContentPartPr>
               <p14:cNvPr id="39" name="Ink 38">
@@ -15110,7 +15111,7 @@
             </p14:xfrm>
           </p:contentPart>
         </mc:Choice>
-        <mc:Fallback>
+        <mc:Fallback xmlns="">
           <p:pic>
             <p:nvPicPr>
               <p:cNvPr id="39" name="Ink 38">
@@ -15141,8 +15142,8 @@
           </p:pic>
         </mc:Fallback>
       </mc:AlternateContent>
-      <mc:AlternateContent xmlns:mc="http://schemas.openxmlformats.org/markup-compatibility/2006">
-        <mc:Choice xmlns:p14="http://schemas.microsoft.com/office/powerpoint/2010/main" Requires="p14">
+      <mc:AlternateContent xmlns:mc="http://schemas.openxmlformats.org/markup-compatibility/2006" xmlns:p14="http://schemas.microsoft.com/office/powerpoint/2010/main">
+        <mc:Choice Requires="p14">
           <p:contentPart p14:bwMode="auto" r:id="rId40">
             <p14:nvContentPartPr>
               <p14:cNvPr id="40" name="Ink 39">
@@ -15161,7 +15162,7 @@
             </p14:xfrm>
           </p:contentPart>
         </mc:Choice>
-        <mc:Fallback>
+        <mc:Fallback xmlns="">
           <p:pic>
             <p:nvPicPr>
               <p:cNvPr id="40" name="Ink 39">
@@ -15227,8 +15228,8 @@
           </a:p>
         </p:txBody>
       </p:sp>
-      <mc:AlternateContent xmlns:mc="http://schemas.openxmlformats.org/markup-compatibility/2006">
-        <mc:Choice xmlns:p14="http://schemas.microsoft.com/office/powerpoint/2010/main" Requires="p14">
+      <mc:AlternateContent xmlns:mc="http://schemas.openxmlformats.org/markup-compatibility/2006" xmlns:p14="http://schemas.microsoft.com/office/powerpoint/2010/main">
+        <mc:Choice Requires="p14">
           <p:contentPart p14:bwMode="auto" r:id="rId42">
             <p14:nvContentPartPr>
               <p14:cNvPr id="42" name="Ink 41">
@@ -15247,7 +15248,7 @@
             </p14:xfrm>
           </p:contentPart>
         </mc:Choice>
-        <mc:Fallback>
+        <mc:Fallback xmlns="">
           <p:pic>
             <p:nvPicPr>
               <p:cNvPr id="42" name="Ink 41">
@@ -15298,8 +15299,8 @@
             <a:chExt cx="1321560" cy="1660290"/>
           </a:xfrm>
         </p:grpSpPr>
-        <mc:AlternateContent xmlns:mc="http://schemas.openxmlformats.org/markup-compatibility/2006">
-          <mc:Choice xmlns:p14="http://schemas.microsoft.com/office/powerpoint/2010/main" Requires="p14">
+        <mc:AlternateContent xmlns:mc="http://schemas.openxmlformats.org/markup-compatibility/2006" xmlns:p14="http://schemas.microsoft.com/office/powerpoint/2010/main">
+          <mc:Choice Requires="p14">
             <p:contentPart p14:bwMode="auto" r:id="rId44">
               <p14:nvContentPartPr>
                 <p14:cNvPr id="20" name="Ink 19">
@@ -15318,7 +15319,7 @@
               </p14:xfrm>
             </p:contentPart>
           </mc:Choice>
-          <mc:Fallback>
+          <mc:Fallback xmlns="">
             <p:pic>
               <p:nvPicPr>
                 <p:cNvPr id="20" name="Ink 19">
@@ -15349,8 +15350,8 @@
             </p:pic>
           </mc:Fallback>
         </mc:AlternateContent>
-        <mc:AlternateContent xmlns:mc="http://schemas.openxmlformats.org/markup-compatibility/2006">
-          <mc:Choice xmlns:p14="http://schemas.microsoft.com/office/powerpoint/2010/main" Requires="p14">
+        <mc:AlternateContent xmlns:mc="http://schemas.openxmlformats.org/markup-compatibility/2006" xmlns:p14="http://schemas.microsoft.com/office/powerpoint/2010/main">
+          <mc:Choice Requires="p14">
             <p:contentPart p14:bwMode="auto" r:id="rId46">
               <p14:nvContentPartPr>
                 <p14:cNvPr id="21" name="Ink 20">
@@ -15369,7 +15370,7 @@
               </p14:xfrm>
             </p:contentPart>
           </mc:Choice>
-          <mc:Fallback>
+          <mc:Fallback xmlns="">
             <p:pic>
               <p:nvPicPr>
                 <p:cNvPr id="21" name="Ink 20">
@@ -15400,8 +15401,8 @@
             </p:pic>
           </mc:Fallback>
         </mc:AlternateContent>
-        <mc:AlternateContent xmlns:mc="http://schemas.openxmlformats.org/markup-compatibility/2006">
-          <mc:Choice xmlns:p14="http://schemas.microsoft.com/office/powerpoint/2010/main" Requires="p14">
+        <mc:AlternateContent xmlns:mc="http://schemas.openxmlformats.org/markup-compatibility/2006" xmlns:p14="http://schemas.microsoft.com/office/powerpoint/2010/main">
+          <mc:Choice Requires="p14">
             <p:contentPart p14:bwMode="auto" r:id="rId48">
               <p14:nvContentPartPr>
                 <p14:cNvPr id="26" name="Ink 25">
@@ -15420,7 +15421,7 @@
               </p14:xfrm>
             </p:contentPart>
           </mc:Choice>
-          <mc:Fallback>
+          <mc:Fallback xmlns="">
             <p:pic>
               <p:nvPicPr>
                 <p:cNvPr id="26" name="Ink 25">
@@ -15451,8 +15452,8 @@
             </p:pic>
           </mc:Fallback>
         </mc:AlternateContent>
-        <mc:AlternateContent xmlns:mc="http://schemas.openxmlformats.org/markup-compatibility/2006">
-          <mc:Choice xmlns:p14="http://schemas.microsoft.com/office/powerpoint/2010/main" Requires="p14">
+        <mc:AlternateContent xmlns:mc="http://schemas.openxmlformats.org/markup-compatibility/2006" xmlns:p14="http://schemas.microsoft.com/office/powerpoint/2010/main">
+          <mc:Choice Requires="p14">
             <p:contentPart p14:bwMode="auto" r:id="rId50">
               <p14:nvContentPartPr>
                 <p14:cNvPr id="25" name="Ink 24">
@@ -15471,7 +15472,7 @@
               </p14:xfrm>
             </p:contentPart>
           </mc:Choice>
-          <mc:Fallback>
+          <mc:Fallback xmlns="">
             <p:pic>
               <p:nvPicPr>
                 <p:cNvPr id="25" name="Ink 24">
@@ -15502,8 +15503,8 @@
             </p:pic>
           </mc:Fallback>
         </mc:AlternateContent>
-        <mc:AlternateContent xmlns:mc="http://schemas.openxmlformats.org/markup-compatibility/2006">
-          <mc:Choice xmlns:p14="http://schemas.microsoft.com/office/powerpoint/2010/main" Requires="p14">
+        <mc:AlternateContent xmlns:mc="http://schemas.openxmlformats.org/markup-compatibility/2006" xmlns:p14="http://schemas.microsoft.com/office/powerpoint/2010/main">
+          <mc:Choice Requires="p14">
             <p:contentPart p14:bwMode="auto" r:id="rId52">
               <p14:nvContentPartPr>
                 <p14:cNvPr id="43" name="Ink 42">
@@ -15522,7 +15523,7 @@
               </p14:xfrm>
             </p:contentPart>
           </mc:Choice>
-          <mc:Fallback>
+          <mc:Fallback xmlns="">
             <p:pic>
               <p:nvPicPr>
                 <p:cNvPr id="43" name="Ink 42">
@@ -15553,8 +15554,8 @@
             </p:pic>
           </mc:Fallback>
         </mc:AlternateContent>
-        <mc:AlternateContent xmlns:mc="http://schemas.openxmlformats.org/markup-compatibility/2006">
-          <mc:Choice xmlns:p14="http://schemas.microsoft.com/office/powerpoint/2010/main" Requires="p14">
+        <mc:AlternateContent xmlns:mc="http://schemas.openxmlformats.org/markup-compatibility/2006" xmlns:p14="http://schemas.microsoft.com/office/powerpoint/2010/main">
+          <mc:Choice Requires="p14">
             <p:contentPart p14:bwMode="auto" r:id="rId54">
               <p14:nvContentPartPr>
                 <p14:cNvPr id="44" name="Ink 43">
@@ -15573,7 +15574,7 @@
               </p14:xfrm>
             </p:contentPart>
           </mc:Choice>
-          <mc:Fallback>
+          <mc:Fallback xmlns="">
             <p:pic>
               <p:nvPicPr>
                 <p:cNvPr id="44" name="Ink 43">
@@ -15604,8 +15605,8 @@
             </p:pic>
           </mc:Fallback>
         </mc:AlternateContent>
-        <mc:AlternateContent xmlns:mc="http://schemas.openxmlformats.org/markup-compatibility/2006">
-          <mc:Choice xmlns:p14="http://schemas.microsoft.com/office/powerpoint/2010/main" Requires="p14">
+        <mc:AlternateContent xmlns:mc="http://schemas.openxmlformats.org/markup-compatibility/2006" xmlns:p14="http://schemas.microsoft.com/office/powerpoint/2010/main">
+          <mc:Choice Requires="p14">
             <p:contentPart p14:bwMode="auto" r:id="rId56">
               <p14:nvContentPartPr>
                 <p14:cNvPr id="45" name="Ink 44">
@@ -15624,7 +15625,7 @@
               </p14:xfrm>
             </p:contentPart>
           </mc:Choice>
-          <mc:Fallback>
+          <mc:Fallback xmlns="">
             <p:pic>
               <p:nvPicPr>
                 <p:cNvPr id="45" name="Ink 44">
@@ -15655,8 +15656,8 @@
             </p:pic>
           </mc:Fallback>
         </mc:AlternateContent>
-        <mc:AlternateContent xmlns:mc="http://schemas.openxmlformats.org/markup-compatibility/2006">
-          <mc:Choice xmlns:p14="http://schemas.microsoft.com/office/powerpoint/2010/main" Requires="p14">
+        <mc:AlternateContent xmlns:mc="http://schemas.openxmlformats.org/markup-compatibility/2006" xmlns:p14="http://schemas.microsoft.com/office/powerpoint/2010/main">
+          <mc:Choice Requires="p14">
             <p:contentPart p14:bwMode="auto" r:id="rId58">
               <p14:nvContentPartPr>
                 <p14:cNvPr id="46" name="Ink 45">
@@ -15675,7 +15676,7 @@
               </p14:xfrm>
             </p:contentPart>
           </mc:Choice>
-          <mc:Fallback>
+          <mc:Fallback xmlns="">
             <p:pic>
               <p:nvPicPr>
                 <p:cNvPr id="46" name="Ink 45">
@@ -15706,8 +15707,8 @@
             </p:pic>
           </mc:Fallback>
         </mc:AlternateContent>
-        <mc:AlternateContent xmlns:mc="http://schemas.openxmlformats.org/markup-compatibility/2006">
-          <mc:Choice xmlns:p14="http://schemas.microsoft.com/office/powerpoint/2010/main" Requires="p14">
+        <mc:AlternateContent xmlns:mc="http://schemas.openxmlformats.org/markup-compatibility/2006" xmlns:p14="http://schemas.microsoft.com/office/powerpoint/2010/main">
+          <mc:Choice Requires="p14">
             <p:contentPart p14:bwMode="auto" r:id="rId60">
               <p14:nvContentPartPr>
                 <p14:cNvPr id="47" name="Ink 46">
@@ -15726,7 +15727,7 @@
               </p14:xfrm>
             </p:contentPart>
           </mc:Choice>
-          <mc:Fallback>
+          <mc:Fallback xmlns="">
             <p:pic>
               <p:nvPicPr>
                 <p:cNvPr id="47" name="Ink 46">
@@ -15911,8 +15912,8 @@
             <a:chExt cx="632160" cy="393120"/>
           </a:xfrm>
         </p:grpSpPr>
-        <mc:AlternateContent xmlns:mc="http://schemas.openxmlformats.org/markup-compatibility/2006">
-          <mc:Choice xmlns:p14="http://schemas.microsoft.com/office/powerpoint/2010/main" Requires="p14">
+        <mc:AlternateContent xmlns:mc="http://schemas.openxmlformats.org/markup-compatibility/2006" xmlns:p14="http://schemas.microsoft.com/office/powerpoint/2010/main">
+          <mc:Choice Requires="p14">
             <p:contentPart p14:bwMode="auto" r:id="rId2">
               <p14:nvContentPartPr>
                 <p14:cNvPr id="5" name="Ink 4">
@@ -15931,7 +15932,7 @@
               </p14:xfrm>
             </p:contentPart>
           </mc:Choice>
-          <mc:Fallback>
+          <mc:Fallback xmlns="">
             <p:pic>
               <p:nvPicPr>
                 <p:cNvPr id="5" name="Ink 4">
@@ -15962,8 +15963,8 @@
             </p:pic>
           </mc:Fallback>
         </mc:AlternateContent>
-        <mc:AlternateContent xmlns:mc="http://schemas.openxmlformats.org/markup-compatibility/2006">
-          <mc:Choice xmlns:p14="http://schemas.microsoft.com/office/powerpoint/2010/main" Requires="p14">
+        <mc:AlternateContent xmlns:mc="http://schemas.openxmlformats.org/markup-compatibility/2006" xmlns:p14="http://schemas.microsoft.com/office/powerpoint/2010/main">
+          <mc:Choice Requires="p14">
             <p:contentPart p14:bwMode="auto" r:id="rId4">
               <p14:nvContentPartPr>
                 <p14:cNvPr id="6" name="Ink 5">
@@ -15982,7 +15983,7 @@
               </p14:xfrm>
             </p:contentPart>
           </mc:Choice>
-          <mc:Fallback>
+          <mc:Fallback xmlns="">
             <p:pic>
               <p:nvPicPr>
                 <p:cNvPr id="6" name="Ink 5">
@@ -16013,8 +16014,8 @@
             </p:pic>
           </mc:Fallback>
         </mc:AlternateContent>
-        <mc:AlternateContent xmlns:mc="http://schemas.openxmlformats.org/markup-compatibility/2006">
-          <mc:Choice xmlns:p14="http://schemas.microsoft.com/office/powerpoint/2010/main" Requires="p14">
+        <mc:AlternateContent xmlns:mc="http://schemas.openxmlformats.org/markup-compatibility/2006" xmlns:p14="http://schemas.microsoft.com/office/powerpoint/2010/main">
+          <mc:Choice Requires="p14">
             <p:contentPart p14:bwMode="auto" r:id="rId6">
               <p14:nvContentPartPr>
                 <p14:cNvPr id="7" name="Ink 6">
@@ -16033,7 +16034,7 @@
               </p14:xfrm>
             </p:contentPart>
           </mc:Choice>
-          <mc:Fallback>
+          <mc:Fallback xmlns="">
             <p:pic>
               <p:nvPicPr>
                 <p:cNvPr id="7" name="Ink 6">
@@ -16064,8 +16065,8 @@
             </p:pic>
           </mc:Fallback>
         </mc:AlternateContent>
-        <mc:AlternateContent xmlns:mc="http://schemas.openxmlformats.org/markup-compatibility/2006">
-          <mc:Choice xmlns:p14="http://schemas.microsoft.com/office/powerpoint/2010/main" Requires="p14">
+        <mc:AlternateContent xmlns:mc="http://schemas.openxmlformats.org/markup-compatibility/2006" xmlns:p14="http://schemas.microsoft.com/office/powerpoint/2010/main">
+          <mc:Choice Requires="p14">
             <p:contentPart p14:bwMode="auto" r:id="rId8">
               <p14:nvContentPartPr>
                 <p14:cNvPr id="8" name="Ink 7">
@@ -16084,7 +16085,7 @@
               </p14:xfrm>
             </p:contentPart>
           </mc:Choice>
-          <mc:Fallback>
+          <mc:Fallback xmlns="">
             <p:pic>
               <p:nvPicPr>
                 <p:cNvPr id="8" name="Ink 7">
@@ -16136,8 +16137,8 @@
             <a:chExt cx="710280" cy="476280"/>
           </a:xfrm>
         </p:grpSpPr>
-        <mc:AlternateContent xmlns:mc="http://schemas.openxmlformats.org/markup-compatibility/2006">
-          <mc:Choice xmlns:p14="http://schemas.microsoft.com/office/powerpoint/2010/main" Requires="p14">
+        <mc:AlternateContent xmlns:mc="http://schemas.openxmlformats.org/markup-compatibility/2006" xmlns:p14="http://schemas.microsoft.com/office/powerpoint/2010/main">
+          <mc:Choice Requires="p14">
             <p:contentPart p14:bwMode="auto" r:id="rId10">
               <p14:nvContentPartPr>
                 <p14:cNvPr id="10" name="Ink 9">
@@ -16156,7 +16157,7 @@
               </p14:xfrm>
             </p:contentPart>
           </mc:Choice>
-          <mc:Fallback>
+          <mc:Fallback xmlns="">
             <p:pic>
               <p:nvPicPr>
                 <p:cNvPr id="10" name="Ink 9">
@@ -16187,8 +16188,8 @@
             </p:pic>
           </mc:Fallback>
         </mc:AlternateContent>
-        <mc:AlternateContent xmlns:mc="http://schemas.openxmlformats.org/markup-compatibility/2006">
-          <mc:Choice xmlns:p14="http://schemas.microsoft.com/office/powerpoint/2010/main" Requires="p14">
+        <mc:AlternateContent xmlns:mc="http://schemas.openxmlformats.org/markup-compatibility/2006" xmlns:p14="http://schemas.microsoft.com/office/powerpoint/2010/main">
+          <mc:Choice Requires="p14">
             <p:contentPart p14:bwMode="auto" r:id="rId12">
               <p14:nvContentPartPr>
                 <p14:cNvPr id="11" name="Ink 10">
@@ -16207,7 +16208,7 @@
               </p14:xfrm>
             </p:contentPart>
           </mc:Choice>
-          <mc:Fallback>
+          <mc:Fallback xmlns="">
             <p:pic>
               <p:nvPicPr>
                 <p:cNvPr id="11" name="Ink 10">
@@ -16238,8 +16239,8 @@
             </p:pic>
           </mc:Fallback>
         </mc:AlternateContent>
-        <mc:AlternateContent xmlns:mc="http://schemas.openxmlformats.org/markup-compatibility/2006">
-          <mc:Choice xmlns:p14="http://schemas.microsoft.com/office/powerpoint/2010/main" Requires="p14">
+        <mc:AlternateContent xmlns:mc="http://schemas.openxmlformats.org/markup-compatibility/2006" xmlns:p14="http://schemas.microsoft.com/office/powerpoint/2010/main">
+          <mc:Choice Requires="p14">
             <p:contentPart p14:bwMode="auto" r:id="rId14">
               <p14:nvContentPartPr>
                 <p14:cNvPr id="12" name="Ink 11">
@@ -16258,7 +16259,7 @@
               </p14:xfrm>
             </p:contentPart>
           </mc:Choice>
-          <mc:Fallback>
+          <mc:Fallback xmlns="">
             <p:pic>
               <p:nvPicPr>
                 <p:cNvPr id="12" name="Ink 11">
@@ -16310,8 +16311,8 @@
             <a:chExt cx="545760" cy="309960"/>
           </a:xfrm>
         </p:grpSpPr>
-        <mc:AlternateContent xmlns:mc="http://schemas.openxmlformats.org/markup-compatibility/2006">
-          <mc:Choice xmlns:p14="http://schemas.microsoft.com/office/powerpoint/2010/main" Requires="p14">
+        <mc:AlternateContent xmlns:mc="http://schemas.openxmlformats.org/markup-compatibility/2006" xmlns:p14="http://schemas.microsoft.com/office/powerpoint/2010/main">
+          <mc:Choice Requires="p14">
             <p:contentPart p14:bwMode="auto" r:id="rId16">
               <p14:nvContentPartPr>
                 <p14:cNvPr id="13" name="Ink 12">
@@ -16330,7 +16331,7 @@
               </p14:xfrm>
             </p:contentPart>
           </mc:Choice>
-          <mc:Fallback>
+          <mc:Fallback xmlns="">
             <p:pic>
               <p:nvPicPr>
                 <p:cNvPr id="13" name="Ink 12">
@@ -16361,8 +16362,8 @@
             </p:pic>
           </mc:Fallback>
         </mc:AlternateContent>
-        <mc:AlternateContent xmlns:mc="http://schemas.openxmlformats.org/markup-compatibility/2006">
-          <mc:Choice xmlns:p14="http://schemas.microsoft.com/office/powerpoint/2010/main" Requires="p14">
+        <mc:AlternateContent xmlns:mc="http://schemas.openxmlformats.org/markup-compatibility/2006" xmlns:p14="http://schemas.microsoft.com/office/powerpoint/2010/main">
+          <mc:Choice Requires="p14">
             <p:contentPart p14:bwMode="auto" r:id="rId18">
               <p14:nvContentPartPr>
                 <p14:cNvPr id="14" name="Ink 13">
@@ -16381,7 +16382,7 @@
               </p14:xfrm>
             </p:contentPart>
           </mc:Choice>
-          <mc:Fallback>
+          <mc:Fallback xmlns="">
             <p:pic>
               <p:nvPicPr>
                 <p:cNvPr id="14" name="Ink 13">
@@ -16433,8 +16434,8 @@
             <a:chExt cx="1091520" cy="379800"/>
           </a:xfrm>
         </p:grpSpPr>
-        <mc:AlternateContent xmlns:mc="http://schemas.openxmlformats.org/markup-compatibility/2006">
-          <mc:Choice xmlns:p14="http://schemas.microsoft.com/office/powerpoint/2010/main" Requires="p14">
+        <mc:AlternateContent xmlns:mc="http://schemas.openxmlformats.org/markup-compatibility/2006" xmlns:p14="http://schemas.microsoft.com/office/powerpoint/2010/main">
+          <mc:Choice Requires="p14">
             <p:contentPart p14:bwMode="auto" r:id="rId20">
               <p14:nvContentPartPr>
                 <p14:cNvPr id="15" name="Ink 14">
@@ -16453,7 +16454,7 @@
               </p14:xfrm>
             </p:contentPart>
           </mc:Choice>
-          <mc:Fallback>
+          <mc:Fallback xmlns="">
             <p:pic>
               <p:nvPicPr>
                 <p:cNvPr id="15" name="Ink 14">
@@ -16484,8 +16485,8 @@
             </p:pic>
           </mc:Fallback>
         </mc:AlternateContent>
-        <mc:AlternateContent xmlns:mc="http://schemas.openxmlformats.org/markup-compatibility/2006">
-          <mc:Choice xmlns:p14="http://schemas.microsoft.com/office/powerpoint/2010/main" Requires="p14">
+        <mc:AlternateContent xmlns:mc="http://schemas.openxmlformats.org/markup-compatibility/2006" xmlns:p14="http://schemas.microsoft.com/office/powerpoint/2010/main">
+          <mc:Choice Requires="p14">
             <p:contentPart p14:bwMode="auto" r:id="rId22">
               <p14:nvContentPartPr>
                 <p14:cNvPr id="16" name="Ink 15">
@@ -16504,7 +16505,7 @@
               </p14:xfrm>
             </p:contentPart>
           </mc:Choice>
-          <mc:Fallback>
+          <mc:Fallback xmlns="">
             <p:pic>
               <p:nvPicPr>
                 <p:cNvPr id="16" name="Ink 15">
@@ -16535,8 +16536,8 @@
             </p:pic>
           </mc:Fallback>
         </mc:AlternateContent>
-        <mc:AlternateContent xmlns:mc="http://schemas.openxmlformats.org/markup-compatibility/2006">
-          <mc:Choice xmlns:p14="http://schemas.microsoft.com/office/powerpoint/2010/main" Requires="p14">
+        <mc:AlternateContent xmlns:mc="http://schemas.openxmlformats.org/markup-compatibility/2006" xmlns:p14="http://schemas.microsoft.com/office/powerpoint/2010/main">
+          <mc:Choice Requires="p14">
             <p:contentPart p14:bwMode="auto" r:id="rId24">
               <p14:nvContentPartPr>
                 <p14:cNvPr id="17" name="Ink 16">
@@ -16555,7 +16556,7 @@
               </p14:xfrm>
             </p:contentPart>
           </mc:Choice>
-          <mc:Fallback>
+          <mc:Fallback xmlns="">
             <p:pic>
               <p:nvPicPr>
                 <p:cNvPr id="17" name="Ink 16">
@@ -16586,8 +16587,8 @@
             </p:pic>
           </mc:Fallback>
         </mc:AlternateContent>
-        <mc:AlternateContent xmlns:mc="http://schemas.openxmlformats.org/markup-compatibility/2006">
-          <mc:Choice xmlns:p14="http://schemas.microsoft.com/office/powerpoint/2010/main" Requires="p14">
+        <mc:AlternateContent xmlns:mc="http://schemas.openxmlformats.org/markup-compatibility/2006" xmlns:p14="http://schemas.microsoft.com/office/powerpoint/2010/main">
+          <mc:Choice Requires="p14">
             <p:contentPart p14:bwMode="auto" r:id="rId26">
               <p14:nvContentPartPr>
                 <p14:cNvPr id="18" name="Ink 17">
@@ -16606,7 +16607,7 @@
               </p14:xfrm>
             </p:contentPart>
           </mc:Choice>
-          <mc:Fallback>
+          <mc:Fallback xmlns="">
             <p:pic>
               <p:nvPicPr>
                 <p:cNvPr id="18" name="Ink 17">
@@ -16658,8 +16659,8 @@
             <a:chExt cx="587520" cy="312480"/>
           </a:xfrm>
         </p:grpSpPr>
-        <mc:AlternateContent xmlns:mc="http://schemas.openxmlformats.org/markup-compatibility/2006">
-          <mc:Choice xmlns:p14="http://schemas.microsoft.com/office/powerpoint/2010/main" Requires="p14">
+        <mc:AlternateContent xmlns:mc="http://schemas.openxmlformats.org/markup-compatibility/2006" xmlns:p14="http://schemas.microsoft.com/office/powerpoint/2010/main">
+          <mc:Choice Requires="p14">
             <p:contentPart p14:bwMode="auto" r:id="rId28">
               <p14:nvContentPartPr>
                 <p14:cNvPr id="19" name="Ink 18">
@@ -16678,7 +16679,7 @@
               </p14:xfrm>
             </p:contentPart>
           </mc:Choice>
-          <mc:Fallback>
+          <mc:Fallback xmlns="">
             <p:pic>
               <p:nvPicPr>
                 <p:cNvPr id="19" name="Ink 18">
@@ -16709,8 +16710,8 @@
             </p:pic>
           </mc:Fallback>
         </mc:AlternateContent>
-        <mc:AlternateContent xmlns:mc="http://schemas.openxmlformats.org/markup-compatibility/2006">
-          <mc:Choice xmlns:p14="http://schemas.microsoft.com/office/powerpoint/2010/main" Requires="p14">
+        <mc:AlternateContent xmlns:mc="http://schemas.openxmlformats.org/markup-compatibility/2006" xmlns:p14="http://schemas.microsoft.com/office/powerpoint/2010/main">
+          <mc:Choice Requires="p14">
             <p:contentPart p14:bwMode="auto" r:id="rId30">
               <p14:nvContentPartPr>
                 <p14:cNvPr id="20" name="Ink 19">
@@ -16729,7 +16730,7 @@
               </p14:xfrm>
             </p:contentPart>
           </mc:Choice>
-          <mc:Fallback>
+          <mc:Fallback xmlns="">
             <p:pic>
               <p:nvPicPr>
                 <p:cNvPr id="20" name="Ink 19">
@@ -16761,8 +16762,8 @@
           </mc:Fallback>
         </mc:AlternateContent>
       </p:grpSp>
-      <mc:AlternateContent xmlns:mc="http://schemas.openxmlformats.org/markup-compatibility/2006">
-        <mc:Choice xmlns:p14="http://schemas.microsoft.com/office/powerpoint/2010/main" Requires="p14">
+      <mc:AlternateContent xmlns:mc="http://schemas.openxmlformats.org/markup-compatibility/2006" xmlns:p14="http://schemas.microsoft.com/office/powerpoint/2010/main">
+        <mc:Choice Requires="p14">
           <p:contentPart p14:bwMode="auto" r:id="rId32">
             <p14:nvContentPartPr>
               <p14:cNvPr id="28" name="Ink 27">
@@ -16781,7 +16782,7 @@
             </p14:xfrm>
           </p:contentPart>
         </mc:Choice>
-        <mc:Fallback>
+        <mc:Fallback xmlns="">
           <p:pic>
             <p:nvPicPr>
               <p:cNvPr id="28" name="Ink 27">
@@ -16812,8 +16813,8 @@
           </p:pic>
         </mc:Fallback>
       </mc:AlternateContent>
-      <mc:AlternateContent xmlns:mc="http://schemas.openxmlformats.org/markup-compatibility/2006">
-        <mc:Choice xmlns:p14="http://schemas.microsoft.com/office/powerpoint/2010/main" Requires="p14">
+      <mc:AlternateContent xmlns:mc="http://schemas.openxmlformats.org/markup-compatibility/2006" xmlns:p14="http://schemas.microsoft.com/office/powerpoint/2010/main">
+        <mc:Choice Requires="p14">
           <p:contentPart p14:bwMode="auto" r:id="rId34">
             <p14:nvContentPartPr>
               <p14:cNvPr id="29" name="Ink 28">
@@ -16832,7 +16833,7 @@
             </p14:xfrm>
           </p:contentPart>
         </mc:Choice>
-        <mc:Fallback>
+        <mc:Fallback xmlns="">
           <p:pic>
             <p:nvPicPr>
               <p:cNvPr id="29" name="Ink 28">
@@ -16883,8 +16884,8 @@
             <a:chExt cx="716760" cy="895320"/>
           </a:xfrm>
         </p:grpSpPr>
-        <mc:AlternateContent xmlns:mc="http://schemas.openxmlformats.org/markup-compatibility/2006">
-          <mc:Choice xmlns:p14="http://schemas.microsoft.com/office/powerpoint/2010/main" Requires="p14">
+        <mc:AlternateContent xmlns:mc="http://schemas.openxmlformats.org/markup-compatibility/2006" xmlns:p14="http://schemas.microsoft.com/office/powerpoint/2010/main">
+          <mc:Choice Requires="p14">
             <p:contentPart p14:bwMode="auto" r:id="rId36">
               <p14:nvContentPartPr>
                 <p14:cNvPr id="25" name="Ink 24">
@@ -16903,7 +16904,7 @@
               </p14:xfrm>
             </p:contentPart>
           </mc:Choice>
-          <mc:Fallback>
+          <mc:Fallback xmlns="">
             <p:pic>
               <p:nvPicPr>
                 <p:cNvPr id="25" name="Ink 24">
@@ -16934,8 +16935,8 @@
             </p:pic>
           </mc:Fallback>
         </mc:AlternateContent>
-        <mc:AlternateContent xmlns:mc="http://schemas.openxmlformats.org/markup-compatibility/2006">
-          <mc:Choice xmlns:p14="http://schemas.microsoft.com/office/powerpoint/2010/main" Requires="p14">
+        <mc:AlternateContent xmlns:mc="http://schemas.openxmlformats.org/markup-compatibility/2006" xmlns:p14="http://schemas.microsoft.com/office/powerpoint/2010/main">
+          <mc:Choice Requires="p14">
             <p:contentPart p14:bwMode="auto" r:id="rId38">
               <p14:nvContentPartPr>
                 <p14:cNvPr id="26" name="Ink 25">
@@ -16954,7 +16955,7 @@
               </p14:xfrm>
             </p:contentPart>
           </mc:Choice>
-          <mc:Fallback>
+          <mc:Fallback xmlns="">
             <p:pic>
               <p:nvPicPr>
                 <p:cNvPr id="26" name="Ink 25">
@@ -16985,8 +16986,8 @@
             </p:pic>
           </mc:Fallback>
         </mc:AlternateContent>
-        <mc:AlternateContent xmlns:mc="http://schemas.openxmlformats.org/markup-compatibility/2006">
-          <mc:Choice xmlns:p14="http://schemas.microsoft.com/office/powerpoint/2010/main" Requires="p14">
+        <mc:AlternateContent xmlns:mc="http://schemas.openxmlformats.org/markup-compatibility/2006" xmlns:p14="http://schemas.microsoft.com/office/powerpoint/2010/main">
+          <mc:Choice Requires="p14">
             <p:contentPart p14:bwMode="auto" r:id="rId40">
               <p14:nvContentPartPr>
                 <p14:cNvPr id="27" name="Ink 26">
@@ -17005,7 +17006,7 @@
               </p14:xfrm>
             </p:contentPart>
           </mc:Choice>
-          <mc:Fallback>
+          <mc:Fallback xmlns="">
             <p:pic>
               <p:nvPicPr>
                 <p:cNvPr id="27" name="Ink 26">
@@ -17036,8 +17037,8 @@
             </p:pic>
           </mc:Fallback>
         </mc:AlternateContent>
-        <mc:AlternateContent xmlns:mc="http://schemas.openxmlformats.org/markup-compatibility/2006">
-          <mc:Choice xmlns:p14="http://schemas.microsoft.com/office/powerpoint/2010/main" Requires="p14">
+        <mc:AlternateContent xmlns:mc="http://schemas.openxmlformats.org/markup-compatibility/2006" xmlns:p14="http://schemas.microsoft.com/office/powerpoint/2010/main">
+          <mc:Choice Requires="p14">
             <p:contentPart p14:bwMode="auto" r:id="rId42">
               <p14:nvContentPartPr>
                 <p14:cNvPr id="31" name="Ink 30">
@@ -17056,7 +17057,7 @@
               </p14:xfrm>
             </p:contentPart>
           </mc:Choice>
-          <mc:Fallback>
+          <mc:Fallback xmlns="">
             <p:pic>
               <p:nvPicPr>
                 <p:cNvPr id="31" name="Ink 30">
@@ -17087,8 +17088,8 @@
             </p:pic>
           </mc:Fallback>
         </mc:AlternateContent>
-        <mc:AlternateContent xmlns:mc="http://schemas.openxmlformats.org/markup-compatibility/2006">
-          <mc:Choice xmlns:p14="http://schemas.microsoft.com/office/powerpoint/2010/main" Requires="p14">
+        <mc:AlternateContent xmlns:mc="http://schemas.openxmlformats.org/markup-compatibility/2006" xmlns:p14="http://schemas.microsoft.com/office/powerpoint/2010/main">
+          <mc:Choice Requires="p14">
             <p:contentPart p14:bwMode="auto" r:id="rId44">
               <p14:nvContentPartPr>
                 <p14:cNvPr id="32" name="Ink 31">
@@ -17107,7 +17108,7 @@
               </p14:xfrm>
             </p:contentPart>
           </mc:Choice>
-          <mc:Fallback>
+          <mc:Fallback xmlns="">
             <p:pic>
               <p:nvPicPr>
                 <p:cNvPr id="32" name="Ink 31">
@@ -17138,8 +17139,8 @@
             </p:pic>
           </mc:Fallback>
         </mc:AlternateContent>
-        <mc:AlternateContent xmlns:mc="http://schemas.openxmlformats.org/markup-compatibility/2006">
-          <mc:Choice xmlns:p14="http://schemas.microsoft.com/office/powerpoint/2010/main" Requires="p14">
+        <mc:AlternateContent xmlns:mc="http://schemas.openxmlformats.org/markup-compatibility/2006" xmlns:p14="http://schemas.microsoft.com/office/powerpoint/2010/main">
+          <mc:Choice Requires="p14">
             <p:contentPart p14:bwMode="auto" r:id="rId46">
               <p14:nvContentPartPr>
                 <p14:cNvPr id="33" name="Ink 32">
@@ -17158,7 +17159,7 @@
               </p14:xfrm>
             </p:contentPart>
           </mc:Choice>
-          <mc:Fallback>
+          <mc:Fallback xmlns="">
             <p:pic>
               <p:nvPicPr>
                 <p:cNvPr id="33" name="Ink 32">
@@ -17189,8 +17190,8 @@
             </p:pic>
           </mc:Fallback>
         </mc:AlternateContent>
-        <mc:AlternateContent xmlns:mc="http://schemas.openxmlformats.org/markup-compatibility/2006">
-          <mc:Choice xmlns:p14="http://schemas.microsoft.com/office/powerpoint/2010/main" Requires="p14">
+        <mc:AlternateContent xmlns:mc="http://schemas.openxmlformats.org/markup-compatibility/2006" xmlns:p14="http://schemas.microsoft.com/office/powerpoint/2010/main">
+          <mc:Choice Requires="p14">
             <p:contentPart p14:bwMode="auto" r:id="rId48">
               <p14:nvContentPartPr>
                 <p14:cNvPr id="34" name="Ink 33">
@@ -17209,7 +17210,7 @@
               </p14:xfrm>
             </p:contentPart>
           </mc:Choice>
-          <mc:Fallback>
+          <mc:Fallback xmlns="">
             <p:pic>
               <p:nvPicPr>
                 <p:cNvPr id="34" name="Ink 33">
@@ -17261,8 +17262,8 @@
             <a:chExt cx="345960" cy="408960"/>
           </a:xfrm>
         </p:grpSpPr>
-        <mc:AlternateContent xmlns:mc="http://schemas.openxmlformats.org/markup-compatibility/2006">
-          <mc:Choice xmlns:p14="http://schemas.microsoft.com/office/powerpoint/2010/main" Requires="p14">
+        <mc:AlternateContent xmlns:mc="http://schemas.openxmlformats.org/markup-compatibility/2006" xmlns:p14="http://schemas.microsoft.com/office/powerpoint/2010/main">
+          <mc:Choice Requires="p14">
             <p:contentPart p14:bwMode="auto" r:id="rId50">
               <p14:nvContentPartPr>
                 <p14:cNvPr id="36" name="Ink 35">
@@ -17281,7 +17282,7 @@
               </p14:xfrm>
             </p:contentPart>
           </mc:Choice>
-          <mc:Fallback>
+          <mc:Fallback xmlns="">
             <p:pic>
               <p:nvPicPr>
                 <p:cNvPr id="36" name="Ink 35">
@@ -17312,8 +17313,8 @@
             </p:pic>
           </mc:Fallback>
         </mc:AlternateContent>
-        <mc:AlternateContent xmlns:mc="http://schemas.openxmlformats.org/markup-compatibility/2006">
-          <mc:Choice xmlns:p14="http://schemas.microsoft.com/office/powerpoint/2010/main" Requires="p14">
+        <mc:AlternateContent xmlns:mc="http://schemas.openxmlformats.org/markup-compatibility/2006" xmlns:p14="http://schemas.microsoft.com/office/powerpoint/2010/main">
+          <mc:Choice Requires="p14">
             <p:contentPart p14:bwMode="auto" r:id="rId52">
               <p14:nvContentPartPr>
                 <p14:cNvPr id="37" name="Ink 36">
@@ -17332,7 +17333,7 @@
               </p14:xfrm>
             </p:contentPart>
           </mc:Choice>
-          <mc:Fallback>
+          <mc:Fallback xmlns="">
             <p:pic>
               <p:nvPicPr>
                 <p:cNvPr id="37" name="Ink 36">
@@ -17363,8 +17364,8 @@
             </p:pic>
           </mc:Fallback>
         </mc:AlternateContent>
-        <mc:AlternateContent xmlns:mc="http://schemas.openxmlformats.org/markup-compatibility/2006">
-          <mc:Choice xmlns:p14="http://schemas.microsoft.com/office/powerpoint/2010/main" Requires="p14">
+        <mc:AlternateContent xmlns:mc="http://schemas.openxmlformats.org/markup-compatibility/2006" xmlns:p14="http://schemas.microsoft.com/office/powerpoint/2010/main">
+          <mc:Choice Requires="p14">
             <p:contentPart p14:bwMode="auto" r:id="rId54">
               <p14:nvContentPartPr>
                 <p14:cNvPr id="38" name="Ink 37">
@@ -17383,7 +17384,7 @@
               </p14:xfrm>
             </p:contentPart>
           </mc:Choice>
-          <mc:Fallback>
+          <mc:Fallback xmlns="">
             <p:pic>
               <p:nvPicPr>
                 <p:cNvPr id="38" name="Ink 37">
@@ -17414,8 +17415,8 @@
             </p:pic>
           </mc:Fallback>
         </mc:AlternateContent>
-        <mc:AlternateContent xmlns:mc="http://schemas.openxmlformats.org/markup-compatibility/2006">
-          <mc:Choice xmlns:p14="http://schemas.microsoft.com/office/powerpoint/2010/main" Requires="p14">
+        <mc:AlternateContent xmlns:mc="http://schemas.openxmlformats.org/markup-compatibility/2006" xmlns:p14="http://schemas.microsoft.com/office/powerpoint/2010/main">
+          <mc:Choice Requires="p14">
             <p:contentPart p14:bwMode="auto" r:id="rId56">
               <p14:nvContentPartPr>
                 <p14:cNvPr id="39" name="Ink 38">
@@ -17434,7 +17435,7 @@
               </p14:xfrm>
             </p:contentPart>
           </mc:Choice>
-          <mc:Fallback>
+          <mc:Fallback xmlns="">
             <p:pic>
               <p:nvPicPr>
                 <p:cNvPr id="39" name="Ink 38">
@@ -17486,8 +17487,8 @@
             <a:chExt cx="572040" cy="561600"/>
           </a:xfrm>
         </p:grpSpPr>
-        <mc:AlternateContent xmlns:mc="http://schemas.openxmlformats.org/markup-compatibility/2006">
-          <mc:Choice xmlns:p14="http://schemas.microsoft.com/office/powerpoint/2010/main" Requires="p14">
+        <mc:AlternateContent xmlns:mc="http://schemas.openxmlformats.org/markup-compatibility/2006" xmlns:p14="http://schemas.microsoft.com/office/powerpoint/2010/main">
+          <mc:Choice Requires="p14">
             <p:contentPart p14:bwMode="auto" r:id="rId58">
               <p14:nvContentPartPr>
                 <p14:cNvPr id="41" name="Ink 40">
@@ -17506,7 +17507,7 @@
               </p14:xfrm>
             </p:contentPart>
           </mc:Choice>
-          <mc:Fallback>
+          <mc:Fallback xmlns="">
             <p:pic>
               <p:nvPicPr>
                 <p:cNvPr id="41" name="Ink 40">
@@ -17537,8 +17538,8 @@
             </p:pic>
           </mc:Fallback>
         </mc:AlternateContent>
-        <mc:AlternateContent xmlns:mc="http://schemas.openxmlformats.org/markup-compatibility/2006">
-          <mc:Choice xmlns:p14="http://schemas.microsoft.com/office/powerpoint/2010/main" Requires="p14">
+        <mc:AlternateContent xmlns:mc="http://schemas.openxmlformats.org/markup-compatibility/2006" xmlns:p14="http://schemas.microsoft.com/office/powerpoint/2010/main">
+          <mc:Choice Requires="p14">
             <p:contentPart p14:bwMode="auto" r:id="rId60">
               <p14:nvContentPartPr>
                 <p14:cNvPr id="42" name="Ink 41">
@@ -17557,7 +17558,7 @@
               </p14:xfrm>
             </p:contentPart>
           </mc:Choice>
-          <mc:Fallback>
+          <mc:Fallback xmlns="">
             <p:pic>
               <p:nvPicPr>
                 <p:cNvPr id="42" name="Ink 41">
@@ -17588,8 +17589,8 @@
             </p:pic>
           </mc:Fallback>
         </mc:AlternateContent>
-        <mc:AlternateContent xmlns:mc="http://schemas.openxmlformats.org/markup-compatibility/2006">
-          <mc:Choice xmlns:p14="http://schemas.microsoft.com/office/powerpoint/2010/main" Requires="p14">
+        <mc:AlternateContent xmlns:mc="http://schemas.openxmlformats.org/markup-compatibility/2006" xmlns:p14="http://schemas.microsoft.com/office/powerpoint/2010/main">
+          <mc:Choice Requires="p14">
             <p:contentPart p14:bwMode="auto" r:id="rId62">
               <p14:nvContentPartPr>
                 <p14:cNvPr id="43" name="Ink 42">
@@ -17608,7 +17609,7 @@
               </p14:xfrm>
             </p:contentPart>
           </mc:Choice>
-          <mc:Fallback>
+          <mc:Fallback xmlns="">
             <p:pic>
               <p:nvPicPr>
                 <p:cNvPr id="43" name="Ink 42">
@@ -17639,8 +17640,8 @@
             </p:pic>
           </mc:Fallback>
         </mc:AlternateContent>
-        <mc:AlternateContent xmlns:mc="http://schemas.openxmlformats.org/markup-compatibility/2006">
-          <mc:Choice xmlns:p14="http://schemas.microsoft.com/office/powerpoint/2010/main" Requires="p14">
+        <mc:AlternateContent xmlns:mc="http://schemas.openxmlformats.org/markup-compatibility/2006" xmlns:p14="http://schemas.microsoft.com/office/powerpoint/2010/main">
+          <mc:Choice Requires="p14">
             <p:contentPart p14:bwMode="auto" r:id="rId64">
               <p14:nvContentPartPr>
                 <p14:cNvPr id="44" name="Ink 43">
@@ -17659,7 +17660,7 @@
               </p14:xfrm>
             </p:contentPart>
           </mc:Choice>
-          <mc:Fallback>
+          <mc:Fallback xmlns="">
             <p:pic>
               <p:nvPicPr>
                 <p:cNvPr id="44" name="Ink 43">
@@ -17711,8 +17712,8 @@
             <a:chExt cx="579240" cy="340920"/>
           </a:xfrm>
         </p:grpSpPr>
-        <mc:AlternateContent xmlns:mc="http://schemas.openxmlformats.org/markup-compatibility/2006">
-          <mc:Choice xmlns:p14="http://schemas.microsoft.com/office/powerpoint/2010/main" Requires="p14">
+        <mc:AlternateContent xmlns:mc="http://schemas.openxmlformats.org/markup-compatibility/2006" xmlns:p14="http://schemas.microsoft.com/office/powerpoint/2010/main">
+          <mc:Choice Requires="p14">
             <p:contentPart p14:bwMode="auto" r:id="rId66">
               <p14:nvContentPartPr>
                 <p14:cNvPr id="46" name="Ink 45">
@@ -17731,7 +17732,7 @@
               </p14:xfrm>
             </p:contentPart>
           </mc:Choice>
-          <mc:Fallback>
+          <mc:Fallback xmlns="">
             <p:pic>
               <p:nvPicPr>
                 <p:cNvPr id="46" name="Ink 45">
@@ -17762,8 +17763,8 @@
             </p:pic>
           </mc:Fallback>
         </mc:AlternateContent>
-        <mc:AlternateContent xmlns:mc="http://schemas.openxmlformats.org/markup-compatibility/2006">
-          <mc:Choice xmlns:p14="http://schemas.microsoft.com/office/powerpoint/2010/main" Requires="p14">
+        <mc:AlternateContent xmlns:mc="http://schemas.openxmlformats.org/markup-compatibility/2006" xmlns:p14="http://schemas.microsoft.com/office/powerpoint/2010/main">
+          <mc:Choice Requires="p14">
             <p:contentPart p14:bwMode="auto" r:id="rId68">
               <p14:nvContentPartPr>
                 <p14:cNvPr id="47" name="Ink 46">
@@ -17782,7 +17783,7 @@
               </p14:xfrm>
             </p:contentPart>
           </mc:Choice>
-          <mc:Fallback>
+          <mc:Fallback xmlns="">
             <p:pic>
               <p:nvPicPr>
                 <p:cNvPr id="47" name="Ink 46">
@@ -17834,8 +17835,8 @@
             <a:chExt cx="271080" cy="582840"/>
           </a:xfrm>
         </p:grpSpPr>
-        <mc:AlternateContent xmlns:mc="http://schemas.openxmlformats.org/markup-compatibility/2006">
-          <mc:Choice xmlns:p14="http://schemas.microsoft.com/office/powerpoint/2010/main" Requires="p14">
+        <mc:AlternateContent xmlns:mc="http://schemas.openxmlformats.org/markup-compatibility/2006" xmlns:p14="http://schemas.microsoft.com/office/powerpoint/2010/main">
+          <mc:Choice Requires="p14">
             <p:contentPart p14:bwMode="auto" r:id="rId70">
               <p14:nvContentPartPr>
                 <p14:cNvPr id="49" name="Ink 48">
@@ -17854,7 +17855,7 @@
               </p14:xfrm>
             </p:contentPart>
           </mc:Choice>
-          <mc:Fallback>
+          <mc:Fallback xmlns="">
             <p:pic>
               <p:nvPicPr>
                 <p:cNvPr id="49" name="Ink 48">
@@ -17885,8 +17886,8 @@
             </p:pic>
           </mc:Fallback>
         </mc:AlternateContent>
-        <mc:AlternateContent xmlns:mc="http://schemas.openxmlformats.org/markup-compatibility/2006">
-          <mc:Choice xmlns:p14="http://schemas.microsoft.com/office/powerpoint/2010/main" Requires="p14">
+        <mc:AlternateContent xmlns:mc="http://schemas.openxmlformats.org/markup-compatibility/2006" xmlns:p14="http://schemas.microsoft.com/office/powerpoint/2010/main">
+          <mc:Choice Requires="p14">
             <p:contentPart p14:bwMode="auto" r:id="rId72">
               <p14:nvContentPartPr>
                 <p14:cNvPr id="50" name="Ink 49">
@@ -17905,7 +17906,7 @@
               </p14:xfrm>
             </p:contentPart>
           </mc:Choice>
-          <mc:Fallback>
+          <mc:Fallback xmlns="">
             <p:pic>
               <p:nvPicPr>
                 <p:cNvPr id="50" name="Ink 49">
@@ -17936,8 +17937,8 @@
             </p:pic>
           </mc:Fallback>
         </mc:AlternateContent>
-        <mc:AlternateContent xmlns:mc="http://schemas.openxmlformats.org/markup-compatibility/2006">
-          <mc:Choice xmlns:p14="http://schemas.microsoft.com/office/powerpoint/2010/main" Requires="p14">
+        <mc:AlternateContent xmlns:mc="http://schemas.openxmlformats.org/markup-compatibility/2006" xmlns:p14="http://schemas.microsoft.com/office/powerpoint/2010/main">
+          <mc:Choice Requires="p14">
             <p:contentPart p14:bwMode="auto" r:id="rId74">
               <p14:nvContentPartPr>
                 <p14:cNvPr id="51" name="Ink 50">
@@ -17956,7 +17957,7 @@
               </p14:xfrm>
             </p:contentPart>
           </mc:Choice>
-          <mc:Fallback>
+          <mc:Fallback xmlns="">
             <p:pic>
               <p:nvPicPr>
                 <p:cNvPr id="51" name="Ink 50">
@@ -17988,8 +17989,8 @@
           </mc:Fallback>
         </mc:AlternateContent>
       </p:grpSp>
-      <mc:AlternateContent xmlns:mc="http://schemas.openxmlformats.org/markup-compatibility/2006">
-        <mc:Choice xmlns:p14="http://schemas.microsoft.com/office/powerpoint/2010/main" Requires="p14">
+      <mc:AlternateContent xmlns:mc="http://schemas.openxmlformats.org/markup-compatibility/2006" xmlns:p14="http://schemas.microsoft.com/office/powerpoint/2010/main">
+        <mc:Choice Requires="p14">
           <p:contentPart p14:bwMode="auto" r:id="rId76">
             <p14:nvContentPartPr>
               <p14:cNvPr id="52" name="Ink 51">
@@ -18008,7 +18009,7 @@
             </p14:xfrm>
           </p:contentPart>
         </mc:Choice>
-        <mc:Fallback>
+        <mc:Fallback xmlns="">
           <p:pic>
             <p:nvPicPr>
               <p:cNvPr id="52" name="Ink 51">
@@ -18059,8 +18060,8 @@
             <a:chExt cx="606960" cy="873720"/>
           </a:xfrm>
         </p:grpSpPr>
-        <mc:AlternateContent xmlns:mc="http://schemas.openxmlformats.org/markup-compatibility/2006">
-          <mc:Choice xmlns:p14="http://schemas.microsoft.com/office/powerpoint/2010/main" Requires="p14">
+        <mc:AlternateContent xmlns:mc="http://schemas.openxmlformats.org/markup-compatibility/2006" xmlns:p14="http://schemas.microsoft.com/office/powerpoint/2010/main">
+          <mc:Choice Requires="p14">
             <p:contentPart p14:bwMode="auto" r:id="rId78">
               <p14:nvContentPartPr>
                 <p14:cNvPr id="54" name="Ink 53">
@@ -18079,7 +18080,7 @@
               </p14:xfrm>
             </p:contentPart>
           </mc:Choice>
-          <mc:Fallback>
+          <mc:Fallback xmlns="">
             <p:pic>
               <p:nvPicPr>
                 <p:cNvPr id="54" name="Ink 53">
@@ -18110,8 +18111,8 @@
             </p:pic>
           </mc:Fallback>
         </mc:AlternateContent>
-        <mc:AlternateContent xmlns:mc="http://schemas.openxmlformats.org/markup-compatibility/2006">
-          <mc:Choice xmlns:p14="http://schemas.microsoft.com/office/powerpoint/2010/main" Requires="p14">
+        <mc:AlternateContent xmlns:mc="http://schemas.openxmlformats.org/markup-compatibility/2006" xmlns:p14="http://schemas.microsoft.com/office/powerpoint/2010/main">
+          <mc:Choice Requires="p14">
             <p:contentPart p14:bwMode="auto" r:id="rId80">
               <p14:nvContentPartPr>
                 <p14:cNvPr id="55" name="Ink 54">
@@ -18130,7 +18131,7 @@
               </p14:xfrm>
             </p:contentPart>
           </mc:Choice>
-          <mc:Fallback>
+          <mc:Fallback xmlns="">
             <p:pic>
               <p:nvPicPr>
                 <p:cNvPr id="55" name="Ink 54">
@@ -18161,8 +18162,8 @@
             </p:pic>
           </mc:Fallback>
         </mc:AlternateContent>
-        <mc:AlternateContent xmlns:mc="http://schemas.openxmlformats.org/markup-compatibility/2006">
-          <mc:Choice xmlns:p14="http://schemas.microsoft.com/office/powerpoint/2010/main" Requires="p14">
+        <mc:AlternateContent xmlns:mc="http://schemas.openxmlformats.org/markup-compatibility/2006" xmlns:p14="http://schemas.microsoft.com/office/powerpoint/2010/main">
+          <mc:Choice Requires="p14">
             <p:contentPart p14:bwMode="auto" r:id="rId82">
               <p14:nvContentPartPr>
                 <p14:cNvPr id="56" name="Ink 55">
@@ -18181,7 +18182,7 @@
               </p14:xfrm>
             </p:contentPart>
           </mc:Choice>
-          <mc:Fallback>
+          <mc:Fallback xmlns="">
             <p:pic>
               <p:nvPicPr>
                 <p:cNvPr id="56" name="Ink 55">
@@ -18212,8 +18213,8 @@
             </p:pic>
           </mc:Fallback>
         </mc:AlternateContent>
-        <mc:AlternateContent xmlns:mc="http://schemas.openxmlformats.org/markup-compatibility/2006">
-          <mc:Choice xmlns:p14="http://schemas.microsoft.com/office/powerpoint/2010/main" Requires="p14">
+        <mc:AlternateContent xmlns:mc="http://schemas.openxmlformats.org/markup-compatibility/2006" xmlns:p14="http://schemas.microsoft.com/office/powerpoint/2010/main">
+          <mc:Choice Requires="p14">
             <p:contentPart p14:bwMode="auto" r:id="rId84">
               <p14:nvContentPartPr>
                 <p14:cNvPr id="57" name="Ink 56">
@@ -18232,7 +18233,7 @@
               </p14:xfrm>
             </p:contentPart>
           </mc:Choice>
-          <mc:Fallback>
+          <mc:Fallback xmlns="">
             <p:pic>
               <p:nvPicPr>
                 <p:cNvPr id="57" name="Ink 56">
@@ -18263,8 +18264,8 @@
             </p:pic>
           </mc:Fallback>
         </mc:AlternateContent>
-        <mc:AlternateContent xmlns:mc="http://schemas.openxmlformats.org/markup-compatibility/2006">
-          <mc:Choice xmlns:p14="http://schemas.microsoft.com/office/powerpoint/2010/main" Requires="p14">
+        <mc:AlternateContent xmlns:mc="http://schemas.openxmlformats.org/markup-compatibility/2006" xmlns:p14="http://schemas.microsoft.com/office/powerpoint/2010/main">
+          <mc:Choice Requires="p14">
             <p:contentPart p14:bwMode="auto" r:id="rId86">
               <p14:nvContentPartPr>
                 <p14:cNvPr id="58" name="Ink 57">
@@ -18283,7 +18284,7 @@
               </p14:xfrm>
             </p:contentPart>
           </mc:Choice>
-          <mc:Fallback>
+          <mc:Fallback xmlns="">
             <p:pic>
               <p:nvPicPr>
                 <p:cNvPr id="58" name="Ink 57">
@@ -18314,8 +18315,8 @@
             </p:pic>
           </mc:Fallback>
         </mc:AlternateContent>
-        <mc:AlternateContent xmlns:mc="http://schemas.openxmlformats.org/markup-compatibility/2006">
-          <mc:Choice xmlns:p14="http://schemas.microsoft.com/office/powerpoint/2010/main" Requires="p14">
+        <mc:AlternateContent xmlns:mc="http://schemas.openxmlformats.org/markup-compatibility/2006" xmlns:p14="http://schemas.microsoft.com/office/powerpoint/2010/main">
+          <mc:Choice Requires="p14">
             <p:contentPart p14:bwMode="auto" r:id="rId88">
               <p14:nvContentPartPr>
                 <p14:cNvPr id="59" name="Ink 58">
@@ -18334,7 +18335,7 @@
               </p14:xfrm>
             </p:contentPart>
           </mc:Choice>
-          <mc:Fallback>
+          <mc:Fallback xmlns="">
             <p:pic>
               <p:nvPicPr>
                 <p:cNvPr id="59" name="Ink 58">
@@ -18386,8 +18387,8 @@
             <a:chExt cx="518760" cy="784800"/>
           </a:xfrm>
         </p:grpSpPr>
-        <mc:AlternateContent xmlns:mc="http://schemas.openxmlformats.org/markup-compatibility/2006">
-          <mc:Choice xmlns:p14="http://schemas.microsoft.com/office/powerpoint/2010/main" Requires="p14">
+        <mc:AlternateContent xmlns:mc="http://schemas.openxmlformats.org/markup-compatibility/2006" xmlns:p14="http://schemas.microsoft.com/office/powerpoint/2010/main">
+          <mc:Choice Requires="p14">
             <p:contentPart p14:bwMode="auto" r:id="rId90">
               <p14:nvContentPartPr>
                 <p14:cNvPr id="61" name="Ink 60">
@@ -18406,7 +18407,7 @@
               </p14:xfrm>
             </p:contentPart>
           </mc:Choice>
-          <mc:Fallback>
+          <mc:Fallback xmlns="">
             <p:pic>
               <p:nvPicPr>
                 <p:cNvPr id="61" name="Ink 60">
@@ -18437,8 +18438,8 @@
             </p:pic>
           </mc:Fallback>
         </mc:AlternateContent>
-        <mc:AlternateContent xmlns:mc="http://schemas.openxmlformats.org/markup-compatibility/2006">
-          <mc:Choice xmlns:p14="http://schemas.microsoft.com/office/powerpoint/2010/main" Requires="p14">
+        <mc:AlternateContent xmlns:mc="http://schemas.openxmlformats.org/markup-compatibility/2006" xmlns:p14="http://schemas.microsoft.com/office/powerpoint/2010/main">
+          <mc:Choice Requires="p14">
             <p:contentPart p14:bwMode="auto" r:id="rId92">
               <p14:nvContentPartPr>
                 <p14:cNvPr id="62" name="Ink 61">
@@ -18457,7 +18458,7 @@
               </p14:xfrm>
             </p:contentPart>
           </mc:Choice>
-          <mc:Fallback>
+          <mc:Fallback xmlns="">
             <p:pic>
               <p:nvPicPr>
                 <p:cNvPr id="62" name="Ink 61">
@@ -18488,8 +18489,8 @@
             </p:pic>
           </mc:Fallback>
         </mc:AlternateContent>
-        <mc:AlternateContent xmlns:mc="http://schemas.openxmlformats.org/markup-compatibility/2006">
-          <mc:Choice xmlns:p14="http://schemas.microsoft.com/office/powerpoint/2010/main" Requires="p14">
+        <mc:AlternateContent xmlns:mc="http://schemas.openxmlformats.org/markup-compatibility/2006" xmlns:p14="http://schemas.microsoft.com/office/powerpoint/2010/main">
+          <mc:Choice Requires="p14">
             <p:contentPart p14:bwMode="auto" r:id="rId94">
               <p14:nvContentPartPr>
                 <p14:cNvPr id="63" name="Ink 62">
@@ -18508,7 +18509,7 @@
               </p14:xfrm>
             </p:contentPart>
           </mc:Choice>
-          <mc:Fallback>
+          <mc:Fallback xmlns="">
             <p:pic>
               <p:nvPicPr>
                 <p:cNvPr id="63" name="Ink 62">
@@ -18539,8 +18540,8 @@
             </p:pic>
           </mc:Fallback>
         </mc:AlternateContent>
-        <mc:AlternateContent xmlns:mc="http://schemas.openxmlformats.org/markup-compatibility/2006">
-          <mc:Choice xmlns:p14="http://schemas.microsoft.com/office/powerpoint/2010/main" Requires="p14">
+        <mc:AlternateContent xmlns:mc="http://schemas.openxmlformats.org/markup-compatibility/2006" xmlns:p14="http://schemas.microsoft.com/office/powerpoint/2010/main">
+          <mc:Choice Requires="p14">
             <p:contentPart p14:bwMode="auto" r:id="rId96">
               <p14:nvContentPartPr>
                 <p14:cNvPr id="64" name="Ink 63">
@@ -18559,7 +18560,7 @@
               </p14:xfrm>
             </p:contentPart>
           </mc:Choice>
-          <mc:Fallback>
+          <mc:Fallback xmlns="">
             <p:pic>
               <p:nvPicPr>
                 <p:cNvPr id="64" name="Ink 63">
@@ -18590,8 +18591,8 @@
             </p:pic>
           </mc:Fallback>
         </mc:AlternateContent>
-        <mc:AlternateContent xmlns:mc="http://schemas.openxmlformats.org/markup-compatibility/2006">
-          <mc:Choice xmlns:p14="http://schemas.microsoft.com/office/powerpoint/2010/main" Requires="p14">
+        <mc:AlternateContent xmlns:mc="http://schemas.openxmlformats.org/markup-compatibility/2006" xmlns:p14="http://schemas.microsoft.com/office/powerpoint/2010/main">
+          <mc:Choice Requires="p14">
             <p:contentPart p14:bwMode="auto" r:id="rId98">
               <p14:nvContentPartPr>
                 <p14:cNvPr id="65" name="Ink 64">
@@ -18610,7 +18611,7 @@
               </p14:xfrm>
             </p:contentPart>
           </mc:Choice>
-          <mc:Fallback>
+          <mc:Fallback xmlns="">
             <p:pic>
               <p:nvPicPr>
                 <p:cNvPr id="65" name="Ink 64">
@@ -18641,8 +18642,8 @@
             </p:pic>
           </mc:Fallback>
         </mc:AlternateContent>
-        <mc:AlternateContent xmlns:mc="http://schemas.openxmlformats.org/markup-compatibility/2006">
-          <mc:Choice xmlns:p14="http://schemas.microsoft.com/office/powerpoint/2010/main" Requires="p14">
+        <mc:AlternateContent xmlns:mc="http://schemas.openxmlformats.org/markup-compatibility/2006" xmlns:p14="http://schemas.microsoft.com/office/powerpoint/2010/main">
+          <mc:Choice Requires="p14">
             <p:contentPart p14:bwMode="auto" r:id="rId100">
               <p14:nvContentPartPr>
                 <p14:cNvPr id="66" name="Ink 65">
@@ -18661,7 +18662,7 @@
               </p14:xfrm>
             </p:contentPart>
           </mc:Choice>
-          <mc:Fallback>
+          <mc:Fallback xmlns="">
             <p:pic>
               <p:nvPicPr>
                 <p:cNvPr id="66" name="Ink 65">
@@ -18713,8 +18714,8 @@
             <a:chExt cx="558720" cy="250560"/>
           </a:xfrm>
         </p:grpSpPr>
-        <mc:AlternateContent xmlns:mc="http://schemas.openxmlformats.org/markup-compatibility/2006">
-          <mc:Choice xmlns:p14="http://schemas.microsoft.com/office/powerpoint/2010/main" Requires="p14">
+        <mc:AlternateContent xmlns:mc="http://schemas.openxmlformats.org/markup-compatibility/2006" xmlns:p14="http://schemas.microsoft.com/office/powerpoint/2010/main">
+          <mc:Choice Requires="p14">
             <p:contentPart p14:bwMode="auto" r:id="rId102">
               <p14:nvContentPartPr>
                 <p14:cNvPr id="68" name="Ink 67">
@@ -18733,7 +18734,7 @@
               </p14:xfrm>
             </p:contentPart>
           </mc:Choice>
-          <mc:Fallback>
+          <mc:Fallback xmlns="">
             <p:pic>
               <p:nvPicPr>
                 <p:cNvPr id="68" name="Ink 67">
@@ -18764,8 +18765,8 @@
             </p:pic>
           </mc:Fallback>
         </mc:AlternateContent>
-        <mc:AlternateContent xmlns:mc="http://schemas.openxmlformats.org/markup-compatibility/2006">
-          <mc:Choice xmlns:p14="http://schemas.microsoft.com/office/powerpoint/2010/main" Requires="p14">
+        <mc:AlternateContent xmlns:mc="http://schemas.openxmlformats.org/markup-compatibility/2006" xmlns:p14="http://schemas.microsoft.com/office/powerpoint/2010/main">
+          <mc:Choice Requires="p14">
             <p:contentPart p14:bwMode="auto" r:id="rId104">
               <p14:nvContentPartPr>
                 <p14:cNvPr id="69" name="Ink 68">
@@ -18784,7 +18785,7 @@
               </p14:xfrm>
             </p:contentPart>
           </mc:Choice>
-          <mc:Fallback>
+          <mc:Fallback xmlns="">
             <p:pic>
               <p:nvPicPr>
                 <p:cNvPr id="69" name="Ink 68">
@@ -18836,8 +18837,8 @@
             <a:chExt cx="1504800" cy="1195200"/>
           </a:xfrm>
         </p:grpSpPr>
-        <mc:AlternateContent xmlns:mc="http://schemas.openxmlformats.org/markup-compatibility/2006">
-          <mc:Choice xmlns:p14="http://schemas.microsoft.com/office/powerpoint/2010/main" Requires="p14">
+        <mc:AlternateContent xmlns:mc="http://schemas.openxmlformats.org/markup-compatibility/2006" xmlns:p14="http://schemas.microsoft.com/office/powerpoint/2010/main">
+          <mc:Choice Requires="p14">
             <p:contentPart p14:bwMode="auto" r:id="rId106">
               <p14:nvContentPartPr>
                 <p14:cNvPr id="71" name="Ink 70">
@@ -18856,7 +18857,7 @@
               </p14:xfrm>
             </p:contentPart>
           </mc:Choice>
-          <mc:Fallback>
+          <mc:Fallback xmlns="">
             <p:pic>
               <p:nvPicPr>
                 <p:cNvPr id="71" name="Ink 70">
@@ -18887,8 +18888,8 @@
             </p:pic>
           </mc:Fallback>
         </mc:AlternateContent>
-        <mc:AlternateContent xmlns:mc="http://schemas.openxmlformats.org/markup-compatibility/2006">
-          <mc:Choice xmlns:p14="http://schemas.microsoft.com/office/powerpoint/2010/main" Requires="p14">
+        <mc:AlternateContent xmlns:mc="http://schemas.openxmlformats.org/markup-compatibility/2006" xmlns:p14="http://schemas.microsoft.com/office/powerpoint/2010/main">
+          <mc:Choice Requires="p14">
             <p:contentPart p14:bwMode="auto" r:id="rId108">
               <p14:nvContentPartPr>
                 <p14:cNvPr id="72" name="Ink 71">
@@ -18907,7 +18908,7 @@
               </p14:xfrm>
             </p:contentPart>
           </mc:Choice>
-          <mc:Fallback>
+          <mc:Fallback xmlns="">
             <p:pic>
               <p:nvPicPr>
                 <p:cNvPr id="72" name="Ink 71">
@@ -18938,8 +18939,8 @@
             </p:pic>
           </mc:Fallback>
         </mc:AlternateContent>
-        <mc:AlternateContent xmlns:mc="http://schemas.openxmlformats.org/markup-compatibility/2006">
-          <mc:Choice xmlns:p14="http://schemas.microsoft.com/office/powerpoint/2010/main" Requires="p14">
+        <mc:AlternateContent xmlns:mc="http://schemas.openxmlformats.org/markup-compatibility/2006" xmlns:p14="http://schemas.microsoft.com/office/powerpoint/2010/main">
+          <mc:Choice Requires="p14">
             <p:contentPart p14:bwMode="auto" r:id="rId110">
               <p14:nvContentPartPr>
                 <p14:cNvPr id="73" name="Ink 72">
@@ -18958,7 +18959,7 @@
               </p14:xfrm>
             </p:contentPart>
           </mc:Choice>
-          <mc:Fallback>
+          <mc:Fallback xmlns="">
             <p:pic>
               <p:nvPicPr>
                 <p:cNvPr id="73" name="Ink 72">
@@ -18989,8 +18990,8 @@
             </p:pic>
           </mc:Fallback>
         </mc:AlternateContent>
-        <mc:AlternateContent xmlns:mc="http://schemas.openxmlformats.org/markup-compatibility/2006">
-          <mc:Choice xmlns:p14="http://schemas.microsoft.com/office/powerpoint/2010/main" Requires="p14">
+        <mc:AlternateContent xmlns:mc="http://schemas.openxmlformats.org/markup-compatibility/2006" xmlns:p14="http://schemas.microsoft.com/office/powerpoint/2010/main">
+          <mc:Choice Requires="p14">
             <p:contentPart p14:bwMode="auto" r:id="rId112">
               <p14:nvContentPartPr>
                 <p14:cNvPr id="74" name="Ink 73">
@@ -19009,7 +19010,7 @@
               </p14:xfrm>
             </p:contentPart>
           </mc:Choice>
-          <mc:Fallback>
+          <mc:Fallback xmlns="">
             <p:pic>
               <p:nvPicPr>
                 <p:cNvPr id="74" name="Ink 73">
@@ -19040,8 +19041,8 @@
             </p:pic>
           </mc:Fallback>
         </mc:AlternateContent>
-        <mc:AlternateContent xmlns:mc="http://schemas.openxmlformats.org/markup-compatibility/2006">
-          <mc:Choice xmlns:p14="http://schemas.microsoft.com/office/powerpoint/2010/main" Requires="p14">
+        <mc:AlternateContent xmlns:mc="http://schemas.openxmlformats.org/markup-compatibility/2006" xmlns:p14="http://schemas.microsoft.com/office/powerpoint/2010/main">
+          <mc:Choice Requires="p14">
             <p:contentPart p14:bwMode="auto" r:id="rId114">
               <p14:nvContentPartPr>
                 <p14:cNvPr id="75" name="Ink 74">
@@ -19060,7 +19061,7 @@
               </p14:xfrm>
             </p:contentPart>
           </mc:Choice>
-          <mc:Fallback>
+          <mc:Fallback xmlns="">
             <p:pic>
               <p:nvPicPr>
                 <p:cNvPr id="75" name="Ink 74">
@@ -19091,8 +19092,8 @@
             </p:pic>
           </mc:Fallback>
         </mc:AlternateContent>
-        <mc:AlternateContent xmlns:mc="http://schemas.openxmlformats.org/markup-compatibility/2006">
-          <mc:Choice xmlns:p14="http://schemas.microsoft.com/office/powerpoint/2010/main" Requires="p14">
+        <mc:AlternateContent xmlns:mc="http://schemas.openxmlformats.org/markup-compatibility/2006" xmlns:p14="http://schemas.microsoft.com/office/powerpoint/2010/main">
+          <mc:Choice Requires="p14">
             <p:contentPart p14:bwMode="auto" r:id="rId116">
               <p14:nvContentPartPr>
                 <p14:cNvPr id="76" name="Ink 75">
@@ -19111,7 +19112,7 @@
               </p14:xfrm>
             </p:contentPart>
           </mc:Choice>
-          <mc:Fallback>
+          <mc:Fallback xmlns="">
             <p:pic>
               <p:nvPicPr>
                 <p:cNvPr id="76" name="Ink 75">
@@ -19142,8 +19143,8 @@
             </p:pic>
           </mc:Fallback>
         </mc:AlternateContent>
-        <mc:AlternateContent xmlns:mc="http://schemas.openxmlformats.org/markup-compatibility/2006">
-          <mc:Choice xmlns:p14="http://schemas.microsoft.com/office/powerpoint/2010/main" Requires="p14">
+        <mc:AlternateContent xmlns:mc="http://schemas.openxmlformats.org/markup-compatibility/2006" xmlns:p14="http://schemas.microsoft.com/office/powerpoint/2010/main">
+          <mc:Choice Requires="p14">
             <p:contentPart p14:bwMode="auto" r:id="rId118">
               <p14:nvContentPartPr>
                 <p14:cNvPr id="77" name="Ink 76">
@@ -19162,7 +19163,7 @@
               </p14:xfrm>
             </p:contentPart>
           </mc:Choice>
-          <mc:Fallback>
+          <mc:Fallback xmlns="">
             <p:pic>
               <p:nvPicPr>
                 <p:cNvPr id="77" name="Ink 76">
@@ -19193,8 +19194,8 @@
             </p:pic>
           </mc:Fallback>
         </mc:AlternateContent>
-        <mc:AlternateContent xmlns:mc="http://schemas.openxmlformats.org/markup-compatibility/2006">
-          <mc:Choice xmlns:p14="http://schemas.microsoft.com/office/powerpoint/2010/main" Requires="p14">
+        <mc:AlternateContent xmlns:mc="http://schemas.openxmlformats.org/markup-compatibility/2006" xmlns:p14="http://schemas.microsoft.com/office/powerpoint/2010/main">
+          <mc:Choice Requires="p14">
             <p:contentPart p14:bwMode="auto" r:id="rId120">
               <p14:nvContentPartPr>
                 <p14:cNvPr id="78" name="Ink 77">
@@ -19213,7 +19214,7 @@
               </p14:xfrm>
             </p:contentPart>
           </mc:Choice>
-          <mc:Fallback>
+          <mc:Fallback xmlns="">
             <p:pic>
               <p:nvPicPr>
                 <p:cNvPr id="78" name="Ink 77">
@@ -19244,8 +19245,8 @@
             </p:pic>
           </mc:Fallback>
         </mc:AlternateContent>
-        <mc:AlternateContent xmlns:mc="http://schemas.openxmlformats.org/markup-compatibility/2006">
-          <mc:Choice xmlns:p14="http://schemas.microsoft.com/office/powerpoint/2010/main" Requires="p14">
+        <mc:AlternateContent xmlns:mc="http://schemas.openxmlformats.org/markup-compatibility/2006" xmlns:p14="http://schemas.microsoft.com/office/powerpoint/2010/main">
+          <mc:Choice Requires="p14">
             <p:contentPart p14:bwMode="auto" r:id="rId122">
               <p14:nvContentPartPr>
                 <p14:cNvPr id="80" name="Ink 79">
@@ -19264,7 +19265,7 @@
               </p14:xfrm>
             </p:contentPart>
           </mc:Choice>
-          <mc:Fallback>
+          <mc:Fallback xmlns="">
             <p:pic>
               <p:nvPicPr>
                 <p:cNvPr id="80" name="Ink 79">
@@ -19295,8 +19296,8 @@
             </p:pic>
           </mc:Fallback>
         </mc:AlternateContent>
-        <mc:AlternateContent xmlns:mc="http://schemas.openxmlformats.org/markup-compatibility/2006">
-          <mc:Choice xmlns:p14="http://schemas.microsoft.com/office/powerpoint/2010/main" Requires="p14">
+        <mc:AlternateContent xmlns:mc="http://schemas.openxmlformats.org/markup-compatibility/2006" xmlns:p14="http://schemas.microsoft.com/office/powerpoint/2010/main">
+          <mc:Choice Requires="p14">
             <p:contentPart p14:bwMode="auto" r:id="rId124">
               <p14:nvContentPartPr>
                 <p14:cNvPr id="81" name="Ink 80">
@@ -19315,7 +19316,7 @@
               </p14:xfrm>
             </p:contentPart>
           </mc:Choice>
-          <mc:Fallback>
+          <mc:Fallback xmlns="">
             <p:pic>
               <p:nvPicPr>
                 <p:cNvPr id="81" name="Ink 80">
@@ -19346,8 +19347,8 @@
             </p:pic>
           </mc:Fallback>
         </mc:AlternateContent>
-        <mc:AlternateContent xmlns:mc="http://schemas.openxmlformats.org/markup-compatibility/2006">
-          <mc:Choice xmlns:p14="http://schemas.microsoft.com/office/powerpoint/2010/main" Requires="p14">
+        <mc:AlternateContent xmlns:mc="http://schemas.openxmlformats.org/markup-compatibility/2006" xmlns:p14="http://schemas.microsoft.com/office/powerpoint/2010/main">
+          <mc:Choice Requires="p14">
             <p:contentPart p14:bwMode="auto" r:id="rId126">
               <p14:nvContentPartPr>
                 <p14:cNvPr id="82" name="Ink 81">
@@ -19366,7 +19367,7 @@
               </p14:xfrm>
             </p:contentPart>
           </mc:Choice>
-          <mc:Fallback>
+          <mc:Fallback xmlns="">
             <p:pic>
               <p:nvPicPr>
                 <p:cNvPr id="82" name="Ink 81">
@@ -19397,8 +19398,8 @@
             </p:pic>
           </mc:Fallback>
         </mc:AlternateContent>
-        <mc:AlternateContent xmlns:mc="http://schemas.openxmlformats.org/markup-compatibility/2006">
-          <mc:Choice xmlns:p14="http://schemas.microsoft.com/office/powerpoint/2010/main" Requires="p14">
+        <mc:AlternateContent xmlns:mc="http://schemas.openxmlformats.org/markup-compatibility/2006" xmlns:p14="http://schemas.microsoft.com/office/powerpoint/2010/main">
+          <mc:Choice Requires="p14">
             <p:contentPart p14:bwMode="auto" r:id="rId128">
               <p14:nvContentPartPr>
                 <p14:cNvPr id="84" name="Ink 83">
@@ -19417,7 +19418,7 @@
               </p14:xfrm>
             </p:contentPart>
           </mc:Choice>
-          <mc:Fallback>
+          <mc:Fallback xmlns="">
             <p:pic>
               <p:nvPicPr>
                 <p:cNvPr id="84" name="Ink 83">
@@ -19448,8 +19449,8 @@
             </p:pic>
           </mc:Fallback>
         </mc:AlternateContent>
-        <mc:AlternateContent xmlns:mc="http://schemas.openxmlformats.org/markup-compatibility/2006">
-          <mc:Choice xmlns:p14="http://schemas.microsoft.com/office/powerpoint/2010/main" Requires="p14">
+        <mc:AlternateContent xmlns:mc="http://schemas.openxmlformats.org/markup-compatibility/2006" xmlns:p14="http://schemas.microsoft.com/office/powerpoint/2010/main">
+          <mc:Choice Requires="p14">
             <p:contentPart p14:bwMode="auto" r:id="rId130">
               <p14:nvContentPartPr>
                 <p14:cNvPr id="85" name="Ink 84">
@@ -19468,7 +19469,7 @@
               </p14:xfrm>
             </p:contentPart>
           </mc:Choice>
-          <mc:Fallback>
+          <mc:Fallback xmlns="">
             <p:pic>
               <p:nvPicPr>
                 <p:cNvPr id="85" name="Ink 84">
@@ -19499,8 +19500,8 @@
             </p:pic>
           </mc:Fallback>
         </mc:AlternateContent>
-        <mc:AlternateContent xmlns:mc="http://schemas.openxmlformats.org/markup-compatibility/2006">
-          <mc:Choice xmlns:p14="http://schemas.microsoft.com/office/powerpoint/2010/main" Requires="p14">
+        <mc:AlternateContent xmlns:mc="http://schemas.openxmlformats.org/markup-compatibility/2006" xmlns:p14="http://schemas.microsoft.com/office/powerpoint/2010/main">
+          <mc:Choice Requires="p14">
             <p:contentPart p14:bwMode="auto" r:id="rId132">
               <p14:nvContentPartPr>
                 <p14:cNvPr id="86" name="Ink 85">
@@ -19519,7 +19520,7 @@
               </p14:xfrm>
             </p:contentPart>
           </mc:Choice>
-          <mc:Fallback>
+          <mc:Fallback xmlns="">
             <p:pic>
               <p:nvPicPr>
                 <p:cNvPr id="86" name="Ink 85">
@@ -19550,8 +19551,8 @@
             </p:pic>
           </mc:Fallback>
         </mc:AlternateContent>
-        <mc:AlternateContent xmlns:mc="http://schemas.openxmlformats.org/markup-compatibility/2006">
-          <mc:Choice xmlns:p14="http://schemas.microsoft.com/office/powerpoint/2010/main" Requires="p14">
+        <mc:AlternateContent xmlns:mc="http://schemas.openxmlformats.org/markup-compatibility/2006" xmlns:p14="http://schemas.microsoft.com/office/powerpoint/2010/main">
+          <mc:Choice Requires="p14">
             <p:contentPart p14:bwMode="auto" r:id="rId134">
               <p14:nvContentPartPr>
                 <p14:cNvPr id="87" name="Ink 86">
@@ -19570,7 +19571,7 @@
               </p14:xfrm>
             </p:contentPart>
           </mc:Choice>
-          <mc:Fallback>
+          <mc:Fallback xmlns="">
             <p:pic>
               <p:nvPicPr>
                 <p:cNvPr id="87" name="Ink 86">
@@ -19601,8 +19602,8 @@
             </p:pic>
           </mc:Fallback>
         </mc:AlternateContent>
-        <mc:AlternateContent xmlns:mc="http://schemas.openxmlformats.org/markup-compatibility/2006">
-          <mc:Choice xmlns:p14="http://schemas.microsoft.com/office/powerpoint/2010/main" Requires="p14">
+        <mc:AlternateContent xmlns:mc="http://schemas.openxmlformats.org/markup-compatibility/2006" xmlns:p14="http://schemas.microsoft.com/office/powerpoint/2010/main">
+          <mc:Choice Requires="p14">
             <p:contentPart p14:bwMode="auto" r:id="rId136">
               <p14:nvContentPartPr>
                 <p14:cNvPr id="89" name="Ink 88">
@@ -19621,7 +19622,7 @@
               </p14:xfrm>
             </p:contentPart>
           </mc:Choice>
-          <mc:Fallback>
+          <mc:Fallback xmlns="">
             <p:pic>
               <p:nvPicPr>
                 <p:cNvPr id="89" name="Ink 88">
@@ -19652,8 +19653,8 @@
             </p:pic>
           </mc:Fallback>
         </mc:AlternateContent>
-        <mc:AlternateContent xmlns:mc="http://schemas.openxmlformats.org/markup-compatibility/2006">
-          <mc:Choice xmlns:p14="http://schemas.microsoft.com/office/powerpoint/2010/main" Requires="p14">
+        <mc:AlternateContent xmlns:mc="http://schemas.openxmlformats.org/markup-compatibility/2006" xmlns:p14="http://schemas.microsoft.com/office/powerpoint/2010/main">
+          <mc:Choice Requires="p14">
             <p:contentPart p14:bwMode="auto" r:id="rId138">
               <p14:nvContentPartPr>
                 <p14:cNvPr id="90" name="Ink 89">
@@ -19672,7 +19673,7 @@
               </p14:xfrm>
             </p:contentPart>
           </mc:Choice>
-          <mc:Fallback>
+          <mc:Fallback xmlns="">
             <p:pic>
               <p:nvPicPr>
                 <p:cNvPr id="90" name="Ink 89">
@@ -19762,8 +19763,8 @@
           </a:p>
         </p:txBody>
       </p:sp>
-      <mc:AlternateContent xmlns:mc="http://schemas.openxmlformats.org/markup-compatibility/2006">
-        <mc:Choice xmlns:a14="http://schemas.microsoft.com/office/drawing/2010/main" Requires="a14">
+      <mc:AlternateContent xmlns:mc="http://schemas.openxmlformats.org/markup-compatibility/2006" xmlns:a14="http://schemas.microsoft.com/office/drawing/2010/main">
+        <mc:Choice Requires="a14">
           <p:sp>
             <p:nvSpPr>
               <p:cNvPr id="3" name="Content Placeholder 2">
@@ -19966,7 +19967,7 @@
             </p:txBody>
           </p:sp>
         </mc:Choice>
-        <mc:Fallback>
+        <mc:Fallback xmlns="">
           <p:sp>
             <p:nvSpPr>
               <p:cNvPr id="3" name="Content Placeholder 2">
@@ -20030,8 +20031,8 @@
             <a:chExt cx="576360" cy="242640"/>
           </a:xfrm>
         </p:grpSpPr>
-        <mc:AlternateContent xmlns:mc="http://schemas.openxmlformats.org/markup-compatibility/2006">
-          <mc:Choice xmlns:p14="http://schemas.microsoft.com/office/powerpoint/2010/main" Requires="p14">
+        <mc:AlternateContent xmlns:mc="http://schemas.openxmlformats.org/markup-compatibility/2006" xmlns:p14="http://schemas.microsoft.com/office/powerpoint/2010/main">
+          <mc:Choice Requires="p14">
             <p:contentPart p14:bwMode="auto" r:id="rId3">
               <p14:nvContentPartPr>
                 <p14:cNvPr id="4" name="Ink 3">
@@ -20050,7 +20051,7 @@
               </p14:xfrm>
             </p:contentPart>
           </mc:Choice>
-          <mc:Fallback>
+          <mc:Fallback xmlns="">
             <p:pic>
               <p:nvPicPr>
                 <p:cNvPr id="4" name="Ink 3">
@@ -20081,8 +20082,8 @@
             </p:pic>
           </mc:Fallback>
         </mc:AlternateContent>
-        <mc:AlternateContent xmlns:mc="http://schemas.openxmlformats.org/markup-compatibility/2006">
-          <mc:Choice xmlns:p14="http://schemas.microsoft.com/office/powerpoint/2010/main" Requires="p14">
+        <mc:AlternateContent xmlns:mc="http://schemas.openxmlformats.org/markup-compatibility/2006" xmlns:p14="http://schemas.microsoft.com/office/powerpoint/2010/main">
+          <mc:Choice Requires="p14">
             <p:contentPart p14:bwMode="auto" r:id="rId5">
               <p14:nvContentPartPr>
                 <p14:cNvPr id="5" name="Ink 4">
@@ -20101,7 +20102,7 @@
               </p14:xfrm>
             </p:contentPart>
           </mc:Choice>
-          <mc:Fallback>
+          <mc:Fallback xmlns="">
             <p:pic>
               <p:nvPicPr>
                 <p:cNvPr id="5" name="Ink 4">
@@ -20132,8 +20133,8 @@
             </p:pic>
           </mc:Fallback>
         </mc:AlternateContent>
-        <mc:AlternateContent xmlns:mc="http://schemas.openxmlformats.org/markup-compatibility/2006">
-          <mc:Choice xmlns:p14="http://schemas.microsoft.com/office/powerpoint/2010/main" Requires="p14">
+        <mc:AlternateContent xmlns:mc="http://schemas.openxmlformats.org/markup-compatibility/2006" xmlns:p14="http://schemas.microsoft.com/office/powerpoint/2010/main">
+          <mc:Choice Requires="p14">
             <p:contentPart p14:bwMode="auto" r:id="rId7">
               <p14:nvContentPartPr>
                 <p14:cNvPr id="6" name="Ink 5">
@@ -20152,7 +20153,7 @@
               </p14:xfrm>
             </p:contentPart>
           </mc:Choice>
-          <mc:Fallback>
+          <mc:Fallback xmlns="">
             <p:pic>
               <p:nvPicPr>
                 <p:cNvPr id="6" name="Ink 5">
@@ -20183,8 +20184,8 @@
             </p:pic>
           </mc:Fallback>
         </mc:AlternateContent>
-        <mc:AlternateContent xmlns:mc="http://schemas.openxmlformats.org/markup-compatibility/2006">
-          <mc:Choice xmlns:p14="http://schemas.microsoft.com/office/powerpoint/2010/main" Requires="p14">
+        <mc:AlternateContent xmlns:mc="http://schemas.openxmlformats.org/markup-compatibility/2006" xmlns:p14="http://schemas.microsoft.com/office/powerpoint/2010/main">
+          <mc:Choice Requires="p14">
             <p:contentPart p14:bwMode="auto" r:id="rId9">
               <p14:nvContentPartPr>
                 <p14:cNvPr id="7" name="Ink 6">
@@ -20203,7 +20204,7 @@
               </p14:xfrm>
             </p:contentPart>
           </mc:Choice>
-          <mc:Fallback>
+          <mc:Fallback xmlns="">
             <p:pic>
               <p:nvPicPr>
                 <p:cNvPr id="7" name="Ink 6">
@@ -20255,8 +20256,8 @@
             <a:chExt cx="303120" cy="363600"/>
           </a:xfrm>
         </p:grpSpPr>
-        <mc:AlternateContent xmlns:mc="http://schemas.openxmlformats.org/markup-compatibility/2006">
-          <mc:Choice xmlns:p14="http://schemas.microsoft.com/office/powerpoint/2010/main" Requires="p14">
+        <mc:AlternateContent xmlns:mc="http://schemas.openxmlformats.org/markup-compatibility/2006" xmlns:p14="http://schemas.microsoft.com/office/powerpoint/2010/main">
+          <mc:Choice Requires="p14">
             <p:contentPart p14:bwMode="auto" r:id="rId11">
               <p14:nvContentPartPr>
                 <p14:cNvPr id="9" name="Ink 8">
@@ -20275,7 +20276,7 @@
               </p14:xfrm>
             </p:contentPart>
           </mc:Choice>
-          <mc:Fallback>
+          <mc:Fallback xmlns="">
             <p:pic>
               <p:nvPicPr>
                 <p:cNvPr id="9" name="Ink 8">
@@ -20306,8 +20307,8 @@
             </p:pic>
           </mc:Fallback>
         </mc:AlternateContent>
-        <mc:AlternateContent xmlns:mc="http://schemas.openxmlformats.org/markup-compatibility/2006">
-          <mc:Choice xmlns:p14="http://schemas.microsoft.com/office/powerpoint/2010/main" Requires="p14">
+        <mc:AlternateContent xmlns:mc="http://schemas.openxmlformats.org/markup-compatibility/2006" xmlns:p14="http://schemas.microsoft.com/office/powerpoint/2010/main">
+          <mc:Choice Requires="p14">
             <p:contentPart p14:bwMode="auto" r:id="rId13">
               <p14:nvContentPartPr>
                 <p14:cNvPr id="10" name="Ink 9">
@@ -20326,7 +20327,7 @@
               </p14:xfrm>
             </p:contentPart>
           </mc:Choice>
-          <mc:Fallback>
+          <mc:Fallback xmlns="">
             <p:pic>
               <p:nvPicPr>
                 <p:cNvPr id="10" name="Ink 9">
@@ -20358,8 +20359,8 @@
           </mc:Fallback>
         </mc:AlternateContent>
       </p:grpSp>
-      <mc:AlternateContent xmlns:mc="http://schemas.openxmlformats.org/markup-compatibility/2006">
-        <mc:Choice xmlns:p14="http://schemas.microsoft.com/office/powerpoint/2010/main" Requires="p14">
+      <mc:AlternateContent xmlns:mc="http://schemas.openxmlformats.org/markup-compatibility/2006" xmlns:p14="http://schemas.microsoft.com/office/powerpoint/2010/main">
+        <mc:Choice Requires="p14">
           <p:contentPart p14:bwMode="auto" r:id="rId15">
             <p14:nvContentPartPr>
               <p14:cNvPr id="11" name="Ink 10">
@@ -20378,7 +20379,7 @@
             </p14:xfrm>
           </p:contentPart>
         </mc:Choice>
-        <mc:Fallback>
+        <mc:Fallback xmlns="">
           <p:pic>
             <p:nvPicPr>
               <p:cNvPr id="11" name="Ink 10">
@@ -20409,8 +20410,8 @@
           </p:pic>
         </mc:Fallback>
       </mc:AlternateContent>
-      <mc:AlternateContent xmlns:mc="http://schemas.openxmlformats.org/markup-compatibility/2006">
-        <mc:Choice xmlns:p14="http://schemas.microsoft.com/office/powerpoint/2010/main" Requires="p14">
+      <mc:AlternateContent xmlns:mc="http://schemas.openxmlformats.org/markup-compatibility/2006" xmlns:p14="http://schemas.microsoft.com/office/powerpoint/2010/main">
+        <mc:Choice Requires="p14">
           <p:contentPart p14:bwMode="auto" r:id="rId17">
             <p14:nvContentPartPr>
               <p14:cNvPr id="12" name="Ink 11">
@@ -20429,7 +20430,7 @@
             </p14:xfrm>
           </p:contentPart>
         </mc:Choice>
-        <mc:Fallback>
+        <mc:Fallback xmlns="">
           <p:pic>
             <p:nvPicPr>
               <p:cNvPr id="12" name="Ink 11">
@@ -20480,8 +20481,8 @@
             <a:chExt cx="389160" cy="303840"/>
           </a:xfrm>
         </p:grpSpPr>
-        <mc:AlternateContent xmlns:mc="http://schemas.openxmlformats.org/markup-compatibility/2006">
-          <mc:Choice xmlns:p14="http://schemas.microsoft.com/office/powerpoint/2010/main" Requires="p14">
+        <mc:AlternateContent xmlns:mc="http://schemas.openxmlformats.org/markup-compatibility/2006" xmlns:p14="http://schemas.microsoft.com/office/powerpoint/2010/main">
+          <mc:Choice Requires="p14">
             <p:contentPart p14:bwMode="auto" r:id="rId19">
               <p14:nvContentPartPr>
                 <p14:cNvPr id="13" name="Ink 12">
@@ -20500,7 +20501,7 @@
               </p14:xfrm>
             </p:contentPart>
           </mc:Choice>
-          <mc:Fallback>
+          <mc:Fallback xmlns="">
             <p:pic>
               <p:nvPicPr>
                 <p:cNvPr id="13" name="Ink 12">
@@ -20531,8 +20532,8 @@
             </p:pic>
           </mc:Fallback>
         </mc:AlternateContent>
-        <mc:AlternateContent xmlns:mc="http://schemas.openxmlformats.org/markup-compatibility/2006">
-          <mc:Choice xmlns:p14="http://schemas.microsoft.com/office/powerpoint/2010/main" Requires="p14">
+        <mc:AlternateContent xmlns:mc="http://schemas.openxmlformats.org/markup-compatibility/2006" xmlns:p14="http://schemas.microsoft.com/office/powerpoint/2010/main">
+          <mc:Choice Requires="p14">
             <p:contentPart p14:bwMode="auto" r:id="rId21">
               <p14:nvContentPartPr>
                 <p14:cNvPr id="14" name="Ink 13">
@@ -20551,7 +20552,7 @@
               </p14:xfrm>
             </p:contentPart>
           </mc:Choice>
-          <mc:Fallback>
+          <mc:Fallback xmlns="">
             <p:pic>
               <p:nvPicPr>
                 <p:cNvPr id="14" name="Ink 13">
@@ -20603,8 +20604,8 @@
             <a:chExt cx="470520" cy="229680"/>
           </a:xfrm>
         </p:grpSpPr>
-        <mc:AlternateContent xmlns:mc="http://schemas.openxmlformats.org/markup-compatibility/2006">
-          <mc:Choice xmlns:p14="http://schemas.microsoft.com/office/powerpoint/2010/main" Requires="p14">
+        <mc:AlternateContent xmlns:mc="http://schemas.openxmlformats.org/markup-compatibility/2006" xmlns:p14="http://schemas.microsoft.com/office/powerpoint/2010/main">
+          <mc:Choice Requires="p14">
             <p:contentPart p14:bwMode="auto" r:id="rId23">
               <p14:nvContentPartPr>
                 <p14:cNvPr id="15" name="Ink 14">
@@ -20623,7 +20624,7 @@
               </p14:xfrm>
             </p:contentPart>
           </mc:Choice>
-          <mc:Fallback>
+          <mc:Fallback xmlns="">
             <p:pic>
               <p:nvPicPr>
                 <p:cNvPr id="15" name="Ink 14">
@@ -20654,8 +20655,8 @@
             </p:pic>
           </mc:Fallback>
         </mc:AlternateContent>
-        <mc:AlternateContent xmlns:mc="http://schemas.openxmlformats.org/markup-compatibility/2006">
-          <mc:Choice xmlns:p14="http://schemas.microsoft.com/office/powerpoint/2010/main" Requires="p14">
+        <mc:AlternateContent xmlns:mc="http://schemas.openxmlformats.org/markup-compatibility/2006" xmlns:p14="http://schemas.microsoft.com/office/powerpoint/2010/main">
+          <mc:Choice Requires="p14">
             <p:contentPart p14:bwMode="auto" r:id="rId25">
               <p14:nvContentPartPr>
                 <p14:cNvPr id="16" name="Ink 15">
@@ -20674,7 +20675,7 @@
               </p14:xfrm>
             </p:contentPart>
           </mc:Choice>
-          <mc:Fallback>
+          <mc:Fallback xmlns="">
             <p:pic>
               <p:nvPicPr>
                 <p:cNvPr id="16" name="Ink 15">
@@ -20726,8 +20727,8 @@
             <a:chExt cx="2761200" cy="992160"/>
           </a:xfrm>
         </p:grpSpPr>
-        <mc:AlternateContent xmlns:mc="http://schemas.openxmlformats.org/markup-compatibility/2006">
-          <mc:Choice xmlns:p14="http://schemas.microsoft.com/office/powerpoint/2010/main" Requires="p14">
+        <mc:AlternateContent xmlns:mc="http://schemas.openxmlformats.org/markup-compatibility/2006" xmlns:p14="http://schemas.microsoft.com/office/powerpoint/2010/main">
+          <mc:Choice Requires="p14">
             <p:contentPart p14:bwMode="auto" r:id="rId27">
               <p14:nvContentPartPr>
                 <p14:cNvPr id="20" name="Ink 19">
@@ -20746,7 +20747,7 @@
               </p14:xfrm>
             </p:contentPart>
           </mc:Choice>
-          <mc:Fallback>
+          <mc:Fallback xmlns="">
             <p:pic>
               <p:nvPicPr>
                 <p:cNvPr id="20" name="Ink 19">
@@ -20777,8 +20778,8 @@
             </p:pic>
           </mc:Fallback>
         </mc:AlternateContent>
-        <mc:AlternateContent xmlns:mc="http://schemas.openxmlformats.org/markup-compatibility/2006">
-          <mc:Choice xmlns:p14="http://schemas.microsoft.com/office/powerpoint/2010/main" Requires="p14">
+        <mc:AlternateContent xmlns:mc="http://schemas.openxmlformats.org/markup-compatibility/2006" xmlns:p14="http://schemas.microsoft.com/office/powerpoint/2010/main">
+          <mc:Choice Requires="p14">
             <p:contentPart p14:bwMode="auto" r:id="rId29">
               <p14:nvContentPartPr>
                 <p14:cNvPr id="21" name="Ink 20">
@@ -20797,7 +20798,7 @@
               </p14:xfrm>
             </p:contentPart>
           </mc:Choice>
-          <mc:Fallback>
+          <mc:Fallback xmlns="">
             <p:pic>
               <p:nvPicPr>
                 <p:cNvPr id="21" name="Ink 20">
@@ -20828,8 +20829,8 @@
             </p:pic>
           </mc:Fallback>
         </mc:AlternateContent>
-        <mc:AlternateContent xmlns:mc="http://schemas.openxmlformats.org/markup-compatibility/2006">
-          <mc:Choice xmlns:p14="http://schemas.microsoft.com/office/powerpoint/2010/main" Requires="p14">
+        <mc:AlternateContent xmlns:mc="http://schemas.openxmlformats.org/markup-compatibility/2006" xmlns:p14="http://schemas.microsoft.com/office/powerpoint/2010/main">
+          <mc:Choice Requires="p14">
             <p:contentPart p14:bwMode="auto" r:id="rId31">
               <p14:nvContentPartPr>
                 <p14:cNvPr id="22" name="Ink 21">
@@ -20848,7 +20849,7 @@
               </p14:xfrm>
             </p:contentPart>
           </mc:Choice>
-          <mc:Fallback>
+          <mc:Fallback xmlns="">
             <p:pic>
               <p:nvPicPr>
                 <p:cNvPr id="22" name="Ink 21">
@@ -20879,8 +20880,8 @@
             </p:pic>
           </mc:Fallback>
         </mc:AlternateContent>
-        <mc:AlternateContent xmlns:mc="http://schemas.openxmlformats.org/markup-compatibility/2006">
-          <mc:Choice xmlns:p14="http://schemas.microsoft.com/office/powerpoint/2010/main" Requires="p14">
+        <mc:AlternateContent xmlns:mc="http://schemas.openxmlformats.org/markup-compatibility/2006" xmlns:p14="http://schemas.microsoft.com/office/powerpoint/2010/main">
+          <mc:Choice Requires="p14">
             <p:contentPart p14:bwMode="auto" r:id="rId33">
               <p14:nvContentPartPr>
                 <p14:cNvPr id="23" name="Ink 22">
@@ -20899,7 +20900,7 @@
               </p14:xfrm>
             </p:contentPart>
           </mc:Choice>
-          <mc:Fallback>
+          <mc:Fallback xmlns="">
             <p:pic>
               <p:nvPicPr>
                 <p:cNvPr id="23" name="Ink 22">
@@ -20930,8 +20931,8 @@
             </p:pic>
           </mc:Fallback>
         </mc:AlternateContent>
-        <mc:AlternateContent xmlns:mc="http://schemas.openxmlformats.org/markup-compatibility/2006">
-          <mc:Choice xmlns:p14="http://schemas.microsoft.com/office/powerpoint/2010/main" Requires="p14">
+        <mc:AlternateContent xmlns:mc="http://schemas.openxmlformats.org/markup-compatibility/2006" xmlns:p14="http://schemas.microsoft.com/office/powerpoint/2010/main">
+          <mc:Choice Requires="p14">
             <p:contentPart p14:bwMode="auto" r:id="rId35">
               <p14:nvContentPartPr>
                 <p14:cNvPr id="24" name="Ink 23">
@@ -20950,7 +20951,7 @@
               </p14:xfrm>
             </p:contentPart>
           </mc:Choice>
-          <mc:Fallback>
+          <mc:Fallback xmlns="">
             <p:pic>
               <p:nvPicPr>
                 <p:cNvPr id="24" name="Ink 23">
@@ -20981,8 +20982,8 @@
             </p:pic>
           </mc:Fallback>
         </mc:AlternateContent>
-        <mc:AlternateContent xmlns:mc="http://schemas.openxmlformats.org/markup-compatibility/2006">
-          <mc:Choice xmlns:p14="http://schemas.microsoft.com/office/powerpoint/2010/main" Requires="p14">
+        <mc:AlternateContent xmlns:mc="http://schemas.openxmlformats.org/markup-compatibility/2006" xmlns:p14="http://schemas.microsoft.com/office/powerpoint/2010/main">
+          <mc:Choice Requires="p14">
             <p:contentPart p14:bwMode="auto" r:id="rId37">
               <p14:nvContentPartPr>
                 <p14:cNvPr id="25" name="Ink 24">
@@ -21001,7 +21002,7 @@
               </p14:xfrm>
             </p:contentPart>
           </mc:Choice>
-          <mc:Fallback>
+          <mc:Fallback xmlns="">
             <p:pic>
               <p:nvPicPr>
                 <p:cNvPr id="25" name="Ink 24">
@@ -21032,8 +21033,8 @@
             </p:pic>
           </mc:Fallback>
         </mc:AlternateContent>
-        <mc:AlternateContent xmlns:mc="http://schemas.openxmlformats.org/markup-compatibility/2006">
-          <mc:Choice xmlns:p14="http://schemas.microsoft.com/office/powerpoint/2010/main" Requires="p14">
+        <mc:AlternateContent xmlns:mc="http://schemas.openxmlformats.org/markup-compatibility/2006" xmlns:p14="http://schemas.microsoft.com/office/powerpoint/2010/main">
+          <mc:Choice Requires="p14">
             <p:contentPart p14:bwMode="auto" r:id="rId39">
               <p14:nvContentPartPr>
                 <p14:cNvPr id="26" name="Ink 25">
@@ -21052,7 +21053,7 @@
               </p14:xfrm>
             </p:contentPart>
           </mc:Choice>
-          <mc:Fallback>
+          <mc:Fallback xmlns="">
             <p:pic>
               <p:nvPicPr>
                 <p:cNvPr id="26" name="Ink 25">
@@ -21083,8 +21084,8 @@
             </p:pic>
           </mc:Fallback>
         </mc:AlternateContent>
-        <mc:AlternateContent xmlns:mc="http://schemas.openxmlformats.org/markup-compatibility/2006">
-          <mc:Choice xmlns:p14="http://schemas.microsoft.com/office/powerpoint/2010/main" Requires="p14">
+        <mc:AlternateContent xmlns:mc="http://schemas.openxmlformats.org/markup-compatibility/2006" xmlns:p14="http://schemas.microsoft.com/office/powerpoint/2010/main">
+          <mc:Choice Requires="p14">
             <p:contentPart p14:bwMode="auto" r:id="rId41">
               <p14:nvContentPartPr>
                 <p14:cNvPr id="27" name="Ink 26">
@@ -21103,7 +21104,7 @@
               </p14:xfrm>
             </p:contentPart>
           </mc:Choice>
-          <mc:Fallback>
+          <mc:Fallback xmlns="">
             <p:pic>
               <p:nvPicPr>
                 <p:cNvPr id="27" name="Ink 26">
@@ -21134,8 +21135,8 @@
             </p:pic>
           </mc:Fallback>
         </mc:AlternateContent>
-        <mc:AlternateContent xmlns:mc="http://schemas.openxmlformats.org/markup-compatibility/2006">
-          <mc:Choice xmlns:p14="http://schemas.microsoft.com/office/powerpoint/2010/main" Requires="p14">
+        <mc:AlternateContent xmlns:mc="http://schemas.openxmlformats.org/markup-compatibility/2006" xmlns:p14="http://schemas.microsoft.com/office/powerpoint/2010/main">
+          <mc:Choice Requires="p14">
             <p:contentPart p14:bwMode="auto" r:id="rId43">
               <p14:nvContentPartPr>
                 <p14:cNvPr id="28" name="Ink 27">
@@ -21154,7 +21155,7 @@
               </p14:xfrm>
             </p:contentPart>
           </mc:Choice>
-          <mc:Fallback>
+          <mc:Fallback xmlns="">
             <p:pic>
               <p:nvPicPr>
                 <p:cNvPr id="28" name="Ink 27">
@@ -21185,8 +21186,8 @@
             </p:pic>
           </mc:Fallback>
         </mc:AlternateContent>
-        <mc:AlternateContent xmlns:mc="http://schemas.openxmlformats.org/markup-compatibility/2006">
-          <mc:Choice xmlns:p14="http://schemas.microsoft.com/office/powerpoint/2010/main" Requires="p14">
+        <mc:AlternateContent xmlns:mc="http://schemas.openxmlformats.org/markup-compatibility/2006" xmlns:p14="http://schemas.microsoft.com/office/powerpoint/2010/main">
+          <mc:Choice Requires="p14">
             <p:contentPart p14:bwMode="auto" r:id="rId45">
               <p14:nvContentPartPr>
                 <p14:cNvPr id="29" name="Ink 28">
@@ -21205,7 +21206,7 @@
               </p14:xfrm>
             </p:contentPart>
           </mc:Choice>
-          <mc:Fallback>
+          <mc:Fallback xmlns="">
             <p:pic>
               <p:nvPicPr>
                 <p:cNvPr id="29" name="Ink 28">
@@ -21236,8 +21237,8 @@
             </p:pic>
           </mc:Fallback>
         </mc:AlternateContent>
-        <mc:AlternateContent xmlns:mc="http://schemas.openxmlformats.org/markup-compatibility/2006">
-          <mc:Choice xmlns:p14="http://schemas.microsoft.com/office/powerpoint/2010/main" Requires="p14">
+        <mc:AlternateContent xmlns:mc="http://schemas.openxmlformats.org/markup-compatibility/2006" xmlns:p14="http://schemas.microsoft.com/office/powerpoint/2010/main">
+          <mc:Choice Requires="p14">
             <p:contentPart p14:bwMode="auto" r:id="rId47">
               <p14:nvContentPartPr>
                 <p14:cNvPr id="30" name="Ink 29">
@@ -21256,7 +21257,7 @@
               </p14:xfrm>
             </p:contentPart>
           </mc:Choice>
-          <mc:Fallback>
+          <mc:Fallback xmlns="">
             <p:pic>
               <p:nvPicPr>
                 <p:cNvPr id="30" name="Ink 29">
@@ -21287,8 +21288,8 @@
             </p:pic>
           </mc:Fallback>
         </mc:AlternateContent>
-        <mc:AlternateContent xmlns:mc="http://schemas.openxmlformats.org/markup-compatibility/2006">
-          <mc:Choice xmlns:p14="http://schemas.microsoft.com/office/powerpoint/2010/main" Requires="p14">
+        <mc:AlternateContent xmlns:mc="http://schemas.openxmlformats.org/markup-compatibility/2006" xmlns:p14="http://schemas.microsoft.com/office/powerpoint/2010/main">
+          <mc:Choice Requires="p14">
             <p:contentPart p14:bwMode="auto" r:id="rId49">
               <p14:nvContentPartPr>
                 <p14:cNvPr id="31" name="Ink 30">
@@ -21307,7 +21308,7 @@
               </p14:xfrm>
             </p:contentPart>
           </mc:Choice>
-          <mc:Fallback>
+          <mc:Fallback xmlns="">
             <p:pic>
               <p:nvPicPr>
                 <p:cNvPr id="31" name="Ink 30">
@@ -21338,8 +21339,8 @@
             </p:pic>
           </mc:Fallback>
         </mc:AlternateContent>
-        <mc:AlternateContent xmlns:mc="http://schemas.openxmlformats.org/markup-compatibility/2006">
-          <mc:Choice xmlns:p14="http://schemas.microsoft.com/office/powerpoint/2010/main" Requires="p14">
+        <mc:AlternateContent xmlns:mc="http://schemas.openxmlformats.org/markup-compatibility/2006" xmlns:p14="http://schemas.microsoft.com/office/powerpoint/2010/main">
+          <mc:Choice Requires="p14">
             <p:contentPart p14:bwMode="auto" r:id="rId51">
               <p14:nvContentPartPr>
                 <p14:cNvPr id="32" name="Ink 31">
@@ -21358,7 +21359,7 @@
               </p14:xfrm>
             </p:contentPart>
           </mc:Choice>
-          <mc:Fallback>
+          <mc:Fallback xmlns="">
             <p:pic>
               <p:nvPicPr>
                 <p:cNvPr id="32" name="Ink 31">
@@ -21410,8 +21411,8 @@
             <a:chExt cx="2761200" cy="992160"/>
           </a:xfrm>
         </p:grpSpPr>
-        <mc:AlternateContent xmlns:mc="http://schemas.openxmlformats.org/markup-compatibility/2006">
-          <mc:Choice xmlns:p14="http://schemas.microsoft.com/office/powerpoint/2010/main" Requires="p14">
+        <mc:AlternateContent xmlns:mc="http://schemas.openxmlformats.org/markup-compatibility/2006" xmlns:p14="http://schemas.microsoft.com/office/powerpoint/2010/main">
+          <mc:Choice Requires="p14">
             <p:contentPart p14:bwMode="auto" r:id="rId53">
               <p14:nvContentPartPr>
                 <p14:cNvPr id="35" name="Ink 34">
@@ -21430,7 +21431,7 @@
               </p14:xfrm>
             </p:contentPart>
           </mc:Choice>
-          <mc:Fallback>
+          <mc:Fallback xmlns="">
             <p:pic>
               <p:nvPicPr>
                 <p:cNvPr id="35" name="Ink 34">
@@ -21461,8 +21462,8 @@
             </p:pic>
           </mc:Fallback>
         </mc:AlternateContent>
-        <mc:AlternateContent xmlns:mc="http://schemas.openxmlformats.org/markup-compatibility/2006">
-          <mc:Choice xmlns:p14="http://schemas.microsoft.com/office/powerpoint/2010/main" Requires="p14">
+        <mc:AlternateContent xmlns:mc="http://schemas.openxmlformats.org/markup-compatibility/2006" xmlns:p14="http://schemas.microsoft.com/office/powerpoint/2010/main">
+          <mc:Choice Requires="p14">
             <p:contentPart p14:bwMode="auto" r:id="rId54">
               <p14:nvContentPartPr>
                 <p14:cNvPr id="36" name="Ink 35">
@@ -21481,7 +21482,7 @@
               </p14:xfrm>
             </p:contentPart>
           </mc:Choice>
-          <mc:Fallback>
+          <mc:Fallback xmlns="">
             <p:pic>
               <p:nvPicPr>
                 <p:cNvPr id="36" name="Ink 35">
@@ -21512,8 +21513,8 @@
             </p:pic>
           </mc:Fallback>
         </mc:AlternateContent>
-        <mc:AlternateContent xmlns:mc="http://schemas.openxmlformats.org/markup-compatibility/2006">
-          <mc:Choice xmlns:p14="http://schemas.microsoft.com/office/powerpoint/2010/main" Requires="p14">
+        <mc:AlternateContent xmlns:mc="http://schemas.openxmlformats.org/markup-compatibility/2006" xmlns:p14="http://schemas.microsoft.com/office/powerpoint/2010/main">
+          <mc:Choice Requires="p14">
             <p:contentPart p14:bwMode="auto" r:id="rId55">
               <p14:nvContentPartPr>
                 <p14:cNvPr id="37" name="Ink 36">
@@ -21532,7 +21533,7 @@
               </p14:xfrm>
             </p:contentPart>
           </mc:Choice>
-          <mc:Fallback>
+          <mc:Fallback xmlns="">
             <p:pic>
               <p:nvPicPr>
                 <p:cNvPr id="37" name="Ink 36">
@@ -21563,8 +21564,8 @@
             </p:pic>
           </mc:Fallback>
         </mc:AlternateContent>
-        <mc:AlternateContent xmlns:mc="http://schemas.openxmlformats.org/markup-compatibility/2006">
-          <mc:Choice xmlns:p14="http://schemas.microsoft.com/office/powerpoint/2010/main" Requires="p14">
+        <mc:AlternateContent xmlns:mc="http://schemas.openxmlformats.org/markup-compatibility/2006" xmlns:p14="http://schemas.microsoft.com/office/powerpoint/2010/main">
+          <mc:Choice Requires="p14">
             <p:contentPart p14:bwMode="auto" r:id="rId56">
               <p14:nvContentPartPr>
                 <p14:cNvPr id="38" name="Ink 37">
@@ -21583,7 +21584,7 @@
               </p14:xfrm>
             </p:contentPart>
           </mc:Choice>
-          <mc:Fallback>
+          <mc:Fallback xmlns="">
             <p:pic>
               <p:nvPicPr>
                 <p:cNvPr id="38" name="Ink 37">
@@ -21614,8 +21615,8 @@
             </p:pic>
           </mc:Fallback>
         </mc:AlternateContent>
-        <mc:AlternateContent xmlns:mc="http://schemas.openxmlformats.org/markup-compatibility/2006">
-          <mc:Choice xmlns:p14="http://schemas.microsoft.com/office/powerpoint/2010/main" Requires="p14">
+        <mc:AlternateContent xmlns:mc="http://schemas.openxmlformats.org/markup-compatibility/2006" xmlns:p14="http://schemas.microsoft.com/office/powerpoint/2010/main">
+          <mc:Choice Requires="p14">
             <p:contentPart p14:bwMode="auto" r:id="rId57">
               <p14:nvContentPartPr>
                 <p14:cNvPr id="39" name="Ink 38">
@@ -21634,7 +21635,7 @@
               </p14:xfrm>
             </p:contentPart>
           </mc:Choice>
-          <mc:Fallback>
+          <mc:Fallback xmlns="">
             <p:pic>
               <p:nvPicPr>
                 <p:cNvPr id="39" name="Ink 38">
@@ -21665,8 +21666,8 @@
             </p:pic>
           </mc:Fallback>
         </mc:AlternateContent>
-        <mc:AlternateContent xmlns:mc="http://schemas.openxmlformats.org/markup-compatibility/2006">
-          <mc:Choice xmlns:p14="http://schemas.microsoft.com/office/powerpoint/2010/main" Requires="p14">
+        <mc:AlternateContent xmlns:mc="http://schemas.openxmlformats.org/markup-compatibility/2006" xmlns:p14="http://schemas.microsoft.com/office/powerpoint/2010/main">
+          <mc:Choice Requires="p14">
             <p:contentPart p14:bwMode="auto" r:id="rId58">
               <p14:nvContentPartPr>
                 <p14:cNvPr id="40" name="Ink 39">
@@ -21685,7 +21686,7 @@
               </p14:xfrm>
             </p:contentPart>
           </mc:Choice>
-          <mc:Fallback>
+          <mc:Fallback xmlns="">
             <p:pic>
               <p:nvPicPr>
                 <p:cNvPr id="40" name="Ink 39">
@@ -21716,8 +21717,8 @@
             </p:pic>
           </mc:Fallback>
         </mc:AlternateContent>
-        <mc:AlternateContent xmlns:mc="http://schemas.openxmlformats.org/markup-compatibility/2006">
-          <mc:Choice xmlns:p14="http://schemas.microsoft.com/office/powerpoint/2010/main" Requires="p14">
+        <mc:AlternateContent xmlns:mc="http://schemas.openxmlformats.org/markup-compatibility/2006" xmlns:p14="http://schemas.microsoft.com/office/powerpoint/2010/main">
+          <mc:Choice Requires="p14">
             <p:contentPart p14:bwMode="auto" r:id="rId59">
               <p14:nvContentPartPr>
                 <p14:cNvPr id="41" name="Ink 40">
@@ -21736,7 +21737,7 @@
               </p14:xfrm>
             </p:contentPart>
           </mc:Choice>
-          <mc:Fallback>
+          <mc:Fallback xmlns="">
             <p:pic>
               <p:nvPicPr>
                 <p:cNvPr id="41" name="Ink 40">
@@ -21767,8 +21768,8 @@
             </p:pic>
           </mc:Fallback>
         </mc:AlternateContent>
-        <mc:AlternateContent xmlns:mc="http://schemas.openxmlformats.org/markup-compatibility/2006">
-          <mc:Choice xmlns:p14="http://schemas.microsoft.com/office/powerpoint/2010/main" Requires="p14">
+        <mc:AlternateContent xmlns:mc="http://schemas.openxmlformats.org/markup-compatibility/2006" xmlns:p14="http://schemas.microsoft.com/office/powerpoint/2010/main">
+          <mc:Choice Requires="p14">
             <p:contentPart p14:bwMode="auto" r:id="rId60">
               <p14:nvContentPartPr>
                 <p14:cNvPr id="42" name="Ink 41">
@@ -21787,7 +21788,7 @@
               </p14:xfrm>
             </p:contentPart>
           </mc:Choice>
-          <mc:Fallback>
+          <mc:Fallback xmlns="">
             <p:pic>
               <p:nvPicPr>
                 <p:cNvPr id="42" name="Ink 41">
@@ -21818,8 +21819,8 @@
             </p:pic>
           </mc:Fallback>
         </mc:AlternateContent>
-        <mc:AlternateContent xmlns:mc="http://schemas.openxmlformats.org/markup-compatibility/2006">
-          <mc:Choice xmlns:p14="http://schemas.microsoft.com/office/powerpoint/2010/main" Requires="p14">
+        <mc:AlternateContent xmlns:mc="http://schemas.openxmlformats.org/markup-compatibility/2006" xmlns:p14="http://schemas.microsoft.com/office/powerpoint/2010/main">
+          <mc:Choice Requires="p14">
             <p:contentPart p14:bwMode="auto" r:id="rId61">
               <p14:nvContentPartPr>
                 <p14:cNvPr id="43" name="Ink 42">
@@ -21838,7 +21839,7 @@
               </p14:xfrm>
             </p:contentPart>
           </mc:Choice>
-          <mc:Fallback>
+          <mc:Fallback xmlns="">
             <p:pic>
               <p:nvPicPr>
                 <p:cNvPr id="43" name="Ink 42">
@@ -21869,8 +21870,8 @@
             </p:pic>
           </mc:Fallback>
         </mc:AlternateContent>
-        <mc:AlternateContent xmlns:mc="http://schemas.openxmlformats.org/markup-compatibility/2006">
-          <mc:Choice xmlns:p14="http://schemas.microsoft.com/office/powerpoint/2010/main" Requires="p14">
+        <mc:AlternateContent xmlns:mc="http://schemas.openxmlformats.org/markup-compatibility/2006" xmlns:p14="http://schemas.microsoft.com/office/powerpoint/2010/main">
+          <mc:Choice Requires="p14">
             <p:contentPart p14:bwMode="auto" r:id="rId62">
               <p14:nvContentPartPr>
                 <p14:cNvPr id="44" name="Ink 43">
@@ -21889,7 +21890,7 @@
               </p14:xfrm>
             </p:contentPart>
           </mc:Choice>
-          <mc:Fallback>
+          <mc:Fallback xmlns="">
             <p:pic>
               <p:nvPicPr>
                 <p:cNvPr id="44" name="Ink 43">
@@ -21920,8 +21921,8 @@
             </p:pic>
           </mc:Fallback>
         </mc:AlternateContent>
-        <mc:AlternateContent xmlns:mc="http://schemas.openxmlformats.org/markup-compatibility/2006">
-          <mc:Choice xmlns:p14="http://schemas.microsoft.com/office/powerpoint/2010/main" Requires="p14">
+        <mc:AlternateContent xmlns:mc="http://schemas.openxmlformats.org/markup-compatibility/2006" xmlns:p14="http://schemas.microsoft.com/office/powerpoint/2010/main">
+          <mc:Choice Requires="p14">
             <p:contentPart p14:bwMode="auto" r:id="rId63">
               <p14:nvContentPartPr>
                 <p14:cNvPr id="45" name="Ink 44">
@@ -21940,7 +21941,7 @@
               </p14:xfrm>
             </p:contentPart>
           </mc:Choice>
-          <mc:Fallback>
+          <mc:Fallback xmlns="">
             <p:pic>
               <p:nvPicPr>
                 <p:cNvPr id="45" name="Ink 44">
@@ -21971,8 +21972,8 @@
             </p:pic>
           </mc:Fallback>
         </mc:AlternateContent>
-        <mc:AlternateContent xmlns:mc="http://schemas.openxmlformats.org/markup-compatibility/2006">
-          <mc:Choice xmlns:p14="http://schemas.microsoft.com/office/powerpoint/2010/main" Requires="p14">
+        <mc:AlternateContent xmlns:mc="http://schemas.openxmlformats.org/markup-compatibility/2006" xmlns:p14="http://schemas.microsoft.com/office/powerpoint/2010/main">
+          <mc:Choice Requires="p14">
             <p:contentPart p14:bwMode="auto" r:id="rId64">
               <p14:nvContentPartPr>
                 <p14:cNvPr id="46" name="Ink 45">
@@ -21991,7 +21992,7 @@
               </p14:xfrm>
             </p:contentPart>
           </mc:Choice>
-          <mc:Fallback>
+          <mc:Fallback xmlns="">
             <p:pic>
               <p:nvPicPr>
                 <p:cNvPr id="46" name="Ink 45">
@@ -22022,8 +22023,8 @@
             </p:pic>
           </mc:Fallback>
         </mc:AlternateContent>
-        <mc:AlternateContent xmlns:mc="http://schemas.openxmlformats.org/markup-compatibility/2006">
-          <mc:Choice xmlns:p14="http://schemas.microsoft.com/office/powerpoint/2010/main" Requires="p14">
+        <mc:AlternateContent xmlns:mc="http://schemas.openxmlformats.org/markup-compatibility/2006" xmlns:p14="http://schemas.microsoft.com/office/powerpoint/2010/main">
+          <mc:Choice Requires="p14">
             <p:contentPart p14:bwMode="auto" r:id="rId65">
               <p14:nvContentPartPr>
                 <p14:cNvPr id="47" name="Ink 46">
@@ -22042,7 +22043,7 @@
               </p14:xfrm>
             </p:contentPart>
           </mc:Choice>
-          <mc:Fallback>
+          <mc:Fallback xmlns="">
             <p:pic>
               <p:nvPicPr>
                 <p:cNvPr id="47" name="Ink 46">
@@ -22094,8 +22095,8 @@
             <a:chExt cx="2406600" cy="356040"/>
           </a:xfrm>
         </p:grpSpPr>
-        <mc:AlternateContent xmlns:mc="http://schemas.openxmlformats.org/markup-compatibility/2006">
-          <mc:Choice xmlns:p14="http://schemas.microsoft.com/office/powerpoint/2010/main" Requires="p14">
+        <mc:AlternateContent xmlns:mc="http://schemas.openxmlformats.org/markup-compatibility/2006" xmlns:p14="http://schemas.microsoft.com/office/powerpoint/2010/main">
+          <mc:Choice Requires="p14">
             <p:contentPart p14:bwMode="auto" r:id="rId66">
               <p14:nvContentPartPr>
                 <p14:cNvPr id="48" name="Ink 47">
@@ -22114,7 +22115,7 @@
               </p14:xfrm>
             </p:contentPart>
           </mc:Choice>
-          <mc:Fallback>
+          <mc:Fallback xmlns="">
             <p:pic>
               <p:nvPicPr>
                 <p:cNvPr id="48" name="Ink 47">
@@ -22145,8 +22146,8 @@
             </p:pic>
           </mc:Fallback>
         </mc:AlternateContent>
-        <mc:AlternateContent xmlns:mc="http://schemas.openxmlformats.org/markup-compatibility/2006">
-          <mc:Choice xmlns:p14="http://schemas.microsoft.com/office/powerpoint/2010/main" Requires="p14">
+        <mc:AlternateContent xmlns:mc="http://schemas.openxmlformats.org/markup-compatibility/2006" xmlns:p14="http://schemas.microsoft.com/office/powerpoint/2010/main">
+          <mc:Choice Requires="p14">
             <p:contentPart p14:bwMode="auto" r:id="rId68">
               <p14:nvContentPartPr>
                 <p14:cNvPr id="49" name="Ink 48">
@@ -22165,7 +22166,7 @@
               </p14:xfrm>
             </p:contentPart>
           </mc:Choice>
-          <mc:Fallback>
+          <mc:Fallback xmlns="">
             <p:pic>
               <p:nvPicPr>
                 <p:cNvPr id="49" name="Ink 48">
@@ -22196,8 +22197,8 @@
             </p:pic>
           </mc:Fallback>
         </mc:AlternateContent>
-        <mc:AlternateContent xmlns:mc="http://schemas.openxmlformats.org/markup-compatibility/2006">
-          <mc:Choice xmlns:p14="http://schemas.microsoft.com/office/powerpoint/2010/main" Requires="p14">
+        <mc:AlternateContent xmlns:mc="http://schemas.openxmlformats.org/markup-compatibility/2006" xmlns:p14="http://schemas.microsoft.com/office/powerpoint/2010/main">
+          <mc:Choice Requires="p14">
             <p:contentPart p14:bwMode="auto" r:id="rId70">
               <p14:nvContentPartPr>
                 <p14:cNvPr id="50" name="Ink 49">
@@ -22216,7 +22217,7 @@
               </p14:xfrm>
             </p:contentPart>
           </mc:Choice>
-          <mc:Fallback>
+          <mc:Fallback xmlns="">
             <p:pic>
               <p:nvPicPr>
                 <p:cNvPr id="50" name="Ink 49">
@@ -22247,8 +22248,8 @@
             </p:pic>
           </mc:Fallback>
         </mc:AlternateContent>
-        <mc:AlternateContent xmlns:mc="http://schemas.openxmlformats.org/markup-compatibility/2006">
-          <mc:Choice xmlns:p14="http://schemas.microsoft.com/office/powerpoint/2010/main" Requires="p14">
+        <mc:AlternateContent xmlns:mc="http://schemas.openxmlformats.org/markup-compatibility/2006" xmlns:p14="http://schemas.microsoft.com/office/powerpoint/2010/main">
+          <mc:Choice Requires="p14">
             <p:contentPart p14:bwMode="auto" r:id="rId72">
               <p14:nvContentPartPr>
                 <p14:cNvPr id="51" name="Ink 50">
@@ -22267,7 +22268,7 @@
               </p14:xfrm>
             </p:contentPart>
           </mc:Choice>
-          <mc:Fallback>
+          <mc:Fallback xmlns="">
             <p:pic>
               <p:nvPicPr>
                 <p:cNvPr id="51" name="Ink 50">
@@ -22298,8 +22299,8 @@
             </p:pic>
           </mc:Fallback>
         </mc:AlternateContent>
-        <mc:AlternateContent xmlns:mc="http://schemas.openxmlformats.org/markup-compatibility/2006">
-          <mc:Choice xmlns:p14="http://schemas.microsoft.com/office/powerpoint/2010/main" Requires="p14">
+        <mc:AlternateContent xmlns:mc="http://schemas.openxmlformats.org/markup-compatibility/2006" xmlns:p14="http://schemas.microsoft.com/office/powerpoint/2010/main">
+          <mc:Choice Requires="p14">
             <p:contentPart p14:bwMode="auto" r:id="rId74">
               <p14:nvContentPartPr>
                 <p14:cNvPr id="52" name="Ink 51">
@@ -22318,7 +22319,7 @@
               </p14:xfrm>
             </p:contentPart>
           </mc:Choice>
-          <mc:Fallback>
+          <mc:Fallback xmlns="">
             <p:pic>
               <p:nvPicPr>
                 <p:cNvPr id="52" name="Ink 51">
@@ -22349,8 +22350,8 @@
             </p:pic>
           </mc:Fallback>
         </mc:AlternateContent>
-        <mc:AlternateContent xmlns:mc="http://schemas.openxmlformats.org/markup-compatibility/2006">
-          <mc:Choice xmlns:p14="http://schemas.microsoft.com/office/powerpoint/2010/main" Requires="p14">
+        <mc:AlternateContent xmlns:mc="http://schemas.openxmlformats.org/markup-compatibility/2006" xmlns:p14="http://schemas.microsoft.com/office/powerpoint/2010/main">
+          <mc:Choice Requires="p14">
             <p:contentPart p14:bwMode="auto" r:id="rId76">
               <p14:nvContentPartPr>
                 <p14:cNvPr id="53" name="Ink 52">
@@ -22369,7 +22370,7 @@
               </p14:xfrm>
             </p:contentPart>
           </mc:Choice>
-          <mc:Fallback>
+          <mc:Fallback xmlns="">
             <p:pic>
               <p:nvPicPr>
                 <p:cNvPr id="53" name="Ink 52">
@@ -22421,8 +22422,8 @@
             <a:chExt cx="843120" cy="1093320"/>
           </a:xfrm>
         </p:grpSpPr>
-        <mc:AlternateContent xmlns:mc="http://schemas.openxmlformats.org/markup-compatibility/2006">
-          <mc:Choice xmlns:p14="http://schemas.microsoft.com/office/powerpoint/2010/main" Requires="p14">
+        <mc:AlternateContent xmlns:mc="http://schemas.openxmlformats.org/markup-compatibility/2006" xmlns:p14="http://schemas.microsoft.com/office/powerpoint/2010/main">
+          <mc:Choice Requires="p14">
             <p:contentPart p14:bwMode="auto" r:id="rId78">
               <p14:nvContentPartPr>
                 <p14:cNvPr id="55" name="Ink 54">
@@ -22441,7 +22442,7 @@
               </p14:xfrm>
             </p:contentPart>
           </mc:Choice>
-          <mc:Fallback>
+          <mc:Fallback xmlns="">
             <p:pic>
               <p:nvPicPr>
                 <p:cNvPr id="55" name="Ink 54">
@@ -22472,8 +22473,8 @@
             </p:pic>
           </mc:Fallback>
         </mc:AlternateContent>
-        <mc:AlternateContent xmlns:mc="http://schemas.openxmlformats.org/markup-compatibility/2006">
-          <mc:Choice xmlns:p14="http://schemas.microsoft.com/office/powerpoint/2010/main" Requires="p14">
+        <mc:AlternateContent xmlns:mc="http://schemas.openxmlformats.org/markup-compatibility/2006" xmlns:p14="http://schemas.microsoft.com/office/powerpoint/2010/main">
+          <mc:Choice Requires="p14">
             <p:contentPart p14:bwMode="auto" r:id="rId80">
               <p14:nvContentPartPr>
                 <p14:cNvPr id="56" name="Ink 55">
@@ -22492,7 +22493,7 @@
               </p14:xfrm>
             </p:contentPart>
           </mc:Choice>
-          <mc:Fallback>
+          <mc:Fallback xmlns="">
             <p:pic>
               <p:nvPicPr>
                 <p:cNvPr id="56" name="Ink 55">
@@ -22523,8 +22524,8 @@
             </p:pic>
           </mc:Fallback>
         </mc:AlternateContent>
-        <mc:AlternateContent xmlns:mc="http://schemas.openxmlformats.org/markup-compatibility/2006">
-          <mc:Choice xmlns:p14="http://schemas.microsoft.com/office/powerpoint/2010/main" Requires="p14">
+        <mc:AlternateContent xmlns:mc="http://schemas.openxmlformats.org/markup-compatibility/2006" xmlns:p14="http://schemas.microsoft.com/office/powerpoint/2010/main">
+          <mc:Choice Requires="p14">
             <p:contentPart p14:bwMode="auto" r:id="rId82">
               <p14:nvContentPartPr>
                 <p14:cNvPr id="57" name="Ink 56">
@@ -22543,7 +22544,7 @@
               </p14:xfrm>
             </p:contentPart>
           </mc:Choice>
-          <mc:Fallback>
+          <mc:Fallback xmlns="">
             <p:pic>
               <p:nvPicPr>
                 <p:cNvPr id="57" name="Ink 56">
@@ -22574,8 +22575,8 @@
             </p:pic>
           </mc:Fallback>
         </mc:AlternateContent>
-        <mc:AlternateContent xmlns:mc="http://schemas.openxmlformats.org/markup-compatibility/2006">
-          <mc:Choice xmlns:p14="http://schemas.microsoft.com/office/powerpoint/2010/main" Requires="p14">
+        <mc:AlternateContent xmlns:mc="http://schemas.openxmlformats.org/markup-compatibility/2006" xmlns:p14="http://schemas.microsoft.com/office/powerpoint/2010/main">
+          <mc:Choice Requires="p14">
             <p:contentPart p14:bwMode="auto" r:id="rId84">
               <p14:nvContentPartPr>
                 <p14:cNvPr id="58" name="Ink 57">
@@ -22594,7 +22595,7 @@
               </p14:xfrm>
             </p:contentPart>
           </mc:Choice>
-          <mc:Fallback>
+          <mc:Fallback xmlns="">
             <p:pic>
               <p:nvPicPr>
                 <p:cNvPr id="58" name="Ink 57">
@@ -22625,8 +22626,8 @@
             </p:pic>
           </mc:Fallback>
         </mc:AlternateContent>
-        <mc:AlternateContent xmlns:mc="http://schemas.openxmlformats.org/markup-compatibility/2006">
-          <mc:Choice xmlns:p14="http://schemas.microsoft.com/office/powerpoint/2010/main" Requires="p14">
+        <mc:AlternateContent xmlns:mc="http://schemas.openxmlformats.org/markup-compatibility/2006" xmlns:p14="http://schemas.microsoft.com/office/powerpoint/2010/main">
+          <mc:Choice Requires="p14">
             <p:contentPart p14:bwMode="auto" r:id="rId86">
               <p14:nvContentPartPr>
                 <p14:cNvPr id="59" name="Ink 58">
@@ -22645,7 +22646,7 @@
               </p14:xfrm>
             </p:contentPart>
           </mc:Choice>
-          <mc:Fallback>
+          <mc:Fallback xmlns="">
             <p:pic>
               <p:nvPicPr>
                 <p:cNvPr id="59" name="Ink 58">
@@ -22676,8 +22677,8 @@
             </p:pic>
           </mc:Fallback>
         </mc:AlternateContent>
-        <mc:AlternateContent xmlns:mc="http://schemas.openxmlformats.org/markup-compatibility/2006">
-          <mc:Choice xmlns:p14="http://schemas.microsoft.com/office/powerpoint/2010/main" Requires="p14">
+        <mc:AlternateContent xmlns:mc="http://schemas.openxmlformats.org/markup-compatibility/2006" xmlns:p14="http://schemas.microsoft.com/office/powerpoint/2010/main">
+          <mc:Choice Requires="p14">
             <p:contentPart p14:bwMode="auto" r:id="rId88">
               <p14:nvContentPartPr>
                 <p14:cNvPr id="60" name="Ink 59">
@@ -22696,7 +22697,7 @@
               </p14:xfrm>
             </p:contentPart>
           </mc:Choice>
-          <mc:Fallback>
+          <mc:Fallback xmlns="">
             <p:pic>
               <p:nvPicPr>
                 <p:cNvPr id="60" name="Ink 59">
@@ -22727,8 +22728,8 @@
             </p:pic>
           </mc:Fallback>
         </mc:AlternateContent>
-        <mc:AlternateContent xmlns:mc="http://schemas.openxmlformats.org/markup-compatibility/2006">
-          <mc:Choice xmlns:p14="http://schemas.microsoft.com/office/powerpoint/2010/main" Requires="p14">
+        <mc:AlternateContent xmlns:mc="http://schemas.openxmlformats.org/markup-compatibility/2006" xmlns:p14="http://schemas.microsoft.com/office/powerpoint/2010/main">
+          <mc:Choice Requires="p14">
             <p:contentPart p14:bwMode="auto" r:id="rId90">
               <p14:nvContentPartPr>
                 <p14:cNvPr id="61" name="Ink 60">
@@ -22747,7 +22748,7 @@
               </p14:xfrm>
             </p:contentPart>
           </mc:Choice>
-          <mc:Fallback>
+          <mc:Fallback xmlns="">
             <p:pic>
               <p:nvPicPr>
                 <p:cNvPr id="61" name="Ink 60">
@@ -22778,8 +22779,8 @@
             </p:pic>
           </mc:Fallback>
         </mc:AlternateContent>
-        <mc:AlternateContent xmlns:mc="http://schemas.openxmlformats.org/markup-compatibility/2006">
-          <mc:Choice xmlns:p14="http://schemas.microsoft.com/office/powerpoint/2010/main" Requires="p14">
+        <mc:AlternateContent xmlns:mc="http://schemas.openxmlformats.org/markup-compatibility/2006" xmlns:p14="http://schemas.microsoft.com/office/powerpoint/2010/main">
+          <mc:Choice Requires="p14">
             <p:contentPart p14:bwMode="auto" r:id="rId92">
               <p14:nvContentPartPr>
                 <p14:cNvPr id="62" name="Ink 61">
@@ -22798,7 +22799,7 @@
               </p14:xfrm>
             </p:contentPart>
           </mc:Choice>
-          <mc:Fallback>
+          <mc:Fallback xmlns="">
             <p:pic>
               <p:nvPicPr>
                 <p:cNvPr id="62" name="Ink 61">
@@ -22829,8 +22830,8 @@
             </p:pic>
           </mc:Fallback>
         </mc:AlternateContent>
-        <mc:AlternateContent xmlns:mc="http://schemas.openxmlformats.org/markup-compatibility/2006">
-          <mc:Choice xmlns:p14="http://schemas.microsoft.com/office/powerpoint/2010/main" Requires="p14">
+        <mc:AlternateContent xmlns:mc="http://schemas.openxmlformats.org/markup-compatibility/2006" xmlns:p14="http://schemas.microsoft.com/office/powerpoint/2010/main">
+          <mc:Choice Requires="p14">
             <p:contentPart p14:bwMode="auto" r:id="rId94">
               <p14:nvContentPartPr>
                 <p14:cNvPr id="63" name="Ink 62">
@@ -22849,7 +22850,7 @@
               </p14:xfrm>
             </p:contentPart>
           </mc:Choice>
-          <mc:Fallback>
+          <mc:Fallback xmlns="">
             <p:pic>
               <p:nvPicPr>
                 <p:cNvPr id="63" name="Ink 62">
@@ -22880,8 +22881,8 @@
             </p:pic>
           </mc:Fallback>
         </mc:AlternateContent>
-        <mc:AlternateContent xmlns:mc="http://schemas.openxmlformats.org/markup-compatibility/2006">
-          <mc:Choice xmlns:p14="http://schemas.microsoft.com/office/powerpoint/2010/main" Requires="p14">
+        <mc:AlternateContent xmlns:mc="http://schemas.openxmlformats.org/markup-compatibility/2006" xmlns:p14="http://schemas.microsoft.com/office/powerpoint/2010/main">
+          <mc:Choice Requires="p14">
             <p:contentPart p14:bwMode="auto" r:id="rId96">
               <p14:nvContentPartPr>
                 <p14:cNvPr id="64" name="Ink 63">
@@ -22900,7 +22901,7 @@
               </p14:xfrm>
             </p:contentPart>
           </mc:Choice>
-          <mc:Fallback>
+          <mc:Fallback xmlns="">
             <p:pic>
               <p:nvPicPr>
                 <p:cNvPr id="64" name="Ink 63">
@@ -22952,8 +22953,8 @@
             <a:chExt cx="716040" cy="340920"/>
           </a:xfrm>
         </p:grpSpPr>
-        <mc:AlternateContent xmlns:mc="http://schemas.openxmlformats.org/markup-compatibility/2006">
-          <mc:Choice xmlns:p14="http://schemas.microsoft.com/office/powerpoint/2010/main" Requires="p14">
+        <mc:AlternateContent xmlns:mc="http://schemas.openxmlformats.org/markup-compatibility/2006" xmlns:p14="http://schemas.microsoft.com/office/powerpoint/2010/main">
+          <mc:Choice Requires="p14">
             <p:contentPart p14:bwMode="auto" r:id="rId98">
               <p14:nvContentPartPr>
                 <p14:cNvPr id="66" name="Ink 65">
@@ -22972,7 +22973,7 @@
               </p14:xfrm>
             </p:contentPart>
           </mc:Choice>
-          <mc:Fallback>
+          <mc:Fallback xmlns="">
             <p:pic>
               <p:nvPicPr>
                 <p:cNvPr id="66" name="Ink 65">
@@ -23003,8 +23004,8 @@
             </p:pic>
           </mc:Fallback>
         </mc:AlternateContent>
-        <mc:AlternateContent xmlns:mc="http://schemas.openxmlformats.org/markup-compatibility/2006">
-          <mc:Choice xmlns:p14="http://schemas.microsoft.com/office/powerpoint/2010/main" Requires="p14">
+        <mc:AlternateContent xmlns:mc="http://schemas.openxmlformats.org/markup-compatibility/2006" xmlns:p14="http://schemas.microsoft.com/office/powerpoint/2010/main">
+          <mc:Choice Requires="p14">
             <p:contentPart p14:bwMode="auto" r:id="rId100">
               <p14:nvContentPartPr>
                 <p14:cNvPr id="67" name="Ink 66">
@@ -23023,7 +23024,7 @@
               </p14:xfrm>
             </p:contentPart>
           </mc:Choice>
-          <mc:Fallback>
+          <mc:Fallback xmlns="">
             <p:pic>
               <p:nvPicPr>
                 <p:cNvPr id="67" name="Ink 66">
@@ -23075,8 +23076,8 @@
             <a:chExt cx="2761200" cy="992160"/>
           </a:xfrm>
         </p:grpSpPr>
-        <mc:AlternateContent xmlns:mc="http://schemas.openxmlformats.org/markup-compatibility/2006">
-          <mc:Choice xmlns:p14="http://schemas.microsoft.com/office/powerpoint/2010/main" Requires="p14">
+        <mc:AlternateContent xmlns:mc="http://schemas.openxmlformats.org/markup-compatibility/2006" xmlns:p14="http://schemas.microsoft.com/office/powerpoint/2010/main">
+          <mc:Choice Requires="p14">
             <p:contentPart p14:bwMode="auto" r:id="rId102">
               <p14:nvContentPartPr>
                 <p14:cNvPr id="77" name="Ink 76">
@@ -23095,7 +23096,7 @@
               </p14:xfrm>
             </p:contentPart>
           </mc:Choice>
-          <mc:Fallback>
+          <mc:Fallback xmlns="">
             <p:pic>
               <p:nvPicPr>
                 <p:cNvPr id="77" name="Ink 76">
@@ -23126,8 +23127,8 @@
             </p:pic>
           </mc:Fallback>
         </mc:AlternateContent>
-        <mc:AlternateContent xmlns:mc="http://schemas.openxmlformats.org/markup-compatibility/2006">
-          <mc:Choice xmlns:p14="http://schemas.microsoft.com/office/powerpoint/2010/main" Requires="p14">
+        <mc:AlternateContent xmlns:mc="http://schemas.openxmlformats.org/markup-compatibility/2006" xmlns:p14="http://schemas.microsoft.com/office/powerpoint/2010/main">
+          <mc:Choice Requires="p14">
             <p:contentPart p14:bwMode="auto" r:id="rId103">
               <p14:nvContentPartPr>
                 <p14:cNvPr id="78" name="Ink 77">
@@ -23146,7 +23147,7 @@
               </p14:xfrm>
             </p:contentPart>
           </mc:Choice>
-          <mc:Fallback>
+          <mc:Fallback xmlns="">
             <p:pic>
               <p:nvPicPr>
                 <p:cNvPr id="78" name="Ink 77">
@@ -23177,8 +23178,8 @@
             </p:pic>
           </mc:Fallback>
         </mc:AlternateContent>
-        <mc:AlternateContent xmlns:mc="http://schemas.openxmlformats.org/markup-compatibility/2006">
-          <mc:Choice xmlns:p14="http://schemas.microsoft.com/office/powerpoint/2010/main" Requires="p14">
+        <mc:AlternateContent xmlns:mc="http://schemas.openxmlformats.org/markup-compatibility/2006" xmlns:p14="http://schemas.microsoft.com/office/powerpoint/2010/main">
+          <mc:Choice Requires="p14">
             <p:contentPart p14:bwMode="auto" r:id="rId104">
               <p14:nvContentPartPr>
                 <p14:cNvPr id="79" name="Ink 78">
@@ -23197,7 +23198,7 @@
               </p14:xfrm>
             </p:contentPart>
           </mc:Choice>
-          <mc:Fallback>
+          <mc:Fallback xmlns="">
             <p:pic>
               <p:nvPicPr>
                 <p:cNvPr id="79" name="Ink 78">
@@ -23228,8 +23229,8 @@
             </p:pic>
           </mc:Fallback>
         </mc:AlternateContent>
-        <mc:AlternateContent xmlns:mc="http://schemas.openxmlformats.org/markup-compatibility/2006">
-          <mc:Choice xmlns:p14="http://schemas.microsoft.com/office/powerpoint/2010/main" Requires="p14">
+        <mc:AlternateContent xmlns:mc="http://schemas.openxmlformats.org/markup-compatibility/2006" xmlns:p14="http://schemas.microsoft.com/office/powerpoint/2010/main">
+          <mc:Choice Requires="p14">
             <p:contentPart p14:bwMode="auto" r:id="rId105">
               <p14:nvContentPartPr>
                 <p14:cNvPr id="80" name="Ink 79">
@@ -23248,7 +23249,7 @@
               </p14:xfrm>
             </p:contentPart>
           </mc:Choice>
-          <mc:Fallback>
+          <mc:Fallback xmlns="">
             <p:pic>
               <p:nvPicPr>
                 <p:cNvPr id="80" name="Ink 79">
@@ -23279,8 +23280,8 @@
             </p:pic>
           </mc:Fallback>
         </mc:AlternateContent>
-        <mc:AlternateContent xmlns:mc="http://schemas.openxmlformats.org/markup-compatibility/2006">
-          <mc:Choice xmlns:p14="http://schemas.microsoft.com/office/powerpoint/2010/main" Requires="p14">
+        <mc:AlternateContent xmlns:mc="http://schemas.openxmlformats.org/markup-compatibility/2006" xmlns:p14="http://schemas.microsoft.com/office/powerpoint/2010/main">
+          <mc:Choice Requires="p14">
             <p:contentPart p14:bwMode="auto" r:id="rId106">
               <p14:nvContentPartPr>
                 <p14:cNvPr id="81" name="Ink 80">
@@ -23299,7 +23300,7 @@
               </p14:xfrm>
             </p:contentPart>
           </mc:Choice>
-          <mc:Fallback>
+          <mc:Fallback xmlns="">
             <p:pic>
               <p:nvPicPr>
                 <p:cNvPr id="81" name="Ink 80">
@@ -23330,8 +23331,8 @@
             </p:pic>
           </mc:Fallback>
         </mc:AlternateContent>
-        <mc:AlternateContent xmlns:mc="http://schemas.openxmlformats.org/markup-compatibility/2006">
-          <mc:Choice xmlns:p14="http://schemas.microsoft.com/office/powerpoint/2010/main" Requires="p14">
+        <mc:AlternateContent xmlns:mc="http://schemas.openxmlformats.org/markup-compatibility/2006" xmlns:p14="http://schemas.microsoft.com/office/powerpoint/2010/main">
+          <mc:Choice Requires="p14">
             <p:contentPart p14:bwMode="auto" r:id="rId107">
               <p14:nvContentPartPr>
                 <p14:cNvPr id="82" name="Ink 81">
@@ -23350,7 +23351,7 @@
               </p14:xfrm>
             </p:contentPart>
           </mc:Choice>
-          <mc:Fallback>
+          <mc:Fallback xmlns="">
             <p:pic>
               <p:nvPicPr>
                 <p:cNvPr id="82" name="Ink 81">
@@ -23381,8 +23382,8 @@
             </p:pic>
           </mc:Fallback>
         </mc:AlternateContent>
-        <mc:AlternateContent xmlns:mc="http://schemas.openxmlformats.org/markup-compatibility/2006">
-          <mc:Choice xmlns:p14="http://schemas.microsoft.com/office/powerpoint/2010/main" Requires="p14">
+        <mc:AlternateContent xmlns:mc="http://schemas.openxmlformats.org/markup-compatibility/2006" xmlns:p14="http://schemas.microsoft.com/office/powerpoint/2010/main">
+          <mc:Choice Requires="p14">
             <p:contentPart p14:bwMode="auto" r:id="rId108">
               <p14:nvContentPartPr>
                 <p14:cNvPr id="83" name="Ink 82">
@@ -23401,7 +23402,7 @@
               </p14:xfrm>
             </p:contentPart>
           </mc:Choice>
-          <mc:Fallback>
+          <mc:Fallback xmlns="">
             <p:pic>
               <p:nvPicPr>
                 <p:cNvPr id="83" name="Ink 82">
@@ -23432,8 +23433,8 @@
             </p:pic>
           </mc:Fallback>
         </mc:AlternateContent>
-        <mc:AlternateContent xmlns:mc="http://schemas.openxmlformats.org/markup-compatibility/2006">
-          <mc:Choice xmlns:p14="http://schemas.microsoft.com/office/powerpoint/2010/main" Requires="p14">
+        <mc:AlternateContent xmlns:mc="http://schemas.openxmlformats.org/markup-compatibility/2006" xmlns:p14="http://schemas.microsoft.com/office/powerpoint/2010/main">
+          <mc:Choice Requires="p14">
             <p:contentPart p14:bwMode="auto" r:id="rId109">
               <p14:nvContentPartPr>
                 <p14:cNvPr id="84" name="Ink 83">
@@ -23452,7 +23453,7 @@
               </p14:xfrm>
             </p:contentPart>
           </mc:Choice>
-          <mc:Fallback>
+          <mc:Fallback xmlns="">
             <p:pic>
               <p:nvPicPr>
                 <p:cNvPr id="84" name="Ink 83">
@@ -23483,8 +23484,8 @@
             </p:pic>
           </mc:Fallback>
         </mc:AlternateContent>
-        <mc:AlternateContent xmlns:mc="http://schemas.openxmlformats.org/markup-compatibility/2006">
-          <mc:Choice xmlns:p14="http://schemas.microsoft.com/office/powerpoint/2010/main" Requires="p14">
+        <mc:AlternateContent xmlns:mc="http://schemas.openxmlformats.org/markup-compatibility/2006" xmlns:p14="http://schemas.microsoft.com/office/powerpoint/2010/main">
+          <mc:Choice Requires="p14">
             <p:contentPart p14:bwMode="auto" r:id="rId110">
               <p14:nvContentPartPr>
                 <p14:cNvPr id="85" name="Ink 84">
@@ -23503,7 +23504,7 @@
               </p14:xfrm>
             </p:contentPart>
           </mc:Choice>
-          <mc:Fallback>
+          <mc:Fallback xmlns="">
             <p:pic>
               <p:nvPicPr>
                 <p:cNvPr id="85" name="Ink 84">
@@ -23534,8 +23535,8 @@
             </p:pic>
           </mc:Fallback>
         </mc:AlternateContent>
-        <mc:AlternateContent xmlns:mc="http://schemas.openxmlformats.org/markup-compatibility/2006">
-          <mc:Choice xmlns:p14="http://schemas.microsoft.com/office/powerpoint/2010/main" Requires="p14">
+        <mc:AlternateContent xmlns:mc="http://schemas.openxmlformats.org/markup-compatibility/2006" xmlns:p14="http://schemas.microsoft.com/office/powerpoint/2010/main">
+          <mc:Choice Requires="p14">
             <p:contentPart p14:bwMode="auto" r:id="rId111">
               <p14:nvContentPartPr>
                 <p14:cNvPr id="86" name="Ink 85">
@@ -23554,7 +23555,7 @@
               </p14:xfrm>
             </p:contentPart>
           </mc:Choice>
-          <mc:Fallback>
+          <mc:Fallback xmlns="">
             <p:pic>
               <p:nvPicPr>
                 <p:cNvPr id="86" name="Ink 85">
@@ -23585,8 +23586,8 @@
             </p:pic>
           </mc:Fallback>
         </mc:AlternateContent>
-        <mc:AlternateContent xmlns:mc="http://schemas.openxmlformats.org/markup-compatibility/2006">
-          <mc:Choice xmlns:p14="http://schemas.microsoft.com/office/powerpoint/2010/main" Requires="p14">
+        <mc:AlternateContent xmlns:mc="http://schemas.openxmlformats.org/markup-compatibility/2006" xmlns:p14="http://schemas.microsoft.com/office/powerpoint/2010/main">
+          <mc:Choice Requires="p14">
             <p:contentPart p14:bwMode="auto" r:id="rId112">
               <p14:nvContentPartPr>
                 <p14:cNvPr id="87" name="Ink 86">
@@ -23605,7 +23606,7 @@
               </p14:xfrm>
             </p:contentPart>
           </mc:Choice>
-          <mc:Fallback>
+          <mc:Fallback xmlns="">
             <p:pic>
               <p:nvPicPr>
                 <p:cNvPr id="87" name="Ink 86">
@@ -23636,8 +23637,8 @@
             </p:pic>
           </mc:Fallback>
         </mc:AlternateContent>
-        <mc:AlternateContent xmlns:mc="http://schemas.openxmlformats.org/markup-compatibility/2006">
-          <mc:Choice xmlns:p14="http://schemas.microsoft.com/office/powerpoint/2010/main" Requires="p14">
+        <mc:AlternateContent xmlns:mc="http://schemas.openxmlformats.org/markup-compatibility/2006" xmlns:p14="http://schemas.microsoft.com/office/powerpoint/2010/main">
+          <mc:Choice Requires="p14">
             <p:contentPart p14:bwMode="auto" r:id="rId113">
               <p14:nvContentPartPr>
                 <p14:cNvPr id="88" name="Ink 87">
@@ -23656,7 +23657,7 @@
               </p14:xfrm>
             </p:contentPart>
           </mc:Choice>
-          <mc:Fallback>
+          <mc:Fallback xmlns="">
             <p:pic>
               <p:nvPicPr>
                 <p:cNvPr id="88" name="Ink 87">
@@ -23687,8 +23688,8 @@
             </p:pic>
           </mc:Fallback>
         </mc:AlternateContent>
-        <mc:AlternateContent xmlns:mc="http://schemas.openxmlformats.org/markup-compatibility/2006">
-          <mc:Choice xmlns:p14="http://schemas.microsoft.com/office/powerpoint/2010/main" Requires="p14">
+        <mc:AlternateContent xmlns:mc="http://schemas.openxmlformats.org/markup-compatibility/2006" xmlns:p14="http://schemas.microsoft.com/office/powerpoint/2010/main">
+          <mc:Choice Requires="p14">
             <p:contentPart p14:bwMode="auto" r:id="rId114">
               <p14:nvContentPartPr>
                 <p14:cNvPr id="89" name="Ink 88">
@@ -23707,7 +23708,7 @@
               </p14:xfrm>
             </p:contentPart>
           </mc:Choice>
-          <mc:Fallback>
+          <mc:Fallback xmlns="">
             <p:pic>
               <p:nvPicPr>
                 <p:cNvPr id="89" name="Ink 88">
@@ -23739,8 +23740,8 @@
           </mc:Fallback>
         </mc:AlternateContent>
       </p:grpSp>
-      <mc:AlternateContent xmlns:mc="http://schemas.openxmlformats.org/markup-compatibility/2006">
-        <mc:Choice xmlns:p14="http://schemas.microsoft.com/office/powerpoint/2010/main" Requires="p14">
+      <mc:AlternateContent xmlns:mc="http://schemas.openxmlformats.org/markup-compatibility/2006" xmlns:p14="http://schemas.microsoft.com/office/powerpoint/2010/main">
+        <mc:Choice Requires="p14">
           <p:contentPart p14:bwMode="auto" r:id="rId115">
             <p14:nvContentPartPr>
               <p14:cNvPr id="90" name="Ink 89">
@@ -23759,7 +23760,7 @@
             </p14:xfrm>
           </p:contentPart>
         </mc:Choice>
-        <mc:Fallback>
+        <mc:Fallback xmlns="">
           <p:pic>
             <p:nvPicPr>
               <p:cNvPr id="90" name="Ink 89">
@@ -23790,8 +23791,8 @@
           </p:pic>
         </mc:Fallback>
       </mc:AlternateContent>
-      <mc:AlternateContent xmlns:mc="http://schemas.openxmlformats.org/markup-compatibility/2006">
-        <mc:Choice xmlns:p14="http://schemas.microsoft.com/office/powerpoint/2010/main" Requires="p14">
+      <mc:AlternateContent xmlns:mc="http://schemas.openxmlformats.org/markup-compatibility/2006" xmlns:p14="http://schemas.microsoft.com/office/powerpoint/2010/main">
+        <mc:Choice Requires="p14">
           <p:contentPart p14:bwMode="auto" r:id="rId117">
             <p14:nvContentPartPr>
               <p14:cNvPr id="91" name="Ink 90">
@@ -23810,7 +23811,7 @@
             </p14:xfrm>
           </p:contentPart>
         </mc:Choice>
-        <mc:Fallback>
+        <mc:Fallback xmlns="">
           <p:pic>
             <p:nvPicPr>
               <p:cNvPr id="91" name="Ink 90">
@@ -23861,8 +23862,8 @@
             <a:chExt cx="231480" cy="278640"/>
           </a:xfrm>
         </p:grpSpPr>
-        <mc:AlternateContent xmlns:mc="http://schemas.openxmlformats.org/markup-compatibility/2006">
-          <mc:Choice xmlns:p14="http://schemas.microsoft.com/office/powerpoint/2010/main" Requires="p14">
+        <mc:AlternateContent xmlns:mc="http://schemas.openxmlformats.org/markup-compatibility/2006" xmlns:p14="http://schemas.microsoft.com/office/powerpoint/2010/main">
+          <mc:Choice Requires="p14">
             <p:contentPart p14:bwMode="auto" r:id="rId119">
               <p14:nvContentPartPr>
                 <p14:cNvPr id="92" name="Ink 91">
@@ -23881,7 +23882,7 @@
               </p14:xfrm>
             </p:contentPart>
           </mc:Choice>
-          <mc:Fallback>
+          <mc:Fallback xmlns="">
             <p:pic>
               <p:nvPicPr>
                 <p:cNvPr id="92" name="Ink 91">
@@ -23912,8 +23913,8 @@
             </p:pic>
           </mc:Fallback>
         </mc:AlternateContent>
-        <mc:AlternateContent xmlns:mc="http://schemas.openxmlformats.org/markup-compatibility/2006">
-          <mc:Choice xmlns:p14="http://schemas.microsoft.com/office/powerpoint/2010/main" Requires="p14">
+        <mc:AlternateContent xmlns:mc="http://schemas.openxmlformats.org/markup-compatibility/2006" xmlns:p14="http://schemas.microsoft.com/office/powerpoint/2010/main">
+          <mc:Choice Requires="p14">
             <p:contentPart p14:bwMode="auto" r:id="rId121">
               <p14:nvContentPartPr>
                 <p14:cNvPr id="93" name="Ink 92">
@@ -23932,7 +23933,7 @@
               </p14:xfrm>
             </p:contentPart>
           </mc:Choice>
-          <mc:Fallback>
+          <mc:Fallback xmlns="">
             <p:pic>
               <p:nvPicPr>
                 <p:cNvPr id="93" name="Ink 92">
@@ -23964,8 +23965,8 @@
           </mc:Fallback>
         </mc:AlternateContent>
       </p:grpSp>
-      <mc:AlternateContent xmlns:mc="http://schemas.openxmlformats.org/markup-compatibility/2006">
-        <mc:Choice xmlns:p14="http://schemas.microsoft.com/office/powerpoint/2010/main" Requires="p14">
+      <mc:AlternateContent xmlns:mc="http://schemas.openxmlformats.org/markup-compatibility/2006" xmlns:p14="http://schemas.microsoft.com/office/powerpoint/2010/main">
+        <mc:Choice Requires="p14">
           <p:contentPart p14:bwMode="auto" r:id="rId123">
             <p14:nvContentPartPr>
               <p14:cNvPr id="95" name="Ink 94">
@@ -23984,7 +23985,7 @@
             </p14:xfrm>
           </p:contentPart>
         </mc:Choice>
-        <mc:Fallback>
+        <mc:Fallback xmlns="">
           <p:pic>
             <p:nvPicPr>
               <p:cNvPr id="95" name="Ink 94">
@@ -24015,8 +24016,8 @@
           </p:pic>
         </mc:Fallback>
       </mc:AlternateContent>
-      <mc:AlternateContent xmlns:mc="http://schemas.openxmlformats.org/markup-compatibility/2006">
-        <mc:Choice xmlns:p14="http://schemas.microsoft.com/office/powerpoint/2010/main" Requires="p14">
+      <mc:AlternateContent xmlns:mc="http://schemas.openxmlformats.org/markup-compatibility/2006" xmlns:p14="http://schemas.microsoft.com/office/powerpoint/2010/main">
+        <mc:Choice Requires="p14">
           <p:contentPart p14:bwMode="auto" r:id="rId125">
             <p14:nvContentPartPr>
               <p14:cNvPr id="96" name="Ink 95">
@@ -24035,7 +24036,7 @@
             </p14:xfrm>
           </p:contentPart>
         </mc:Choice>
-        <mc:Fallback>
+        <mc:Fallback xmlns="">
           <p:pic>
             <p:nvPicPr>
               <p:cNvPr id="96" name="Ink 95">
@@ -24086,8 +24087,8 @@
             <a:chExt cx="1575360" cy="678240"/>
           </a:xfrm>
         </p:grpSpPr>
-        <mc:AlternateContent xmlns:mc="http://schemas.openxmlformats.org/markup-compatibility/2006">
-          <mc:Choice xmlns:p14="http://schemas.microsoft.com/office/powerpoint/2010/main" Requires="p14">
+        <mc:AlternateContent xmlns:mc="http://schemas.openxmlformats.org/markup-compatibility/2006" xmlns:p14="http://schemas.microsoft.com/office/powerpoint/2010/main">
+          <mc:Choice Requires="p14">
             <p:contentPart p14:bwMode="auto" r:id="rId127">
               <p14:nvContentPartPr>
                 <p14:cNvPr id="97" name="Ink 96">
@@ -24106,7 +24107,7 @@
               </p14:xfrm>
             </p:contentPart>
           </mc:Choice>
-          <mc:Fallback>
+          <mc:Fallback xmlns="">
             <p:pic>
               <p:nvPicPr>
                 <p:cNvPr id="97" name="Ink 96">
@@ -24137,8 +24138,8 @@
             </p:pic>
           </mc:Fallback>
         </mc:AlternateContent>
-        <mc:AlternateContent xmlns:mc="http://schemas.openxmlformats.org/markup-compatibility/2006">
-          <mc:Choice xmlns:p14="http://schemas.microsoft.com/office/powerpoint/2010/main" Requires="p14">
+        <mc:AlternateContent xmlns:mc="http://schemas.openxmlformats.org/markup-compatibility/2006" xmlns:p14="http://schemas.microsoft.com/office/powerpoint/2010/main">
+          <mc:Choice Requires="p14">
             <p:contentPart p14:bwMode="auto" r:id="rId129">
               <p14:nvContentPartPr>
                 <p14:cNvPr id="98" name="Ink 97">
@@ -24157,7 +24158,7 @@
               </p14:xfrm>
             </p:contentPart>
           </mc:Choice>
-          <mc:Fallback>
+          <mc:Fallback xmlns="">
             <p:pic>
               <p:nvPicPr>
                 <p:cNvPr id="98" name="Ink 97">
@@ -24188,8 +24189,8 @@
             </p:pic>
           </mc:Fallback>
         </mc:AlternateContent>
-        <mc:AlternateContent xmlns:mc="http://schemas.openxmlformats.org/markup-compatibility/2006">
-          <mc:Choice xmlns:p14="http://schemas.microsoft.com/office/powerpoint/2010/main" Requires="p14">
+        <mc:AlternateContent xmlns:mc="http://schemas.openxmlformats.org/markup-compatibility/2006" xmlns:p14="http://schemas.microsoft.com/office/powerpoint/2010/main">
+          <mc:Choice Requires="p14">
             <p:contentPart p14:bwMode="auto" r:id="rId131">
               <p14:nvContentPartPr>
                 <p14:cNvPr id="99" name="Ink 98">
@@ -24208,7 +24209,7 @@
               </p14:xfrm>
             </p:contentPart>
           </mc:Choice>
-          <mc:Fallback>
+          <mc:Fallback xmlns="">
             <p:pic>
               <p:nvPicPr>
                 <p:cNvPr id="99" name="Ink 98">
@@ -24239,8 +24240,8 @@
             </p:pic>
           </mc:Fallback>
         </mc:AlternateContent>
-        <mc:AlternateContent xmlns:mc="http://schemas.openxmlformats.org/markup-compatibility/2006">
-          <mc:Choice xmlns:p14="http://schemas.microsoft.com/office/powerpoint/2010/main" Requires="p14">
+        <mc:AlternateContent xmlns:mc="http://schemas.openxmlformats.org/markup-compatibility/2006" xmlns:p14="http://schemas.microsoft.com/office/powerpoint/2010/main">
+          <mc:Choice Requires="p14">
             <p:contentPart p14:bwMode="auto" r:id="rId133">
               <p14:nvContentPartPr>
                 <p14:cNvPr id="100" name="Ink 99">
@@ -24259,7 +24260,7 @@
               </p14:xfrm>
             </p:contentPart>
           </mc:Choice>
-          <mc:Fallback>
+          <mc:Fallback xmlns="">
             <p:pic>
               <p:nvPicPr>
                 <p:cNvPr id="100" name="Ink 99">
@@ -24290,8 +24291,8 @@
             </p:pic>
           </mc:Fallback>
         </mc:AlternateContent>
-        <mc:AlternateContent xmlns:mc="http://schemas.openxmlformats.org/markup-compatibility/2006">
-          <mc:Choice xmlns:p14="http://schemas.microsoft.com/office/powerpoint/2010/main" Requires="p14">
+        <mc:AlternateContent xmlns:mc="http://schemas.openxmlformats.org/markup-compatibility/2006" xmlns:p14="http://schemas.microsoft.com/office/powerpoint/2010/main">
+          <mc:Choice Requires="p14">
             <p:contentPart p14:bwMode="auto" r:id="rId135">
               <p14:nvContentPartPr>
                 <p14:cNvPr id="101" name="Ink 100">
@@ -24310,7 +24311,7 @@
               </p14:xfrm>
             </p:contentPart>
           </mc:Choice>
-          <mc:Fallback>
+          <mc:Fallback xmlns="">
             <p:pic>
               <p:nvPicPr>
                 <p:cNvPr id="101" name="Ink 100">
@@ -24341,8 +24342,8 @@
             </p:pic>
           </mc:Fallback>
         </mc:AlternateContent>
-        <mc:AlternateContent xmlns:mc="http://schemas.openxmlformats.org/markup-compatibility/2006">
-          <mc:Choice xmlns:p14="http://schemas.microsoft.com/office/powerpoint/2010/main" Requires="p14">
+        <mc:AlternateContent xmlns:mc="http://schemas.openxmlformats.org/markup-compatibility/2006" xmlns:p14="http://schemas.microsoft.com/office/powerpoint/2010/main">
+          <mc:Choice Requires="p14">
             <p:contentPart p14:bwMode="auto" r:id="rId137">
               <p14:nvContentPartPr>
                 <p14:cNvPr id="102" name="Ink 101">
@@ -24361,7 +24362,7 @@
               </p14:xfrm>
             </p:contentPart>
           </mc:Choice>
-          <mc:Fallback>
+          <mc:Fallback xmlns="">
             <p:pic>
               <p:nvPicPr>
                 <p:cNvPr id="102" name="Ink 101">
@@ -24392,8 +24393,8 @@
             </p:pic>
           </mc:Fallback>
         </mc:AlternateContent>
-        <mc:AlternateContent xmlns:mc="http://schemas.openxmlformats.org/markup-compatibility/2006">
-          <mc:Choice xmlns:p14="http://schemas.microsoft.com/office/powerpoint/2010/main" Requires="p14">
+        <mc:AlternateContent xmlns:mc="http://schemas.openxmlformats.org/markup-compatibility/2006" xmlns:p14="http://schemas.microsoft.com/office/powerpoint/2010/main">
+          <mc:Choice Requires="p14">
             <p:contentPart p14:bwMode="auto" r:id="rId139">
               <p14:nvContentPartPr>
                 <p14:cNvPr id="103" name="Ink 102">
@@ -24412,7 +24413,7 @@
               </p14:xfrm>
             </p:contentPart>
           </mc:Choice>
-          <mc:Fallback>
+          <mc:Fallback xmlns="">
             <p:pic>
               <p:nvPicPr>
                 <p:cNvPr id="103" name="Ink 102">
@@ -24443,8 +24444,8 @@
             </p:pic>
           </mc:Fallback>
         </mc:AlternateContent>
-        <mc:AlternateContent xmlns:mc="http://schemas.openxmlformats.org/markup-compatibility/2006">
-          <mc:Choice xmlns:p14="http://schemas.microsoft.com/office/powerpoint/2010/main" Requires="p14">
+        <mc:AlternateContent xmlns:mc="http://schemas.openxmlformats.org/markup-compatibility/2006" xmlns:p14="http://schemas.microsoft.com/office/powerpoint/2010/main">
+          <mc:Choice Requires="p14">
             <p:contentPart p14:bwMode="auto" r:id="rId141">
               <p14:nvContentPartPr>
                 <p14:cNvPr id="105" name="Ink 104">
@@ -24463,7 +24464,7 @@
               </p14:xfrm>
             </p:contentPart>
           </mc:Choice>
-          <mc:Fallback>
+          <mc:Fallback xmlns="">
             <p:pic>
               <p:nvPicPr>
                 <p:cNvPr id="105" name="Ink 104">
@@ -24515,8 +24516,8 @@
             <a:chExt cx="2007360" cy="1324440"/>
           </a:xfrm>
         </p:grpSpPr>
-        <mc:AlternateContent xmlns:mc="http://schemas.openxmlformats.org/markup-compatibility/2006">
-          <mc:Choice xmlns:p14="http://schemas.microsoft.com/office/powerpoint/2010/main" Requires="p14">
+        <mc:AlternateContent xmlns:mc="http://schemas.openxmlformats.org/markup-compatibility/2006" xmlns:p14="http://schemas.microsoft.com/office/powerpoint/2010/main">
+          <mc:Choice Requires="p14">
             <p:contentPart p14:bwMode="auto" r:id="rId143">
               <p14:nvContentPartPr>
                 <p14:cNvPr id="107" name="Ink 106">
@@ -24535,7 +24536,7 @@
               </p14:xfrm>
             </p:contentPart>
           </mc:Choice>
-          <mc:Fallback>
+          <mc:Fallback xmlns="">
             <p:pic>
               <p:nvPicPr>
                 <p:cNvPr id="107" name="Ink 106">
@@ -24566,8 +24567,8 @@
             </p:pic>
           </mc:Fallback>
         </mc:AlternateContent>
-        <mc:AlternateContent xmlns:mc="http://schemas.openxmlformats.org/markup-compatibility/2006">
-          <mc:Choice xmlns:p14="http://schemas.microsoft.com/office/powerpoint/2010/main" Requires="p14">
+        <mc:AlternateContent xmlns:mc="http://schemas.openxmlformats.org/markup-compatibility/2006" xmlns:p14="http://schemas.microsoft.com/office/powerpoint/2010/main">
+          <mc:Choice Requires="p14">
             <p:contentPart p14:bwMode="auto" r:id="rId145">
               <p14:nvContentPartPr>
                 <p14:cNvPr id="108" name="Ink 107">
@@ -24586,7 +24587,7 @@
               </p14:xfrm>
             </p:contentPart>
           </mc:Choice>
-          <mc:Fallback>
+          <mc:Fallback xmlns="">
             <p:pic>
               <p:nvPicPr>
                 <p:cNvPr id="108" name="Ink 107">
@@ -24617,8 +24618,8 @@
             </p:pic>
           </mc:Fallback>
         </mc:AlternateContent>
-        <mc:AlternateContent xmlns:mc="http://schemas.openxmlformats.org/markup-compatibility/2006">
-          <mc:Choice xmlns:p14="http://schemas.microsoft.com/office/powerpoint/2010/main" Requires="p14">
+        <mc:AlternateContent xmlns:mc="http://schemas.openxmlformats.org/markup-compatibility/2006" xmlns:p14="http://schemas.microsoft.com/office/powerpoint/2010/main">
+          <mc:Choice Requires="p14">
             <p:contentPart p14:bwMode="auto" r:id="rId147">
               <p14:nvContentPartPr>
                 <p14:cNvPr id="109" name="Ink 108">
@@ -24637,7 +24638,7 @@
               </p14:xfrm>
             </p:contentPart>
           </mc:Choice>
-          <mc:Fallback>
+          <mc:Fallback xmlns="">
             <p:pic>
               <p:nvPicPr>
                 <p:cNvPr id="109" name="Ink 108">
@@ -24668,8 +24669,8 @@
             </p:pic>
           </mc:Fallback>
         </mc:AlternateContent>
-        <mc:AlternateContent xmlns:mc="http://schemas.openxmlformats.org/markup-compatibility/2006">
-          <mc:Choice xmlns:p14="http://schemas.microsoft.com/office/powerpoint/2010/main" Requires="p14">
+        <mc:AlternateContent xmlns:mc="http://schemas.openxmlformats.org/markup-compatibility/2006" xmlns:p14="http://schemas.microsoft.com/office/powerpoint/2010/main">
+          <mc:Choice Requires="p14">
             <p:contentPart p14:bwMode="auto" r:id="rId149">
               <p14:nvContentPartPr>
                 <p14:cNvPr id="110" name="Ink 109">
@@ -24688,7 +24689,7 @@
               </p14:xfrm>
             </p:contentPart>
           </mc:Choice>
-          <mc:Fallback>
+          <mc:Fallback xmlns="">
             <p:pic>
               <p:nvPicPr>
                 <p:cNvPr id="110" name="Ink 109">
@@ -24719,8 +24720,8 @@
             </p:pic>
           </mc:Fallback>
         </mc:AlternateContent>
-        <mc:AlternateContent xmlns:mc="http://schemas.openxmlformats.org/markup-compatibility/2006">
-          <mc:Choice xmlns:p14="http://schemas.microsoft.com/office/powerpoint/2010/main" Requires="p14">
+        <mc:AlternateContent xmlns:mc="http://schemas.openxmlformats.org/markup-compatibility/2006" xmlns:p14="http://schemas.microsoft.com/office/powerpoint/2010/main">
+          <mc:Choice Requires="p14">
             <p:contentPart p14:bwMode="auto" r:id="rId151">
               <p14:nvContentPartPr>
                 <p14:cNvPr id="111" name="Ink 110">
@@ -24739,7 +24740,7 @@
               </p14:xfrm>
             </p:contentPart>
           </mc:Choice>
-          <mc:Fallback>
+          <mc:Fallback xmlns="">
             <p:pic>
               <p:nvPicPr>
                 <p:cNvPr id="111" name="Ink 110">
@@ -24770,8 +24771,8 @@
             </p:pic>
           </mc:Fallback>
         </mc:AlternateContent>
-        <mc:AlternateContent xmlns:mc="http://schemas.openxmlformats.org/markup-compatibility/2006">
-          <mc:Choice xmlns:p14="http://schemas.microsoft.com/office/powerpoint/2010/main" Requires="p14">
+        <mc:AlternateContent xmlns:mc="http://schemas.openxmlformats.org/markup-compatibility/2006" xmlns:p14="http://schemas.microsoft.com/office/powerpoint/2010/main">
+          <mc:Choice Requires="p14">
             <p:contentPart p14:bwMode="auto" r:id="rId153">
               <p14:nvContentPartPr>
                 <p14:cNvPr id="112" name="Ink 111">
@@ -24790,7 +24791,7 @@
               </p14:xfrm>
             </p:contentPart>
           </mc:Choice>
-          <mc:Fallback>
+          <mc:Fallback xmlns="">
             <p:pic>
               <p:nvPicPr>
                 <p:cNvPr id="112" name="Ink 111">
@@ -24842,8 +24843,8 @@
             <a:chExt cx="703440" cy="287280"/>
           </a:xfrm>
         </p:grpSpPr>
-        <mc:AlternateContent xmlns:mc="http://schemas.openxmlformats.org/markup-compatibility/2006">
-          <mc:Choice xmlns:p14="http://schemas.microsoft.com/office/powerpoint/2010/main" Requires="p14">
+        <mc:AlternateContent xmlns:mc="http://schemas.openxmlformats.org/markup-compatibility/2006" xmlns:p14="http://schemas.microsoft.com/office/powerpoint/2010/main">
+          <mc:Choice Requires="p14">
             <p:contentPart p14:bwMode="auto" r:id="rId155">
               <p14:nvContentPartPr>
                 <p14:cNvPr id="114" name="Ink 113">
@@ -24862,7 +24863,7 @@
               </p14:xfrm>
             </p:contentPart>
           </mc:Choice>
-          <mc:Fallback>
+          <mc:Fallback xmlns="">
             <p:pic>
               <p:nvPicPr>
                 <p:cNvPr id="114" name="Ink 113">
@@ -24893,8 +24894,8 @@
             </p:pic>
           </mc:Fallback>
         </mc:AlternateContent>
-        <mc:AlternateContent xmlns:mc="http://schemas.openxmlformats.org/markup-compatibility/2006">
-          <mc:Choice xmlns:p14="http://schemas.microsoft.com/office/powerpoint/2010/main" Requires="p14">
+        <mc:AlternateContent xmlns:mc="http://schemas.openxmlformats.org/markup-compatibility/2006" xmlns:p14="http://schemas.microsoft.com/office/powerpoint/2010/main">
+          <mc:Choice Requires="p14">
             <p:contentPart p14:bwMode="auto" r:id="rId157">
               <p14:nvContentPartPr>
                 <p14:cNvPr id="115" name="Ink 114">
@@ -24913,7 +24914,7 @@
               </p14:xfrm>
             </p:contentPart>
           </mc:Choice>
-          <mc:Fallback>
+          <mc:Fallback xmlns="">
             <p:pic>
               <p:nvPicPr>
                 <p:cNvPr id="115" name="Ink 114">
@@ -24945,8 +24946,8 @@
           </mc:Fallback>
         </mc:AlternateContent>
       </p:grpSp>
-      <mc:AlternateContent xmlns:mc="http://schemas.openxmlformats.org/markup-compatibility/2006">
-        <mc:Choice xmlns:p14="http://schemas.microsoft.com/office/powerpoint/2010/main" Requires="p14">
+      <mc:AlternateContent xmlns:mc="http://schemas.openxmlformats.org/markup-compatibility/2006" xmlns:p14="http://schemas.microsoft.com/office/powerpoint/2010/main">
+        <mc:Choice Requires="p14">
           <p:contentPart p14:bwMode="auto" r:id="rId159">
             <p14:nvContentPartPr>
               <p14:cNvPr id="117" name="Ink 116">
@@ -24965,7 +24966,7 @@
             </p14:xfrm>
           </p:contentPart>
         </mc:Choice>
-        <mc:Fallback>
+        <mc:Fallback xmlns="">
           <p:pic>
             <p:nvPicPr>
               <p:cNvPr id="117" name="Ink 116">
@@ -24996,8 +24997,8 @@
           </p:pic>
         </mc:Fallback>
       </mc:AlternateContent>
-      <mc:AlternateContent xmlns:mc="http://schemas.openxmlformats.org/markup-compatibility/2006">
-        <mc:Choice xmlns:p14="http://schemas.microsoft.com/office/powerpoint/2010/main" Requires="p14">
+      <mc:AlternateContent xmlns:mc="http://schemas.openxmlformats.org/markup-compatibility/2006" xmlns:p14="http://schemas.microsoft.com/office/powerpoint/2010/main">
+        <mc:Choice Requires="p14">
           <p:contentPart p14:bwMode="auto" r:id="rId161">
             <p14:nvContentPartPr>
               <p14:cNvPr id="118" name="Ink 117">
@@ -25016,7 +25017,7 @@
             </p14:xfrm>
           </p:contentPart>
         </mc:Choice>
-        <mc:Fallback>
+        <mc:Fallback xmlns="">
           <p:pic>
             <p:nvPicPr>
               <p:cNvPr id="118" name="Ink 117">
@@ -25067,8 +25068,8 @@
             <a:chExt cx="453600" cy="1009440"/>
           </a:xfrm>
         </p:grpSpPr>
-        <mc:AlternateContent xmlns:mc="http://schemas.openxmlformats.org/markup-compatibility/2006">
-          <mc:Choice xmlns:p14="http://schemas.microsoft.com/office/powerpoint/2010/main" Requires="p14">
+        <mc:AlternateContent xmlns:mc="http://schemas.openxmlformats.org/markup-compatibility/2006" xmlns:p14="http://schemas.microsoft.com/office/powerpoint/2010/main">
+          <mc:Choice Requires="p14">
             <p:contentPart p14:bwMode="auto" r:id="rId163">
               <p14:nvContentPartPr>
                 <p14:cNvPr id="119" name="Ink 118">
@@ -25087,7 +25088,7 @@
               </p14:xfrm>
             </p:contentPart>
           </mc:Choice>
-          <mc:Fallback>
+          <mc:Fallback xmlns="">
             <p:pic>
               <p:nvPicPr>
                 <p:cNvPr id="119" name="Ink 118">
@@ -25118,8 +25119,8 @@
             </p:pic>
           </mc:Fallback>
         </mc:AlternateContent>
-        <mc:AlternateContent xmlns:mc="http://schemas.openxmlformats.org/markup-compatibility/2006">
-          <mc:Choice xmlns:p14="http://schemas.microsoft.com/office/powerpoint/2010/main" Requires="p14">
+        <mc:AlternateContent xmlns:mc="http://schemas.openxmlformats.org/markup-compatibility/2006" xmlns:p14="http://schemas.microsoft.com/office/powerpoint/2010/main">
+          <mc:Choice Requires="p14">
             <p:contentPart p14:bwMode="auto" r:id="rId165">
               <p14:nvContentPartPr>
                 <p14:cNvPr id="120" name="Ink 119">
@@ -25138,7 +25139,7 @@
               </p14:xfrm>
             </p:contentPart>
           </mc:Choice>
-          <mc:Fallback>
+          <mc:Fallback xmlns="">
             <p:pic>
               <p:nvPicPr>
                 <p:cNvPr id="120" name="Ink 119">
@@ -25169,8 +25170,8 @@
             </p:pic>
           </mc:Fallback>
         </mc:AlternateContent>
-        <mc:AlternateContent xmlns:mc="http://schemas.openxmlformats.org/markup-compatibility/2006">
-          <mc:Choice xmlns:p14="http://schemas.microsoft.com/office/powerpoint/2010/main" Requires="p14">
+        <mc:AlternateContent xmlns:mc="http://schemas.openxmlformats.org/markup-compatibility/2006" xmlns:p14="http://schemas.microsoft.com/office/powerpoint/2010/main">
+          <mc:Choice Requires="p14">
             <p:contentPart p14:bwMode="auto" r:id="rId167">
               <p14:nvContentPartPr>
                 <p14:cNvPr id="121" name="Ink 120">
@@ -25189,7 +25190,7 @@
               </p14:xfrm>
             </p:contentPart>
           </mc:Choice>
-          <mc:Fallback>
+          <mc:Fallback xmlns="">
             <p:pic>
               <p:nvPicPr>
                 <p:cNvPr id="121" name="Ink 120">
@@ -25220,8 +25221,8 @@
             </p:pic>
           </mc:Fallback>
         </mc:AlternateContent>
-        <mc:AlternateContent xmlns:mc="http://schemas.openxmlformats.org/markup-compatibility/2006">
-          <mc:Choice xmlns:p14="http://schemas.microsoft.com/office/powerpoint/2010/main" Requires="p14">
+        <mc:AlternateContent xmlns:mc="http://schemas.openxmlformats.org/markup-compatibility/2006" xmlns:p14="http://schemas.microsoft.com/office/powerpoint/2010/main">
+          <mc:Choice Requires="p14">
             <p:contentPart p14:bwMode="auto" r:id="rId169">
               <p14:nvContentPartPr>
                 <p14:cNvPr id="122" name="Ink 121">
@@ -25240,7 +25241,7 @@
               </p14:xfrm>
             </p:contentPart>
           </mc:Choice>
-          <mc:Fallback>
+          <mc:Fallback xmlns="">
             <p:pic>
               <p:nvPicPr>
                 <p:cNvPr id="122" name="Ink 121">
@@ -25271,8 +25272,8 @@
             </p:pic>
           </mc:Fallback>
         </mc:AlternateContent>
-        <mc:AlternateContent xmlns:mc="http://schemas.openxmlformats.org/markup-compatibility/2006">
-          <mc:Choice xmlns:p14="http://schemas.microsoft.com/office/powerpoint/2010/main" Requires="p14">
+        <mc:AlternateContent xmlns:mc="http://schemas.openxmlformats.org/markup-compatibility/2006" xmlns:p14="http://schemas.microsoft.com/office/powerpoint/2010/main">
+          <mc:Choice Requires="p14">
             <p:contentPart p14:bwMode="auto" r:id="rId171">
               <p14:nvContentPartPr>
                 <p14:cNvPr id="123" name="Ink 122">
@@ -25291,7 +25292,7 @@
               </p14:xfrm>
             </p:contentPart>
           </mc:Choice>
-          <mc:Fallback>
+          <mc:Fallback xmlns="">
             <p:pic>
               <p:nvPicPr>
                 <p:cNvPr id="123" name="Ink 122">
@@ -25322,8 +25323,8 @@
             </p:pic>
           </mc:Fallback>
         </mc:AlternateContent>
-        <mc:AlternateContent xmlns:mc="http://schemas.openxmlformats.org/markup-compatibility/2006">
-          <mc:Choice xmlns:p14="http://schemas.microsoft.com/office/powerpoint/2010/main" Requires="p14">
+        <mc:AlternateContent xmlns:mc="http://schemas.openxmlformats.org/markup-compatibility/2006" xmlns:p14="http://schemas.microsoft.com/office/powerpoint/2010/main">
+          <mc:Choice Requires="p14">
             <p:contentPart p14:bwMode="auto" r:id="rId173">
               <p14:nvContentPartPr>
                 <p14:cNvPr id="124" name="Ink 123">
@@ -25342,7 +25343,7 @@
               </p14:xfrm>
             </p:contentPart>
           </mc:Choice>
-          <mc:Fallback>
+          <mc:Fallback xmlns="">
             <p:pic>
               <p:nvPicPr>
                 <p:cNvPr id="124" name="Ink 123">
@@ -25373,8 +25374,8 @@
             </p:pic>
           </mc:Fallback>
         </mc:AlternateContent>
-        <mc:AlternateContent xmlns:mc="http://schemas.openxmlformats.org/markup-compatibility/2006">
-          <mc:Choice xmlns:p14="http://schemas.microsoft.com/office/powerpoint/2010/main" Requires="p14">
+        <mc:AlternateContent xmlns:mc="http://schemas.openxmlformats.org/markup-compatibility/2006" xmlns:p14="http://schemas.microsoft.com/office/powerpoint/2010/main">
+          <mc:Choice Requires="p14">
             <p:contentPart p14:bwMode="auto" r:id="rId175">
               <p14:nvContentPartPr>
                 <p14:cNvPr id="125" name="Ink 124">
@@ -25393,7 +25394,7 @@
               </p14:xfrm>
             </p:contentPart>
           </mc:Choice>
-          <mc:Fallback>
+          <mc:Fallback xmlns="">
             <p:pic>
               <p:nvPicPr>
                 <p:cNvPr id="125" name="Ink 124">
@@ -25424,8 +25425,8 @@
             </p:pic>
           </mc:Fallback>
         </mc:AlternateContent>
-        <mc:AlternateContent xmlns:mc="http://schemas.openxmlformats.org/markup-compatibility/2006">
-          <mc:Choice xmlns:p14="http://schemas.microsoft.com/office/powerpoint/2010/main" Requires="p14">
+        <mc:AlternateContent xmlns:mc="http://schemas.openxmlformats.org/markup-compatibility/2006" xmlns:p14="http://schemas.microsoft.com/office/powerpoint/2010/main">
+          <mc:Choice Requires="p14">
             <p:contentPart p14:bwMode="auto" r:id="rId177">
               <p14:nvContentPartPr>
                 <p14:cNvPr id="126" name="Ink 125">
@@ -25444,7 +25445,7 @@
               </p14:xfrm>
             </p:contentPart>
           </mc:Choice>
-          <mc:Fallback>
+          <mc:Fallback xmlns="">
             <p:pic>
               <p:nvPicPr>
                 <p:cNvPr id="126" name="Ink 125">
@@ -25496,8 +25497,8 @@
             <a:chExt cx="173160" cy="235800"/>
           </a:xfrm>
         </p:grpSpPr>
-        <mc:AlternateContent xmlns:mc="http://schemas.openxmlformats.org/markup-compatibility/2006">
-          <mc:Choice xmlns:p14="http://schemas.microsoft.com/office/powerpoint/2010/main" Requires="p14">
+        <mc:AlternateContent xmlns:mc="http://schemas.openxmlformats.org/markup-compatibility/2006" xmlns:p14="http://schemas.microsoft.com/office/powerpoint/2010/main">
+          <mc:Choice Requires="p14">
             <p:contentPart p14:bwMode="auto" r:id="rId179">
               <p14:nvContentPartPr>
                 <p14:cNvPr id="128" name="Ink 127">
@@ -25516,7 +25517,7 @@
               </p14:xfrm>
             </p:contentPart>
           </mc:Choice>
-          <mc:Fallback>
+          <mc:Fallback xmlns="">
             <p:pic>
               <p:nvPicPr>
                 <p:cNvPr id="128" name="Ink 127">
@@ -25547,8 +25548,8 @@
             </p:pic>
           </mc:Fallback>
         </mc:AlternateContent>
-        <mc:AlternateContent xmlns:mc="http://schemas.openxmlformats.org/markup-compatibility/2006">
-          <mc:Choice xmlns:p14="http://schemas.microsoft.com/office/powerpoint/2010/main" Requires="p14">
+        <mc:AlternateContent xmlns:mc="http://schemas.openxmlformats.org/markup-compatibility/2006" xmlns:p14="http://schemas.microsoft.com/office/powerpoint/2010/main">
+          <mc:Choice Requires="p14">
             <p:contentPart p14:bwMode="auto" r:id="rId181">
               <p14:nvContentPartPr>
                 <p14:cNvPr id="129" name="Ink 128">
@@ -25567,7 +25568,7 @@
               </p14:xfrm>
             </p:contentPart>
           </mc:Choice>
-          <mc:Fallback>
+          <mc:Fallback xmlns="">
             <p:pic>
               <p:nvPicPr>
                 <p:cNvPr id="129" name="Ink 128">
@@ -25599,8 +25600,8 @@
           </mc:Fallback>
         </mc:AlternateContent>
       </p:grpSp>
-      <mc:AlternateContent xmlns:mc="http://schemas.openxmlformats.org/markup-compatibility/2006">
-        <mc:Choice xmlns:p14="http://schemas.microsoft.com/office/powerpoint/2010/main" Requires="p14">
+      <mc:AlternateContent xmlns:mc="http://schemas.openxmlformats.org/markup-compatibility/2006" xmlns:p14="http://schemas.microsoft.com/office/powerpoint/2010/main">
+        <mc:Choice Requires="p14">
           <p:contentPart p14:bwMode="auto" r:id="rId183">
             <p14:nvContentPartPr>
               <p14:cNvPr id="130" name="Ink 129">
@@ -25619,7 +25620,7 @@
             </p14:xfrm>
           </p:contentPart>
         </mc:Choice>
-        <mc:Fallback>
+        <mc:Fallback xmlns="">
           <p:pic>
             <p:nvPicPr>
               <p:cNvPr id="130" name="Ink 129">
@@ -25650,8 +25651,8 @@
           </p:pic>
         </mc:Fallback>
       </mc:AlternateContent>
-      <mc:AlternateContent xmlns:mc="http://schemas.openxmlformats.org/markup-compatibility/2006">
-        <mc:Choice xmlns:p14="http://schemas.microsoft.com/office/powerpoint/2010/main" Requires="p14">
+      <mc:AlternateContent xmlns:mc="http://schemas.openxmlformats.org/markup-compatibility/2006" xmlns:p14="http://schemas.microsoft.com/office/powerpoint/2010/main">
+        <mc:Choice Requires="p14">
           <p:contentPart p14:bwMode="auto" r:id="rId185">
             <p14:nvContentPartPr>
               <p14:cNvPr id="131" name="Ink 130">
@@ -25670,7 +25671,7 @@
             </p14:xfrm>
           </p:contentPart>
         </mc:Choice>
-        <mc:Fallback>
+        <mc:Fallback xmlns="">
           <p:pic>
             <p:nvPicPr>
               <p:cNvPr id="131" name="Ink 130">
@@ -25721,8 +25722,8 @@
             <a:chExt cx="1215360" cy="480960"/>
           </a:xfrm>
         </p:grpSpPr>
-        <mc:AlternateContent xmlns:mc="http://schemas.openxmlformats.org/markup-compatibility/2006">
-          <mc:Choice xmlns:p14="http://schemas.microsoft.com/office/powerpoint/2010/main" Requires="p14">
+        <mc:AlternateContent xmlns:mc="http://schemas.openxmlformats.org/markup-compatibility/2006" xmlns:p14="http://schemas.microsoft.com/office/powerpoint/2010/main">
+          <mc:Choice Requires="p14">
             <p:contentPart p14:bwMode="auto" r:id="rId187">
               <p14:nvContentPartPr>
                 <p14:cNvPr id="133" name="Ink 132">
@@ -25741,7 +25742,7 @@
               </p14:xfrm>
             </p:contentPart>
           </mc:Choice>
-          <mc:Fallback>
+          <mc:Fallback xmlns="">
             <p:pic>
               <p:nvPicPr>
                 <p:cNvPr id="133" name="Ink 132">
@@ -25772,8 +25773,8 @@
             </p:pic>
           </mc:Fallback>
         </mc:AlternateContent>
-        <mc:AlternateContent xmlns:mc="http://schemas.openxmlformats.org/markup-compatibility/2006">
-          <mc:Choice xmlns:p14="http://schemas.microsoft.com/office/powerpoint/2010/main" Requires="p14">
+        <mc:AlternateContent xmlns:mc="http://schemas.openxmlformats.org/markup-compatibility/2006" xmlns:p14="http://schemas.microsoft.com/office/powerpoint/2010/main">
+          <mc:Choice Requires="p14">
             <p:contentPart p14:bwMode="auto" r:id="rId189">
               <p14:nvContentPartPr>
                 <p14:cNvPr id="134" name="Ink 133">
@@ -25792,7 +25793,7 @@
               </p14:xfrm>
             </p:contentPart>
           </mc:Choice>
-          <mc:Fallback>
+          <mc:Fallback xmlns="">
             <p:pic>
               <p:nvPicPr>
                 <p:cNvPr id="134" name="Ink 133">
@@ -25823,8 +25824,8 @@
             </p:pic>
           </mc:Fallback>
         </mc:AlternateContent>
-        <mc:AlternateContent xmlns:mc="http://schemas.openxmlformats.org/markup-compatibility/2006">
-          <mc:Choice xmlns:p14="http://schemas.microsoft.com/office/powerpoint/2010/main" Requires="p14">
+        <mc:AlternateContent xmlns:mc="http://schemas.openxmlformats.org/markup-compatibility/2006" xmlns:p14="http://schemas.microsoft.com/office/powerpoint/2010/main">
+          <mc:Choice Requires="p14">
             <p:contentPart p14:bwMode="auto" r:id="rId191">
               <p14:nvContentPartPr>
                 <p14:cNvPr id="135" name="Ink 134">
@@ -25843,7 +25844,7 @@
               </p14:xfrm>
             </p:contentPart>
           </mc:Choice>
-          <mc:Fallback>
+          <mc:Fallback xmlns="">
             <p:pic>
               <p:nvPicPr>
                 <p:cNvPr id="135" name="Ink 134">
@@ -25874,8 +25875,8 @@
             </p:pic>
           </mc:Fallback>
         </mc:AlternateContent>
-        <mc:AlternateContent xmlns:mc="http://schemas.openxmlformats.org/markup-compatibility/2006">
-          <mc:Choice xmlns:p14="http://schemas.microsoft.com/office/powerpoint/2010/main" Requires="p14">
+        <mc:AlternateContent xmlns:mc="http://schemas.openxmlformats.org/markup-compatibility/2006" xmlns:p14="http://schemas.microsoft.com/office/powerpoint/2010/main">
+          <mc:Choice Requires="p14">
             <p:contentPart p14:bwMode="auto" r:id="rId193">
               <p14:nvContentPartPr>
                 <p14:cNvPr id="136" name="Ink 135">
@@ -25894,7 +25895,7 @@
               </p14:xfrm>
             </p:contentPart>
           </mc:Choice>
-          <mc:Fallback>
+          <mc:Fallback xmlns="">
             <p:pic>
               <p:nvPicPr>
                 <p:cNvPr id="136" name="Ink 135">
@@ -25925,8 +25926,8 @@
             </p:pic>
           </mc:Fallback>
         </mc:AlternateContent>
-        <mc:AlternateContent xmlns:mc="http://schemas.openxmlformats.org/markup-compatibility/2006">
-          <mc:Choice xmlns:p14="http://schemas.microsoft.com/office/powerpoint/2010/main" Requires="p14">
+        <mc:AlternateContent xmlns:mc="http://schemas.openxmlformats.org/markup-compatibility/2006" xmlns:p14="http://schemas.microsoft.com/office/powerpoint/2010/main">
+          <mc:Choice Requires="p14">
             <p:contentPart p14:bwMode="auto" r:id="rId195">
               <p14:nvContentPartPr>
                 <p14:cNvPr id="137" name="Ink 136">
@@ -25945,7 +25946,7 @@
               </p14:xfrm>
             </p:contentPart>
           </mc:Choice>
-          <mc:Fallback>
+          <mc:Fallback xmlns="">
             <p:pic>
               <p:nvPicPr>
                 <p:cNvPr id="137" name="Ink 136">
@@ -25997,8 +25998,8 @@
             <a:chExt cx="993960" cy="411840"/>
           </a:xfrm>
         </p:grpSpPr>
-        <mc:AlternateContent xmlns:mc="http://schemas.openxmlformats.org/markup-compatibility/2006">
-          <mc:Choice xmlns:p14="http://schemas.microsoft.com/office/powerpoint/2010/main" Requires="p14">
+        <mc:AlternateContent xmlns:mc="http://schemas.openxmlformats.org/markup-compatibility/2006" xmlns:p14="http://schemas.microsoft.com/office/powerpoint/2010/main">
+          <mc:Choice Requires="p14">
             <p:contentPart p14:bwMode="auto" r:id="rId197">
               <p14:nvContentPartPr>
                 <p14:cNvPr id="139" name="Ink 138">
@@ -26017,7 +26018,7 @@
               </p14:xfrm>
             </p:contentPart>
           </mc:Choice>
-          <mc:Fallback>
+          <mc:Fallback xmlns="">
             <p:pic>
               <p:nvPicPr>
                 <p:cNvPr id="139" name="Ink 138">
@@ -26048,8 +26049,8 @@
             </p:pic>
           </mc:Fallback>
         </mc:AlternateContent>
-        <mc:AlternateContent xmlns:mc="http://schemas.openxmlformats.org/markup-compatibility/2006">
-          <mc:Choice xmlns:p14="http://schemas.microsoft.com/office/powerpoint/2010/main" Requires="p14">
+        <mc:AlternateContent xmlns:mc="http://schemas.openxmlformats.org/markup-compatibility/2006" xmlns:p14="http://schemas.microsoft.com/office/powerpoint/2010/main">
+          <mc:Choice Requires="p14">
             <p:contentPart p14:bwMode="auto" r:id="rId199">
               <p14:nvContentPartPr>
                 <p14:cNvPr id="140" name="Ink 139">
@@ -26068,7 +26069,7 @@
               </p14:xfrm>
             </p:contentPart>
           </mc:Choice>
-          <mc:Fallback>
+          <mc:Fallback xmlns="">
             <p:pic>
               <p:nvPicPr>
                 <p:cNvPr id="140" name="Ink 139">
@@ -26099,8 +26100,8 @@
             </p:pic>
           </mc:Fallback>
         </mc:AlternateContent>
-        <mc:AlternateContent xmlns:mc="http://schemas.openxmlformats.org/markup-compatibility/2006">
-          <mc:Choice xmlns:p14="http://schemas.microsoft.com/office/powerpoint/2010/main" Requires="p14">
+        <mc:AlternateContent xmlns:mc="http://schemas.openxmlformats.org/markup-compatibility/2006" xmlns:p14="http://schemas.microsoft.com/office/powerpoint/2010/main">
+          <mc:Choice Requires="p14">
             <p:contentPart p14:bwMode="auto" r:id="rId201">
               <p14:nvContentPartPr>
                 <p14:cNvPr id="141" name="Ink 140">
@@ -26119,7 +26120,7 @@
               </p14:xfrm>
             </p:contentPart>
           </mc:Choice>
-          <mc:Fallback>
+          <mc:Fallback xmlns="">
             <p:pic>
               <p:nvPicPr>
                 <p:cNvPr id="141" name="Ink 140">
@@ -26150,8 +26151,8 @@
             </p:pic>
           </mc:Fallback>
         </mc:AlternateContent>
-        <mc:AlternateContent xmlns:mc="http://schemas.openxmlformats.org/markup-compatibility/2006">
-          <mc:Choice xmlns:p14="http://schemas.microsoft.com/office/powerpoint/2010/main" Requires="p14">
+        <mc:AlternateContent xmlns:mc="http://schemas.openxmlformats.org/markup-compatibility/2006" xmlns:p14="http://schemas.microsoft.com/office/powerpoint/2010/main">
+          <mc:Choice Requires="p14">
             <p:contentPart p14:bwMode="auto" r:id="rId203">
               <p14:nvContentPartPr>
                 <p14:cNvPr id="142" name="Ink 141">
@@ -26170,7 +26171,7 @@
               </p14:xfrm>
             </p:contentPart>
           </mc:Choice>
-          <mc:Fallback>
+          <mc:Fallback xmlns="">
             <p:pic>
               <p:nvPicPr>
                 <p:cNvPr id="142" name="Ink 141">
@@ -26201,8 +26202,8 @@
             </p:pic>
           </mc:Fallback>
         </mc:AlternateContent>
-        <mc:AlternateContent xmlns:mc="http://schemas.openxmlformats.org/markup-compatibility/2006">
-          <mc:Choice xmlns:p14="http://schemas.microsoft.com/office/powerpoint/2010/main" Requires="p14">
+        <mc:AlternateContent xmlns:mc="http://schemas.openxmlformats.org/markup-compatibility/2006" xmlns:p14="http://schemas.microsoft.com/office/powerpoint/2010/main">
+          <mc:Choice Requires="p14">
             <p:contentPart p14:bwMode="auto" r:id="rId205">
               <p14:nvContentPartPr>
                 <p14:cNvPr id="143" name="Ink 142">
@@ -26221,7 +26222,7 @@
               </p14:xfrm>
             </p:contentPart>
           </mc:Choice>
-          <mc:Fallback>
+          <mc:Fallback xmlns="">
             <p:pic>
               <p:nvPicPr>
                 <p:cNvPr id="143" name="Ink 142">
@@ -26252,8 +26253,8 @@
             </p:pic>
           </mc:Fallback>
         </mc:AlternateContent>
-        <mc:AlternateContent xmlns:mc="http://schemas.openxmlformats.org/markup-compatibility/2006">
-          <mc:Choice xmlns:p14="http://schemas.microsoft.com/office/powerpoint/2010/main" Requires="p14">
+        <mc:AlternateContent xmlns:mc="http://schemas.openxmlformats.org/markup-compatibility/2006" xmlns:p14="http://schemas.microsoft.com/office/powerpoint/2010/main">
+          <mc:Choice Requires="p14">
             <p:contentPart p14:bwMode="auto" r:id="rId207">
               <p14:nvContentPartPr>
                 <p14:cNvPr id="144" name="Ink 143">
@@ -26272,7 +26273,7 @@
               </p14:xfrm>
             </p:contentPart>
           </mc:Choice>
-          <mc:Fallback>
+          <mc:Fallback xmlns="">
             <p:pic>
               <p:nvPicPr>
                 <p:cNvPr id="144" name="Ink 143">
@@ -26303,8 +26304,8 @@
             </p:pic>
           </mc:Fallback>
         </mc:AlternateContent>
-        <mc:AlternateContent xmlns:mc="http://schemas.openxmlformats.org/markup-compatibility/2006">
-          <mc:Choice xmlns:p14="http://schemas.microsoft.com/office/powerpoint/2010/main" Requires="p14">
+        <mc:AlternateContent xmlns:mc="http://schemas.openxmlformats.org/markup-compatibility/2006" xmlns:p14="http://schemas.microsoft.com/office/powerpoint/2010/main">
+          <mc:Choice Requires="p14">
             <p:contentPart p14:bwMode="auto" r:id="rId209">
               <p14:nvContentPartPr>
                 <p14:cNvPr id="145" name="Ink 144">
@@ -26323,7 +26324,7 @@
               </p14:xfrm>
             </p:contentPart>
           </mc:Choice>
-          <mc:Fallback>
+          <mc:Fallback xmlns="">
             <p:pic>
               <p:nvPicPr>
                 <p:cNvPr id="145" name="Ink 144">
@@ -26375,8 +26376,8 @@
             <a:chExt cx="998640" cy="252000"/>
           </a:xfrm>
         </p:grpSpPr>
-        <mc:AlternateContent xmlns:mc="http://schemas.openxmlformats.org/markup-compatibility/2006">
-          <mc:Choice xmlns:p14="http://schemas.microsoft.com/office/powerpoint/2010/main" Requires="p14">
+        <mc:AlternateContent xmlns:mc="http://schemas.openxmlformats.org/markup-compatibility/2006" xmlns:p14="http://schemas.microsoft.com/office/powerpoint/2010/main">
+          <mc:Choice Requires="p14">
             <p:contentPart p14:bwMode="auto" r:id="rId211">
               <p14:nvContentPartPr>
                 <p14:cNvPr id="147" name="Ink 146">
@@ -26395,7 +26396,7 @@
               </p14:xfrm>
             </p:contentPart>
           </mc:Choice>
-          <mc:Fallback>
+          <mc:Fallback xmlns="">
             <p:pic>
               <p:nvPicPr>
                 <p:cNvPr id="147" name="Ink 146">
@@ -26426,8 +26427,8 @@
             </p:pic>
           </mc:Fallback>
         </mc:AlternateContent>
-        <mc:AlternateContent xmlns:mc="http://schemas.openxmlformats.org/markup-compatibility/2006">
-          <mc:Choice xmlns:p14="http://schemas.microsoft.com/office/powerpoint/2010/main" Requires="p14">
+        <mc:AlternateContent xmlns:mc="http://schemas.openxmlformats.org/markup-compatibility/2006" xmlns:p14="http://schemas.microsoft.com/office/powerpoint/2010/main">
+          <mc:Choice Requires="p14">
             <p:contentPart p14:bwMode="auto" r:id="rId213">
               <p14:nvContentPartPr>
                 <p14:cNvPr id="148" name="Ink 147">
@@ -26446,7 +26447,7 @@
               </p14:xfrm>
             </p:contentPart>
           </mc:Choice>
-          <mc:Fallback>
+          <mc:Fallback xmlns="">
             <p:pic>
               <p:nvPicPr>
                 <p:cNvPr id="148" name="Ink 147">
@@ -26477,8 +26478,8 @@
             </p:pic>
           </mc:Fallback>
         </mc:AlternateContent>
-        <mc:AlternateContent xmlns:mc="http://schemas.openxmlformats.org/markup-compatibility/2006">
-          <mc:Choice xmlns:p14="http://schemas.microsoft.com/office/powerpoint/2010/main" Requires="p14">
+        <mc:AlternateContent xmlns:mc="http://schemas.openxmlformats.org/markup-compatibility/2006" xmlns:p14="http://schemas.microsoft.com/office/powerpoint/2010/main">
+          <mc:Choice Requires="p14">
             <p:contentPart p14:bwMode="auto" r:id="rId215">
               <p14:nvContentPartPr>
                 <p14:cNvPr id="149" name="Ink 148">
@@ -26497,7 +26498,7 @@
               </p14:xfrm>
             </p:contentPart>
           </mc:Choice>
-          <mc:Fallback>
+          <mc:Fallback xmlns="">
             <p:pic>
               <p:nvPicPr>
                 <p:cNvPr id="149" name="Ink 148">
@@ -26528,8 +26529,8 @@
             </p:pic>
           </mc:Fallback>
         </mc:AlternateContent>
-        <mc:AlternateContent xmlns:mc="http://schemas.openxmlformats.org/markup-compatibility/2006">
-          <mc:Choice xmlns:p14="http://schemas.microsoft.com/office/powerpoint/2010/main" Requires="p14">
+        <mc:AlternateContent xmlns:mc="http://schemas.openxmlformats.org/markup-compatibility/2006" xmlns:p14="http://schemas.microsoft.com/office/powerpoint/2010/main">
+          <mc:Choice Requires="p14">
             <p:contentPart p14:bwMode="auto" r:id="rId217">
               <p14:nvContentPartPr>
                 <p14:cNvPr id="150" name="Ink 149">
@@ -26548,7 +26549,7 @@
               </p14:xfrm>
             </p:contentPart>
           </mc:Choice>
-          <mc:Fallback>
+          <mc:Fallback xmlns="">
             <p:pic>
               <p:nvPicPr>
                 <p:cNvPr id="150" name="Ink 149">
@@ -26579,8 +26580,8 @@
             </p:pic>
           </mc:Fallback>
         </mc:AlternateContent>
-        <mc:AlternateContent xmlns:mc="http://schemas.openxmlformats.org/markup-compatibility/2006">
-          <mc:Choice xmlns:p14="http://schemas.microsoft.com/office/powerpoint/2010/main" Requires="p14">
+        <mc:AlternateContent xmlns:mc="http://schemas.openxmlformats.org/markup-compatibility/2006" xmlns:p14="http://schemas.microsoft.com/office/powerpoint/2010/main">
+          <mc:Choice Requires="p14">
             <p:contentPart p14:bwMode="auto" r:id="rId219">
               <p14:nvContentPartPr>
                 <p14:cNvPr id="151" name="Ink 150">
@@ -26599,7 +26600,7 @@
               </p14:xfrm>
             </p:contentPart>
           </mc:Choice>
-          <mc:Fallback>
+          <mc:Fallback xmlns="">
             <p:pic>
               <p:nvPicPr>
                 <p:cNvPr id="151" name="Ink 150">
@@ -26651,8 +26652,8 @@
             <a:chExt cx="510120" cy="460800"/>
           </a:xfrm>
         </p:grpSpPr>
-        <mc:AlternateContent xmlns:mc="http://schemas.openxmlformats.org/markup-compatibility/2006">
-          <mc:Choice xmlns:p14="http://schemas.microsoft.com/office/powerpoint/2010/main" Requires="p14">
+        <mc:AlternateContent xmlns:mc="http://schemas.openxmlformats.org/markup-compatibility/2006" xmlns:p14="http://schemas.microsoft.com/office/powerpoint/2010/main">
+          <mc:Choice Requires="p14">
             <p:contentPart p14:bwMode="auto" r:id="rId221">
               <p14:nvContentPartPr>
                 <p14:cNvPr id="153" name="Ink 152">
@@ -26671,7 +26672,7 @@
               </p14:xfrm>
             </p:contentPart>
           </mc:Choice>
-          <mc:Fallback>
+          <mc:Fallback xmlns="">
             <p:pic>
               <p:nvPicPr>
                 <p:cNvPr id="153" name="Ink 152">
@@ -26702,8 +26703,8 @@
             </p:pic>
           </mc:Fallback>
         </mc:AlternateContent>
-        <mc:AlternateContent xmlns:mc="http://schemas.openxmlformats.org/markup-compatibility/2006">
-          <mc:Choice xmlns:p14="http://schemas.microsoft.com/office/powerpoint/2010/main" Requires="p14">
+        <mc:AlternateContent xmlns:mc="http://schemas.openxmlformats.org/markup-compatibility/2006" xmlns:p14="http://schemas.microsoft.com/office/powerpoint/2010/main">
+          <mc:Choice Requires="p14">
             <p:contentPart p14:bwMode="auto" r:id="rId223">
               <p14:nvContentPartPr>
                 <p14:cNvPr id="154" name="Ink 153">
@@ -26722,7 +26723,7 @@
               </p14:xfrm>
             </p:contentPart>
           </mc:Choice>
-          <mc:Fallback>
+          <mc:Fallback xmlns="">
             <p:pic>
               <p:nvPicPr>
                 <p:cNvPr id="154" name="Ink 153">
@@ -26753,8 +26754,8 @@
             </p:pic>
           </mc:Fallback>
         </mc:AlternateContent>
-        <mc:AlternateContent xmlns:mc="http://schemas.openxmlformats.org/markup-compatibility/2006">
-          <mc:Choice xmlns:p14="http://schemas.microsoft.com/office/powerpoint/2010/main" Requires="p14">
+        <mc:AlternateContent xmlns:mc="http://schemas.openxmlformats.org/markup-compatibility/2006" xmlns:p14="http://schemas.microsoft.com/office/powerpoint/2010/main">
+          <mc:Choice Requires="p14">
             <p:contentPart p14:bwMode="auto" r:id="rId225">
               <p14:nvContentPartPr>
                 <p14:cNvPr id="155" name="Ink 154">
@@ -26773,7 +26774,7 @@
               </p14:xfrm>
             </p:contentPart>
           </mc:Choice>
-          <mc:Fallback>
+          <mc:Fallback xmlns="">
             <p:pic>
               <p:nvPicPr>
                 <p:cNvPr id="155" name="Ink 154">
@@ -26804,8 +26805,8 @@
             </p:pic>
           </mc:Fallback>
         </mc:AlternateContent>
-        <mc:AlternateContent xmlns:mc="http://schemas.openxmlformats.org/markup-compatibility/2006">
-          <mc:Choice xmlns:p14="http://schemas.microsoft.com/office/powerpoint/2010/main" Requires="p14">
+        <mc:AlternateContent xmlns:mc="http://schemas.openxmlformats.org/markup-compatibility/2006" xmlns:p14="http://schemas.microsoft.com/office/powerpoint/2010/main">
+          <mc:Choice Requires="p14">
             <p:contentPart p14:bwMode="auto" r:id="rId227">
               <p14:nvContentPartPr>
                 <p14:cNvPr id="156" name="Ink 155">
@@ -26824,7 +26825,7 @@
               </p14:xfrm>
             </p:contentPart>
           </mc:Choice>
-          <mc:Fallback>
+          <mc:Fallback xmlns="">
             <p:pic>
               <p:nvPicPr>
                 <p:cNvPr id="156" name="Ink 155">
@@ -26855,8 +26856,8 @@
             </p:pic>
           </mc:Fallback>
         </mc:AlternateContent>
-        <mc:AlternateContent xmlns:mc="http://schemas.openxmlformats.org/markup-compatibility/2006">
-          <mc:Choice xmlns:p14="http://schemas.microsoft.com/office/powerpoint/2010/main" Requires="p14">
+        <mc:AlternateContent xmlns:mc="http://schemas.openxmlformats.org/markup-compatibility/2006" xmlns:p14="http://schemas.microsoft.com/office/powerpoint/2010/main">
+          <mc:Choice Requires="p14">
             <p:contentPart p14:bwMode="auto" r:id="rId229">
               <p14:nvContentPartPr>
                 <p14:cNvPr id="157" name="Ink 156">
@@ -26875,7 +26876,7 @@
               </p14:xfrm>
             </p:contentPart>
           </mc:Choice>
-          <mc:Fallback>
+          <mc:Fallback xmlns="">
             <p:pic>
               <p:nvPicPr>
                 <p:cNvPr id="157" name="Ink 156">
@@ -26906,8 +26907,8 @@
             </p:pic>
           </mc:Fallback>
         </mc:AlternateContent>
-        <mc:AlternateContent xmlns:mc="http://schemas.openxmlformats.org/markup-compatibility/2006">
-          <mc:Choice xmlns:p14="http://schemas.microsoft.com/office/powerpoint/2010/main" Requires="p14">
+        <mc:AlternateContent xmlns:mc="http://schemas.openxmlformats.org/markup-compatibility/2006" xmlns:p14="http://schemas.microsoft.com/office/powerpoint/2010/main">
+          <mc:Choice Requires="p14">
             <p:contentPart p14:bwMode="auto" r:id="rId231">
               <p14:nvContentPartPr>
                 <p14:cNvPr id="158" name="Ink 157">
@@ -26926,7 +26927,7 @@
               </p14:xfrm>
             </p:contentPart>
           </mc:Choice>
-          <mc:Fallback>
+          <mc:Fallback xmlns="">
             <p:pic>
               <p:nvPicPr>
                 <p:cNvPr id="158" name="Ink 157">
@@ -26972,6 +26973,207 @@
 </file>
 
 <file path=ppt/slides/slide5.xml><?xml version="1.0" encoding="utf-8"?>
+<p:sld xmlns:a="http://schemas.openxmlformats.org/drawingml/2006/main" xmlns:r="http://schemas.openxmlformats.org/officeDocument/2006/relationships" xmlns:p="http://schemas.openxmlformats.org/presentationml/2006/main">
+  <p:cSld>
+    <p:spTree>
+      <p:nvGrpSpPr>
+        <p:cNvPr id="1" name=""/>
+        <p:cNvGrpSpPr/>
+        <p:nvPr/>
+      </p:nvGrpSpPr>
+      <p:grpSpPr>
+        <a:xfrm>
+          <a:off x="0" y="0"/>
+          <a:ext cx="0" cy="0"/>
+          <a:chOff x="0" y="0"/>
+          <a:chExt cx="0" cy="0"/>
+        </a:xfrm>
+      </p:grpSpPr>
+      <p:sp>
+        <p:nvSpPr>
+          <p:cNvPr id="2" name="Title 1">
+            <a:extLst>
+              <a:ext uri="{FF2B5EF4-FFF2-40B4-BE49-F238E27FC236}">
+                <a16:creationId xmlns:a16="http://schemas.microsoft.com/office/drawing/2014/main" id="{CDA25022-BCF2-48A8-B1DD-247F7A2A44F6}"/>
+              </a:ext>
+            </a:extLst>
+          </p:cNvPr>
+          <p:cNvSpPr>
+            <a:spLocks noGrp="1"/>
+          </p:cNvSpPr>
+          <p:nvPr>
+            <p:ph type="title"/>
+          </p:nvPr>
+        </p:nvSpPr>
+        <p:spPr/>
+        <p:txBody>
+          <a:bodyPr/>
+          <a:lstStyle/>
+          <a:p>
+            <a:r>
+              <a:rPr lang="en-US" dirty="0"/>
+              <a:t>Complexity of heap sort</a:t>
+            </a:r>
+          </a:p>
+        </p:txBody>
+      </p:sp>
+      <mc:AlternateContent xmlns:mc="http://schemas.openxmlformats.org/markup-compatibility/2006">
+        <mc:Choice xmlns:a14="http://schemas.microsoft.com/office/drawing/2010/main" Requires="a14">
+          <p:sp>
+            <p:nvSpPr>
+              <p:cNvPr id="3" name="Content Placeholder 2">
+                <a:extLst>
+                  <a:ext uri="{FF2B5EF4-FFF2-40B4-BE49-F238E27FC236}">
+                    <a16:creationId xmlns:a16="http://schemas.microsoft.com/office/drawing/2014/main" id="{825D4AD9-86B2-4270-B80A-79A8C70D0502}"/>
+                  </a:ext>
+                </a:extLst>
+              </p:cNvPr>
+              <p:cNvSpPr>
+                <a:spLocks noGrp="1"/>
+              </p:cNvSpPr>
+              <p:nvPr>
+                <p:ph idx="1"/>
+              </p:nvPr>
+            </p:nvSpPr>
+            <p:spPr/>
+            <p:txBody>
+              <a:bodyPr/>
+              <a:lstStyle/>
+              <a:p>
+                <a:r>
+                  <a:rPr lang="en-US" dirty="0"/>
+                  <a:t>Each item costs log n.</a:t>
+                </a:r>
+              </a:p>
+              <a:p>
+                <a:r>
+                  <a:rPr lang="en-US" dirty="0"/>
+                  <a:t>For n items, total cost is </a:t>
+                </a:r>
+                <a14:m>
+                  <m:oMath xmlns:m="http://schemas.openxmlformats.org/officeDocument/2006/math">
+                    <m:r>
+                      <a:rPr lang="en-US" b="0" i="1" smtClean="0">
+                        <a:latin typeface="Cambria Math" panose="02040503050406030204" pitchFamily="18" charset="0"/>
+                      </a:rPr>
+                      <m:t>𝑂</m:t>
+                    </m:r>
+                    <m:r>
+                      <a:rPr lang="en-US" b="0" i="1" smtClean="0">
+                        <a:latin typeface="Cambria Math" panose="02040503050406030204" pitchFamily="18" charset="0"/>
+                      </a:rPr>
+                      <m:t>(</m:t>
+                    </m:r>
+                    <m:r>
+                      <a:rPr lang="en-US" b="0" i="1" smtClean="0">
+                        <a:latin typeface="Cambria Math" panose="02040503050406030204" pitchFamily="18" charset="0"/>
+                      </a:rPr>
+                      <m:t>𝑛</m:t>
+                    </m:r>
+                    <m:r>
+                      <a:rPr lang="en-US" b="0" i="1" smtClean="0">
+                        <a:latin typeface="Cambria Math" panose="02040503050406030204" pitchFamily="18" charset="0"/>
+                      </a:rPr>
+                      <m:t> </m:t>
+                    </m:r>
+                    <m:func>
+                      <m:funcPr>
+                        <m:ctrlPr>
+                          <a:rPr lang="en-US" b="0" i="1" smtClean="0">
+                            <a:latin typeface="Cambria Math" panose="02040503050406030204" pitchFamily="18" charset="0"/>
+                          </a:rPr>
+                        </m:ctrlPr>
+                      </m:funcPr>
+                      <m:fName>
+                        <m:r>
+                          <m:rPr>
+                            <m:sty m:val="p"/>
+                          </m:rPr>
+                          <a:rPr lang="en-US" b="0" i="0" smtClean="0">
+                            <a:latin typeface="Cambria Math" panose="02040503050406030204" pitchFamily="18" charset="0"/>
+                          </a:rPr>
+                          <m:t>log</m:t>
+                        </m:r>
+                      </m:fName>
+                      <m:e>
+                        <m:r>
+                          <a:rPr lang="en-US" b="0" i="1" smtClean="0">
+                            <a:latin typeface="Cambria Math" panose="02040503050406030204" pitchFamily="18" charset="0"/>
+                          </a:rPr>
+                          <m:t>𝑛</m:t>
+                        </m:r>
+                        <m:r>
+                          <a:rPr lang="en-US" b="0" i="1" smtClean="0">
+                            <a:latin typeface="Cambria Math" panose="02040503050406030204" pitchFamily="18" charset="0"/>
+                          </a:rPr>
+                          <m:t>)</m:t>
+                        </m:r>
+                      </m:e>
+                    </m:func>
+                  </m:oMath>
+                </a14:m>
+                <a:r>
+                  <a:rPr lang="en-US" dirty="0"/>
+                  <a:t>.</a:t>
+                </a:r>
+              </a:p>
+            </p:txBody>
+          </p:sp>
+        </mc:Choice>
+        <mc:Fallback>
+          <p:sp>
+            <p:nvSpPr>
+              <p:cNvPr id="3" name="Content Placeholder 2">
+                <a:extLst>
+                  <a:ext uri="{FF2B5EF4-FFF2-40B4-BE49-F238E27FC236}">
+                    <a16:creationId xmlns:a16="http://schemas.microsoft.com/office/drawing/2014/main" id="{825D4AD9-86B2-4270-B80A-79A8C70D0502}"/>
+                  </a:ext>
+                </a:extLst>
+              </p:cNvPr>
+              <p:cNvSpPr>
+                <a:spLocks noGrp="1" noRot="1" noChangeAspect="1" noMove="1" noResize="1" noEditPoints="1" noAdjustHandles="1" noChangeArrowheads="1" noChangeShapeType="1" noTextEdit="1"/>
+              </p:cNvSpPr>
+              <p:nvPr>
+                <p:ph idx="1"/>
+              </p:nvPr>
+            </p:nvSpPr>
+            <p:spPr>
+              <a:blipFill>
+                <a:blip r:embed="rId2"/>
+                <a:stretch>
+                  <a:fillRect l="-1043" t="-2241"/>
+                </a:stretch>
+              </a:blipFill>
+            </p:spPr>
+            <p:txBody>
+              <a:bodyPr/>
+              <a:lstStyle/>
+              <a:p>
+                <a:r>
+                  <a:rPr lang="en-US">
+                    <a:noFill/>
+                  </a:rPr>
+                  <a:t> </a:t>
+                </a:r>
+              </a:p>
+            </p:txBody>
+          </p:sp>
+        </mc:Fallback>
+      </mc:AlternateContent>
+    </p:spTree>
+    <p:extLst>
+      <p:ext uri="{BB962C8B-B14F-4D97-AF65-F5344CB8AC3E}">
+        <p14:creationId xmlns:p14="http://schemas.microsoft.com/office/powerpoint/2010/main" val="3038167750"/>
+      </p:ext>
+    </p:extLst>
+  </p:cSld>
+  <p:clrMapOvr>
+    <a:masterClrMapping/>
+  </p:clrMapOvr>
+</p:sld>
+</file>
+
+<file path=ppt/slides/slide6.xml><?xml version="1.0" encoding="utf-8"?>
 <p:sld xmlns:a="http://schemas.openxmlformats.org/drawingml/2006/main" xmlns:r="http://schemas.openxmlformats.org/officeDocument/2006/relationships" xmlns:p="http://schemas.openxmlformats.org/presentationml/2006/main">
   <p:cSld>
     <p:spTree>
@@ -27125,8 +27327,8 @@
             <a:chExt cx="765360" cy="538200"/>
           </a:xfrm>
         </p:grpSpPr>
-        <mc:AlternateContent xmlns:mc="http://schemas.openxmlformats.org/markup-compatibility/2006">
-          <mc:Choice xmlns:p14="http://schemas.microsoft.com/office/powerpoint/2010/main" Requires="p14">
+        <mc:AlternateContent xmlns:mc="http://schemas.openxmlformats.org/markup-compatibility/2006" xmlns:p14="http://schemas.microsoft.com/office/powerpoint/2010/main">
+          <mc:Choice Requires="p14">
             <p:contentPart p14:bwMode="auto" r:id="rId2">
               <p14:nvContentPartPr>
                 <p14:cNvPr id="4" name="Ink 3">
@@ -27145,7 +27347,7 @@
               </p14:xfrm>
             </p:contentPart>
           </mc:Choice>
-          <mc:Fallback>
+          <mc:Fallback xmlns="">
             <p:pic>
               <p:nvPicPr>
                 <p:cNvPr id="4" name="Ink 3">
@@ -27176,8 +27378,8 @@
             </p:pic>
           </mc:Fallback>
         </mc:AlternateContent>
-        <mc:AlternateContent xmlns:mc="http://schemas.openxmlformats.org/markup-compatibility/2006">
-          <mc:Choice xmlns:p14="http://schemas.microsoft.com/office/powerpoint/2010/main" Requires="p14">
+        <mc:AlternateContent xmlns:mc="http://schemas.openxmlformats.org/markup-compatibility/2006" xmlns:p14="http://schemas.microsoft.com/office/powerpoint/2010/main">
+          <mc:Choice Requires="p14">
             <p:contentPart p14:bwMode="auto" r:id="rId4">
               <p14:nvContentPartPr>
                 <p14:cNvPr id="5" name="Ink 4">
@@ -27196,7 +27398,7 @@
               </p14:xfrm>
             </p:contentPart>
           </mc:Choice>
-          <mc:Fallback>
+          <mc:Fallback xmlns="">
             <p:pic>
               <p:nvPicPr>
                 <p:cNvPr id="5" name="Ink 4">
@@ -27227,8 +27429,8 @@
             </p:pic>
           </mc:Fallback>
         </mc:AlternateContent>
-        <mc:AlternateContent xmlns:mc="http://schemas.openxmlformats.org/markup-compatibility/2006">
-          <mc:Choice xmlns:p14="http://schemas.microsoft.com/office/powerpoint/2010/main" Requires="p14">
+        <mc:AlternateContent xmlns:mc="http://schemas.openxmlformats.org/markup-compatibility/2006" xmlns:p14="http://schemas.microsoft.com/office/powerpoint/2010/main">
+          <mc:Choice Requires="p14">
             <p:contentPart p14:bwMode="auto" r:id="rId6">
               <p14:nvContentPartPr>
                 <p14:cNvPr id="6" name="Ink 5">
@@ -27247,7 +27449,7 @@
               </p14:xfrm>
             </p:contentPart>
           </mc:Choice>
-          <mc:Fallback>
+          <mc:Fallback xmlns="">
             <p:pic>
               <p:nvPicPr>
                 <p:cNvPr id="6" name="Ink 5">
@@ -27278,8 +27480,8 @@
             </p:pic>
           </mc:Fallback>
         </mc:AlternateContent>
-        <mc:AlternateContent xmlns:mc="http://schemas.openxmlformats.org/markup-compatibility/2006">
-          <mc:Choice xmlns:p14="http://schemas.microsoft.com/office/powerpoint/2010/main" Requires="p14">
+        <mc:AlternateContent xmlns:mc="http://schemas.openxmlformats.org/markup-compatibility/2006" xmlns:p14="http://schemas.microsoft.com/office/powerpoint/2010/main">
+          <mc:Choice Requires="p14">
             <p:contentPart p14:bwMode="auto" r:id="rId8">
               <p14:nvContentPartPr>
                 <p14:cNvPr id="7" name="Ink 6">
@@ -27298,7 +27500,7 @@
               </p14:xfrm>
             </p:contentPart>
           </mc:Choice>
-          <mc:Fallback>
+          <mc:Fallback xmlns="">
             <p:pic>
               <p:nvPicPr>
                 <p:cNvPr id="7" name="Ink 6">
@@ -27329,8 +27531,8 @@
             </p:pic>
           </mc:Fallback>
         </mc:AlternateContent>
-        <mc:AlternateContent xmlns:mc="http://schemas.openxmlformats.org/markup-compatibility/2006">
-          <mc:Choice xmlns:p14="http://schemas.microsoft.com/office/powerpoint/2010/main" Requires="p14">
+        <mc:AlternateContent xmlns:mc="http://schemas.openxmlformats.org/markup-compatibility/2006" xmlns:p14="http://schemas.microsoft.com/office/powerpoint/2010/main">
+          <mc:Choice Requires="p14">
             <p:contentPart p14:bwMode="auto" r:id="rId10">
               <p14:nvContentPartPr>
                 <p14:cNvPr id="8" name="Ink 7">
@@ -27349,7 +27551,7 @@
               </p14:xfrm>
             </p:contentPart>
           </mc:Choice>
-          <mc:Fallback>
+          <mc:Fallback xmlns="">
             <p:pic>
               <p:nvPicPr>
                 <p:cNvPr id="8" name="Ink 7">
@@ -27380,8 +27582,8 @@
             </p:pic>
           </mc:Fallback>
         </mc:AlternateContent>
-        <mc:AlternateContent xmlns:mc="http://schemas.openxmlformats.org/markup-compatibility/2006">
-          <mc:Choice xmlns:p14="http://schemas.microsoft.com/office/powerpoint/2010/main" Requires="p14">
+        <mc:AlternateContent xmlns:mc="http://schemas.openxmlformats.org/markup-compatibility/2006" xmlns:p14="http://schemas.microsoft.com/office/powerpoint/2010/main">
+          <mc:Choice Requires="p14">
             <p:contentPart p14:bwMode="auto" r:id="rId12">
               <p14:nvContentPartPr>
                 <p14:cNvPr id="9" name="Ink 8">
@@ -27400,7 +27602,7 @@
               </p14:xfrm>
             </p:contentPart>
           </mc:Choice>
-          <mc:Fallback>
+          <mc:Fallback xmlns="">
             <p:pic>
               <p:nvPicPr>
                 <p:cNvPr id="9" name="Ink 8">
@@ -27452,8 +27654,8 @@
             <a:chExt cx="1006920" cy="761760"/>
           </a:xfrm>
         </p:grpSpPr>
-        <mc:AlternateContent xmlns:mc="http://schemas.openxmlformats.org/markup-compatibility/2006">
-          <mc:Choice xmlns:p14="http://schemas.microsoft.com/office/powerpoint/2010/main" Requires="p14">
+        <mc:AlternateContent xmlns:mc="http://schemas.openxmlformats.org/markup-compatibility/2006" xmlns:p14="http://schemas.microsoft.com/office/powerpoint/2010/main">
+          <mc:Choice Requires="p14">
             <p:contentPart p14:bwMode="auto" r:id="rId14">
               <p14:nvContentPartPr>
                 <p14:cNvPr id="11" name="Ink 10">
@@ -27472,7 +27674,7 @@
               </p14:xfrm>
             </p:contentPart>
           </mc:Choice>
-          <mc:Fallback>
+          <mc:Fallback xmlns="">
             <p:pic>
               <p:nvPicPr>
                 <p:cNvPr id="11" name="Ink 10">
@@ -27503,8 +27705,8 @@
             </p:pic>
           </mc:Fallback>
         </mc:AlternateContent>
-        <mc:AlternateContent xmlns:mc="http://schemas.openxmlformats.org/markup-compatibility/2006">
-          <mc:Choice xmlns:p14="http://schemas.microsoft.com/office/powerpoint/2010/main" Requires="p14">
+        <mc:AlternateContent xmlns:mc="http://schemas.openxmlformats.org/markup-compatibility/2006" xmlns:p14="http://schemas.microsoft.com/office/powerpoint/2010/main">
+          <mc:Choice Requires="p14">
             <p:contentPart p14:bwMode="auto" r:id="rId16">
               <p14:nvContentPartPr>
                 <p14:cNvPr id="12" name="Ink 11">
@@ -27523,7 +27725,7 @@
               </p14:xfrm>
             </p:contentPart>
           </mc:Choice>
-          <mc:Fallback>
+          <mc:Fallback xmlns="">
             <p:pic>
               <p:nvPicPr>
                 <p:cNvPr id="12" name="Ink 11">
@@ -27554,8 +27756,8 @@
             </p:pic>
           </mc:Fallback>
         </mc:AlternateContent>
-        <mc:AlternateContent xmlns:mc="http://schemas.openxmlformats.org/markup-compatibility/2006">
-          <mc:Choice xmlns:p14="http://schemas.microsoft.com/office/powerpoint/2010/main" Requires="p14">
+        <mc:AlternateContent xmlns:mc="http://schemas.openxmlformats.org/markup-compatibility/2006" xmlns:p14="http://schemas.microsoft.com/office/powerpoint/2010/main">
+          <mc:Choice Requires="p14">
             <p:contentPart p14:bwMode="auto" r:id="rId18">
               <p14:nvContentPartPr>
                 <p14:cNvPr id="14" name="Ink 13">
@@ -27574,7 +27776,7 @@
               </p14:xfrm>
             </p:contentPart>
           </mc:Choice>
-          <mc:Fallback>
+          <mc:Fallback xmlns="">
             <p:pic>
               <p:nvPicPr>
                 <p:cNvPr id="14" name="Ink 13">
@@ -27605,8 +27807,8 @@
             </p:pic>
           </mc:Fallback>
         </mc:AlternateContent>
-        <mc:AlternateContent xmlns:mc="http://schemas.openxmlformats.org/markup-compatibility/2006">
-          <mc:Choice xmlns:p14="http://schemas.microsoft.com/office/powerpoint/2010/main" Requires="p14">
+        <mc:AlternateContent xmlns:mc="http://schemas.openxmlformats.org/markup-compatibility/2006" xmlns:p14="http://schemas.microsoft.com/office/powerpoint/2010/main">
+          <mc:Choice Requires="p14">
             <p:contentPart p14:bwMode="auto" r:id="rId20">
               <p14:nvContentPartPr>
                 <p14:cNvPr id="15" name="Ink 14">
@@ -27625,7 +27827,7 @@
               </p14:xfrm>
             </p:contentPart>
           </mc:Choice>
-          <mc:Fallback>
+          <mc:Fallback xmlns="">
             <p:pic>
               <p:nvPicPr>
                 <p:cNvPr id="15" name="Ink 14">
@@ -27656,8 +27858,8 @@
             </p:pic>
           </mc:Fallback>
         </mc:AlternateContent>
-        <mc:AlternateContent xmlns:mc="http://schemas.openxmlformats.org/markup-compatibility/2006">
-          <mc:Choice xmlns:p14="http://schemas.microsoft.com/office/powerpoint/2010/main" Requires="p14">
+        <mc:AlternateContent xmlns:mc="http://schemas.openxmlformats.org/markup-compatibility/2006" xmlns:p14="http://schemas.microsoft.com/office/powerpoint/2010/main">
+          <mc:Choice Requires="p14">
             <p:contentPart p14:bwMode="auto" r:id="rId22">
               <p14:nvContentPartPr>
                 <p14:cNvPr id="16" name="Ink 15">
@@ -27676,7 +27878,7 @@
               </p14:xfrm>
             </p:contentPart>
           </mc:Choice>
-          <mc:Fallback>
+          <mc:Fallback xmlns="">
             <p:pic>
               <p:nvPicPr>
                 <p:cNvPr id="16" name="Ink 15">
@@ -27707,8 +27909,8 @@
             </p:pic>
           </mc:Fallback>
         </mc:AlternateContent>
-        <mc:AlternateContent xmlns:mc="http://schemas.openxmlformats.org/markup-compatibility/2006">
-          <mc:Choice xmlns:p14="http://schemas.microsoft.com/office/powerpoint/2010/main" Requires="p14">
+        <mc:AlternateContent xmlns:mc="http://schemas.openxmlformats.org/markup-compatibility/2006" xmlns:p14="http://schemas.microsoft.com/office/powerpoint/2010/main">
+          <mc:Choice Requires="p14">
             <p:contentPart p14:bwMode="auto" r:id="rId24">
               <p14:nvContentPartPr>
                 <p14:cNvPr id="17" name="Ink 16">
@@ -27727,7 +27929,7 @@
               </p14:xfrm>
             </p:contentPart>
           </mc:Choice>
-          <mc:Fallback>
+          <mc:Fallback xmlns="">
             <p:pic>
               <p:nvPicPr>
                 <p:cNvPr id="17" name="Ink 16">
@@ -27779,8 +27981,8 @@
             <a:chExt cx="1075680" cy="570960"/>
           </a:xfrm>
         </p:grpSpPr>
-        <mc:AlternateContent xmlns:mc="http://schemas.openxmlformats.org/markup-compatibility/2006">
-          <mc:Choice xmlns:p14="http://schemas.microsoft.com/office/powerpoint/2010/main" Requires="p14">
+        <mc:AlternateContent xmlns:mc="http://schemas.openxmlformats.org/markup-compatibility/2006" xmlns:p14="http://schemas.microsoft.com/office/powerpoint/2010/main">
+          <mc:Choice Requires="p14">
             <p:contentPart p14:bwMode="auto" r:id="rId26">
               <p14:nvContentPartPr>
                 <p14:cNvPr id="22" name="Ink 21">
@@ -27799,7 +28001,7 @@
               </p14:xfrm>
             </p:contentPart>
           </mc:Choice>
-          <mc:Fallback>
+          <mc:Fallback xmlns="">
             <p:pic>
               <p:nvPicPr>
                 <p:cNvPr id="22" name="Ink 21">
@@ -27830,8 +28032,8 @@
             </p:pic>
           </mc:Fallback>
         </mc:AlternateContent>
-        <mc:AlternateContent xmlns:mc="http://schemas.openxmlformats.org/markup-compatibility/2006">
-          <mc:Choice xmlns:p14="http://schemas.microsoft.com/office/powerpoint/2010/main" Requires="p14">
+        <mc:AlternateContent xmlns:mc="http://schemas.openxmlformats.org/markup-compatibility/2006" xmlns:p14="http://schemas.microsoft.com/office/powerpoint/2010/main">
+          <mc:Choice Requires="p14">
             <p:contentPart p14:bwMode="auto" r:id="rId28">
               <p14:nvContentPartPr>
                 <p14:cNvPr id="23" name="Ink 22">
@@ -27850,7 +28052,7 @@
               </p14:xfrm>
             </p:contentPart>
           </mc:Choice>
-          <mc:Fallback>
+          <mc:Fallback xmlns="">
             <p:pic>
               <p:nvPicPr>
                 <p:cNvPr id="23" name="Ink 22">
@@ -27881,8 +28083,8 @@
             </p:pic>
           </mc:Fallback>
         </mc:AlternateContent>
-        <mc:AlternateContent xmlns:mc="http://schemas.openxmlformats.org/markup-compatibility/2006">
-          <mc:Choice xmlns:p14="http://schemas.microsoft.com/office/powerpoint/2010/main" Requires="p14">
+        <mc:AlternateContent xmlns:mc="http://schemas.openxmlformats.org/markup-compatibility/2006" xmlns:p14="http://schemas.microsoft.com/office/powerpoint/2010/main">
+          <mc:Choice Requires="p14">
             <p:contentPart p14:bwMode="auto" r:id="rId30">
               <p14:nvContentPartPr>
                 <p14:cNvPr id="25" name="Ink 24">
@@ -27901,7 +28103,7 @@
               </p14:xfrm>
             </p:contentPart>
           </mc:Choice>
-          <mc:Fallback>
+          <mc:Fallback xmlns="">
             <p:pic>
               <p:nvPicPr>
                 <p:cNvPr id="25" name="Ink 24">
@@ -27932,8 +28134,8 @@
             </p:pic>
           </mc:Fallback>
         </mc:AlternateContent>
-        <mc:AlternateContent xmlns:mc="http://schemas.openxmlformats.org/markup-compatibility/2006">
-          <mc:Choice xmlns:p14="http://schemas.microsoft.com/office/powerpoint/2010/main" Requires="p14">
+        <mc:AlternateContent xmlns:mc="http://schemas.openxmlformats.org/markup-compatibility/2006" xmlns:p14="http://schemas.microsoft.com/office/powerpoint/2010/main">
+          <mc:Choice Requires="p14">
             <p:contentPart p14:bwMode="auto" r:id="rId32">
               <p14:nvContentPartPr>
                 <p14:cNvPr id="26" name="Ink 25">
@@ -27952,7 +28154,7 @@
               </p14:xfrm>
             </p:contentPart>
           </mc:Choice>
-          <mc:Fallback>
+          <mc:Fallback xmlns="">
             <p:pic>
               <p:nvPicPr>
                 <p:cNvPr id="26" name="Ink 25">
@@ -28004,8 +28206,8 @@
             <a:chExt cx="1581840" cy="493920"/>
           </a:xfrm>
         </p:grpSpPr>
-        <mc:AlternateContent xmlns:mc="http://schemas.openxmlformats.org/markup-compatibility/2006">
-          <mc:Choice xmlns:p14="http://schemas.microsoft.com/office/powerpoint/2010/main" Requires="p14">
+        <mc:AlternateContent xmlns:mc="http://schemas.openxmlformats.org/markup-compatibility/2006" xmlns:p14="http://schemas.microsoft.com/office/powerpoint/2010/main">
+          <mc:Choice Requires="p14">
             <p:contentPart p14:bwMode="auto" r:id="rId34">
               <p14:nvContentPartPr>
                 <p14:cNvPr id="28" name="Ink 27">
@@ -28024,7 +28226,7 @@
               </p14:xfrm>
             </p:contentPart>
           </mc:Choice>
-          <mc:Fallback>
+          <mc:Fallback xmlns="">
             <p:pic>
               <p:nvPicPr>
                 <p:cNvPr id="28" name="Ink 27">
@@ -28055,8 +28257,8 @@
             </p:pic>
           </mc:Fallback>
         </mc:AlternateContent>
-        <mc:AlternateContent xmlns:mc="http://schemas.openxmlformats.org/markup-compatibility/2006">
-          <mc:Choice xmlns:p14="http://schemas.microsoft.com/office/powerpoint/2010/main" Requires="p14">
+        <mc:AlternateContent xmlns:mc="http://schemas.openxmlformats.org/markup-compatibility/2006" xmlns:p14="http://schemas.microsoft.com/office/powerpoint/2010/main">
+          <mc:Choice Requires="p14">
             <p:contentPart p14:bwMode="auto" r:id="rId36">
               <p14:nvContentPartPr>
                 <p14:cNvPr id="29" name="Ink 28">
@@ -28075,7 +28277,7 @@
               </p14:xfrm>
             </p:contentPart>
           </mc:Choice>
-          <mc:Fallback>
+          <mc:Fallback xmlns="">
             <p:pic>
               <p:nvPicPr>
                 <p:cNvPr id="29" name="Ink 28">
@@ -28106,8 +28308,8 @@
             </p:pic>
           </mc:Fallback>
         </mc:AlternateContent>
-        <mc:AlternateContent xmlns:mc="http://schemas.openxmlformats.org/markup-compatibility/2006">
-          <mc:Choice xmlns:p14="http://schemas.microsoft.com/office/powerpoint/2010/main" Requires="p14">
+        <mc:AlternateContent xmlns:mc="http://schemas.openxmlformats.org/markup-compatibility/2006" xmlns:p14="http://schemas.microsoft.com/office/powerpoint/2010/main">
+          <mc:Choice Requires="p14">
             <p:contentPart p14:bwMode="auto" r:id="rId38">
               <p14:nvContentPartPr>
                 <p14:cNvPr id="30" name="Ink 29">
@@ -28126,7 +28328,7 @@
               </p14:xfrm>
             </p:contentPart>
           </mc:Choice>
-          <mc:Fallback>
+          <mc:Fallback xmlns="">
             <p:pic>
               <p:nvPicPr>
                 <p:cNvPr id="30" name="Ink 29">
@@ -28157,8 +28359,8 @@
             </p:pic>
           </mc:Fallback>
         </mc:AlternateContent>
-        <mc:AlternateContent xmlns:mc="http://schemas.openxmlformats.org/markup-compatibility/2006">
-          <mc:Choice xmlns:p14="http://schemas.microsoft.com/office/powerpoint/2010/main" Requires="p14">
+        <mc:AlternateContent xmlns:mc="http://schemas.openxmlformats.org/markup-compatibility/2006" xmlns:p14="http://schemas.microsoft.com/office/powerpoint/2010/main">
+          <mc:Choice Requires="p14">
             <p:contentPart p14:bwMode="auto" r:id="rId40">
               <p14:nvContentPartPr>
                 <p14:cNvPr id="31" name="Ink 30">
@@ -28177,7 +28379,7 @@
               </p14:xfrm>
             </p:contentPart>
           </mc:Choice>
-          <mc:Fallback>
+          <mc:Fallback xmlns="">
             <p:pic>
               <p:nvPicPr>
                 <p:cNvPr id="31" name="Ink 30">
@@ -28208,8 +28410,8 @@
             </p:pic>
           </mc:Fallback>
         </mc:AlternateContent>
-        <mc:AlternateContent xmlns:mc="http://schemas.openxmlformats.org/markup-compatibility/2006">
-          <mc:Choice xmlns:p14="http://schemas.microsoft.com/office/powerpoint/2010/main" Requires="p14">
+        <mc:AlternateContent xmlns:mc="http://schemas.openxmlformats.org/markup-compatibility/2006" xmlns:p14="http://schemas.microsoft.com/office/powerpoint/2010/main">
+          <mc:Choice Requires="p14">
             <p:contentPart p14:bwMode="auto" r:id="rId42">
               <p14:nvContentPartPr>
                 <p14:cNvPr id="32" name="Ink 31">
@@ -28228,7 +28430,7 @@
               </p14:xfrm>
             </p:contentPart>
           </mc:Choice>
-          <mc:Fallback>
+          <mc:Fallback xmlns="">
             <p:pic>
               <p:nvPicPr>
                 <p:cNvPr id="32" name="Ink 31">
@@ -28259,8 +28461,8 @@
             </p:pic>
           </mc:Fallback>
         </mc:AlternateContent>
-        <mc:AlternateContent xmlns:mc="http://schemas.openxmlformats.org/markup-compatibility/2006">
-          <mc:Choice xmlns:p14="http://schemas.microsoft.com/office/powerpoint/2010/main" Requires="p14">
+        <mc:AlternateContent xmlns:mc="http://schemas.openxmlformats.org/markup-compatibility/2006" xmlns:p14="http://schemas.microsoft.com/office/powerpoint/2010/main">
+          <mc:Choice Requires="p14">
             <p:contentPart p14:bwMode="auto" r:id="rId44">
               <p14:nvContentPartPr>
                 <p14:cNvPr id="33" name="Ink 32">
@@ -28279,7 +28481,7 @@
               </p14:xfrm>
             </p:contentPart>
           </mc:Choice>
-          <mc:Fallback>
+          <mc:Fallback xmlns="">
             <p:pic>
               <p:nvPicPr>
                 <p:cNvPr id="33" name="Ink 32">
@@ -28310,8 +28512,8 @@
             </p:pic>
           </mc:Fallback>
         </mc:AlternateContent>
-        <mc:AlternateContent xmlns:mc="http://schemas.openxmlformats.org/markup-compatibility/2006">
-          <mc:Choice xmlns:p14="http://schemas.microsoft.com/office/powerpoint/2010/main" Requires="p14">
+        <mc:AlternateContent xmlns:mc="http://schemas.openxmlformats.org/markup-compatibility/2006" xmlns:p14="http://schemas.microsoft.com/office/powerpoint/2010/main">
+          <mc:Choice Requires="p14">
             <p:contentPart p14:bwMode="auto" r:id="rId46">
               <p14:nvContentPartPr>
                 <p14:cNvPr id="34" name="Ink 33">
@@ -28330,7 +28532,7 @@
               </p14:xfrm>
             </p:contentPart>
           </mc:Choice>
-          <mc:Fallback>
+          <mc:Fallback xmlns="">
             <p:pic>
               <p:nvPicPr>
                 <p:cNvPr id="34" name="Ink 33">
@@ -28361,8 +28563,8 @@
             </p:pic>
           </mc:Fallback>
         </mc:AlternateContent>
-        <mc:AlternateContent xmlns:mc="http://schemas.openxmlformats.org/markup-compatibility/2006">
-          <mc:Choice xmlns:p14="http://schemas.microsoft.com/office/powerpoint/2010/main" Requires="p14">
+        <mc:AlternateContent xmlns:mc="http://schemas.openxmlformats.org/markup-compatibility/2006" xmlns:p14="http://schemas.microsoft.com/office/powerpoint/2010/main">
+          <mc:Choice Requires="p14">
             <p:contentPart p14:bwMode="auto" r:id="rId48">
               <p14:nvContentPartPr>
                 <p14:cNvPr id="35" name="Ink 34">
@@ -28381,7 +28583,7 @@
               </p14:xfrm>
             </p:contentPart>
           </mc:Choice>
-          <mc:Fallback>
+          <mc:Fallback xmlns="">
             <p:pic>
               <p:nvPicPr>
                 <p:cNvPr id="35" name="Ink 34">
@@ -28412,8 +28614,8 @@
             </p:pic>
           </mc:Fallback>
         </mc:AlternateContent>
-        <mc:AlternateContent xmlns:mc="http://schemas.openxmlformats.org/markup-compatibility/2006">
-          <mc:Choice xmlns:p14="http://schemas.microsoft.com/office/powerpoint/2010/main" Requires="p14">
+        <mc:AlternateContent xmlns:mc="http://schemas.openxmlformats.org/markup-compatibility/2006" xmlns:p14="http://schemas.microsoft.com/office/powerpoint/2010/main">
+          <mc:Choice Requires="p14">
             <p:contentPart p14:bwMode="auto" r:id="rId50">
               <p14:nvContentPartPr>
                 <p14:cNvPr id="36" name="Ink 35">
@@ -28432,7 +28634,7 @@
               </p14:xfrm>
             </p:contentPart>
           </mc:Choice>
-          <mc:Fallback>
+          <mc:Fallback xmlns="">
             <p:pic>
               <p:nvPicPr>
                 <p:cNvPr id="36" name="Ink 35">
@@ -28484,8 +28686,8 @@
             <a:chExt cx="605160" cy="905760"/>
           </a:xfrm>
         </p:grpSpPr>
-        <mc:AlternateContent xmlns:mc="http://schemas.openxmlformats.org/markup-compatibility/2006">
-          <mc:Choice xmlns:p14="http://schemas.microsoft.com/office/powerpoint/2010/main" Requires="p14">
+        <mc:AlternateContent xmlns:mc="http://schemas.openxmlformats.org/markup-compatibility/2006" xmlns:p14="http://schemas.microsoft.com/office/powerpoint/2010/main">
+          <mc:Choice Requires="p14">
             <p:contentPart p14:bwMode="auto" r:id="rId52">
               <p14:nvContentPartPr>
                 <p14:cNvPr id="99" name="Ink 98">
@@ -28504,7 +28706,7 @@
               </p14:xfrm>
             </p:contentPart>
           </mc:Choice>
-          <mc:Fallback>
+          <mc:Fallback xmlns="">
             <p:pic>
               <p:nvPicPr>
                 <p:cNvPr id="99" name="Ink 98">
@@ -28535,8 +28737,8 @@
             </p:pic>
           </mc:Fallback>
         </mc:AlternateContent>
-        <mc:AlternateContent xmlns:mc="http://schemas.openxmlformats.org/markup-compatibility/2006">
-          <mc:Choice xmlns:p14="http://schemas.microsoft.com/office/powerpoint/2010/main" Requires="p14">
+        <mc:AlternateContent xmlns:mc="http://schemas.openxmlformats.org/markup-compatibility/2006" xmlns:p14="http://schemas.microsoft.com/office/powerpoint/2010/main">
+          <mc:Choice Requires="p14">
             <p:contentPart p14:bwMode="auto" r:id="rId54">
               <p14:nvContentPartPr>
                 <p14:cNvPr id="100" name="Ink 99">
@@ -28555,7 +28757,7 @@
               </p14:xfrm>
             </p:contentPart>
           </mc:Choice>
-          <mc:Fallback>
+          <mc:Fallback xmlns="">
             <p:pic>
               <p:nvPicPr>
                 <p:cNvPr id="100" name="Ink 99">
@@ -28586,8 +28788,8 @@
             </p:pic>
           </mc:Fallback>
         </mc:AlternateContent>
-        <mc:AlternateContent xmlns:mc="http://schemas.openxmlformats.org/markup-compatibility/2006">
-          <mc:Choice xmlns:p14="http://schemas.microsoft.com/office/powerpoint/2010/main" Requires="p14">
+        <mc:AlternateContent xmlns:mc="http://schemas.openxmlformats.org/markup-compatibility/2006" xmlns:p14="http://schemas.microsoft.com/office/powerpoint/2010/main">
+          <mc:Choice Requires="p14">
             <p:contentPart p14:bwMode="auto" r:id="rId56">
               <p14:nvContentPartPr>
                 <p14:cNvPr id="101" name="Ink 100">
@@ -28606,7 +28808,7 @@
               </p14:xfrm>
             </p:contentPart>
           </mc:Choice>
-          <mc:Fallback>
+          <mc:Fallback xmlns="">
             <p:pic>
               <p:nvPicPr>
                 <p:cNvPr id="101" name="Ink 100">
@@ -28637,8 +28839,8 @@
             </p:pic>
           </mc:Fallback>
         </mc:AlternateContent>
-        <mc:AlternateContent xmlns:mc="http://schemas.openxmlformats.org/markup-compatibility/2006">
-          <mc:Choice xmlns:p14="http://schemas.microsoft.com/office/powerpoint/2010/main" Requires="p14">
+        <mc:AlternateContent xmlns:mc="http://schemas.openxmlformats.org/markup-compatibility/2006" xmlns:p14="http://schemas.microsoft.com/office/powerpoint/2010/main">
+          <mc:Choice Requires="p14">
             <p:contentPart p14:bwMode="auto" r:id="rId58">
               <p14:nvContentPartPr>
                 <p14:cNvPr id="102" name="Ink 101">
@@ -28657,7 +28859,7 @@
               </p14:xfrm>
             </p:contentPart>
           </mc:Choice>
-          <mc:Fallback>
+          <mc:Fallback xmlns="">
             <p:pic>
               <p:nvPicPr>
                 <p:cNvPr id="102" name="Ink 101">
@@ -28688,8 +28890,8 @@
             </p:pic>
           </mc:Fallback>
         </mc:AlternateContent>
-        <mc:AlternateContent xmlns:mc="http://schemas.openxmlformats.org/markup-compatibility/2006">
-          <mc:Choice xmlns:p14="http://schemas.microsoft.com/office/powerpoint/2010/main" Requires="p14">
+        <mc:AlternateContent xmlns:mc="http://schemas.openxmlformats.org/markup-compatibility/2006" xmlns:p14="http://schemas.microsoft.com/office/powerpoint/2010/main">
+          <mc:Choice Requires="p14">
             <p:contentPart p14:bwMode="auto" r:id="rId60">
               <p14:nvContentPartPr>
                 <p14:cNvPr id="103" name="Ink 102">
@@ -28708,7 +28910,7 @@
               </p14:xfrm>
             </p:contentPart>
           </mc:Choice>
-          <mc:Fallback>
+          <mc:Fallback xmlns="">
             <p:pic>
               <p:nvPicPr>
                 <p:cNvPr id="103" name="Ink 102">
@@ -28739,8 +28941,8 @@
             </p:pic>
           </mc:Fallback>
         </mc:AlternateContent>
-        <mc:AlternateContent xmlns:mc="http://schemas.openxmlformats.org/markup-compatibility/2006">
-          <mc:Choice xmlns:p14="http://schemas.microsoft.com/office/powerpoint/2010/main" Requires="p14">
+        <mc:AlternateContent xmlns:mc="http://schemas.openxmlformats.org/markup-compatibility/2006" xmlns:p14="http://schemas.microsoft.com/office/powerpoint/2010/main">
+          <mc:Choice Requires="p14">
             <p:contentPart p14:bwMode="auto" r:id="rId62">
               <p14:nvContentPartPr>
                 <p14:cNvPr id="104" name="Ink 103">
@@ -28759,7 +28961,7 @@
               </p14:xfrm>
             </p:contentPart>
           </mc:Choice>
-          <mc:Fallback>
+          <mc:Fallback xmlns="">
             <p:pic>
               <p:nvPicPr>
                 <p:cNvPr id="104" name="Ink 103">
@@ -28790,8 +28992,8 @@
             </p:pic>
           </mc:Fallback>
         </mc:AlternateContent>
-        <mc:AlternateContent xmlns:mc="http://schemas.openxmlformats.org/markup-compatibility/2006">
-          <mc:Choice xmlns:p14="http://schemas.microsoft.com/office/powerpoint/2010/main" Requires="p14">
+        <mc:AlternateContent xmlns:mc="http://schemas.openxmlformats.org/markup-compatibility/2006" xmlns:p14="http://schemas.microsoft.com/office/powerpoint/2010/main">
+          <mc:Choice Requires="p14">
             <p:contentPart p14:bwMode="auto" r:id="rId64">
               <p14:nvContentPartPr>
                 <p14:cNvPr id="105" name="Ink 104">
@@ -28810,7 +29012,7 @@
               </p14:xfrm>
             </p:contentPart>
           </mc:Choice>
-          <mc:Fallback>
+          <mc:Fallback xmlns="">
             <p:pic>
               <p:nvPicPr>
                 <p:cNvPr id="105" name="Ink 104">
@@ -28862,8 +29064,8 @@
             <a:chExt cx="1382760" cy="521280"/>
           </a:xfrm>
         </p:grpSpPr>
-        <mc:AlternateContent xmlns:mc="http://schemas.openxmlformats.org/markup-compatibility/2006">
-          <mc:Choice xmlns:p14="http://schemas.microsoft.com/office/powerpoint/2010/main" Requires="p14">
+        <mc:AlternateContent xmlns:mc="http://schemas.openxmlformats.org/markup-compatibility/2006" xmlns:p14="http://schemas.microsoft.com/office/powerpoint/2010/main">
+          <mc:Choice Requires="p14">
             <p:contentPart p14:bwMode="auto" r:id="rId66">
               <p14:nvContentPartPr>
                 <p14:cNvPr id="107" name="Ink 106">
@@ -28882,7 +29084,7 @@
               </p14:xfrm>
             </p:contentPart>
           </mc:Choice>
-          <mc:Fallback>
+          <mc:Fallback xmlns="">
             <p:pic>
               <p:nvPicPr>
                 <p:cNvPr id="107" name="Ink 106">
@@ -28913,8 +29115,8 @@
             </p:pic>
           </mc:Fallback>
         </mc:AlternateContent>
-        <mc:AlternateContent xmlns:mc="http://schemas.openxmlformats.org/markup-compatibility/2006">
-          <mc:Choice xmlns:p14="http://schemas.microsoft.com/office/powerpoint/2010/main" Requires="p14">
+        <mc:AlternateContent xmlns:mc="http://schemas.openxmlformats.org/markup-compatibility/2006" xmlns:p14="http://schemas.microsoft.com/office/powerpoint/2010/main">
+          <mc:Choice Requires="p14">
             <p:contentPart p14:bwMode="auto" r:id="rId68">
               <p14:nvContentPartPr>
                 <p14:cNvPr id="108" name="Ink 107">
@@ -28933,7 +29135,7 @@
               </p14:xfrm>
             </p:contentPart>
           </mc:Choice>
-          <mc:Fallback>
+          <mc:Fallback xmlns="">
             <p:pic>
               <p:nvPicPr>
                 <p:cNvPr id="108" name="Ink 107">
@@ -28964,8 +29166,8 @@
             </p:pic>
           </mc:Fallback>
         </mc:AlternateContent>
-        <mc:AlternateContent xmlns:mc="http://schemas.openxmlformats.org/markup-compatibility/2006">
-          <mc:Choice xmlns:p14="http://schemas.microsoft.com/office/powerpoint/2010/main" Requires="p14">
+        <mc:AlternateContent xmlns:mc="http://schemas.openxmlformats.org/markup-compatibility/2006" xmlns:p14="http://schemas.microsoft.com/office/powerpoint/2010/main">
+          <mc:Choice Requires="p14">
             <p:contentPart p14:bwMode="auto" r:id="rId70">
               <p14:nvContentPartPr>
                 <p14:cNvPr id="109" name="Ink 108">
@@ -28984,7 +29186,7 @@
               </p14:xfrm>
             </p:contentPart>
           </mc:Choice>
-          <mc:Fallback>
+          <mc:Fallback xmlns="">
             <p:pic>
               <p:nvPicPr>
                 <p:cNvPr id="109" name="Ink 108">
@@ -29015,8 +29217,8 @@
             </p:pic>
           </mc:Fallback>
         </mc:AlternateContent>
-        <mc:AlternateContent xmlns:mc="http://schemas.openxmlformats.org/markup-compatibility/2006">
-          <mc:Choice xmlns:p14="http://schemas.microsoft.com/office/powerpoint/2010/main" Requires="p14">
+        <mc:AlternateContent xmlns:mc="http://schemas.openxmlformats.org/markup-compatibility/2006" xmlns:p14="http://schemas.microsoft.com/office/powerpoint/2010/main">
+          <mc:Choice Requires="p14">
             <p:contentPart p14:bwMode="auto" r:id="rId72">
               <p14:nvContentPartPr>
                 <p14:cNvPr id="110" name="Ink 109">
@@ -29035,7 +29237,7 @@
               </p14:xfrm>
             </p:contentPart>
           </mc:Choice>
-          <mc:Fallback>
+          <mc:Fallback xmlns="">
             <p:pic>
               <p:nvPicPr>
                 <p:cNvPr id="110" name="Ink 109">
@@ -29066,8 +29268,8 @@
             </p:pic>
           </mc:Fallback>
         </mc:AlternateContent>
-        <mc:AlternateContent xmlns:mc="http://schemas.openxmlformats.org/markup-compatibility/2006">
-          <mc:Choice xmlns:p14="http://schemas.microsoft.com/office/powerpoint/2010/main" Requires="p14">
+        <mc:AlternateContent xmlns:mc="http://schemas.openxmlformats.org/markup-compatibility/2006" xmlns:p14="http://schemas.microsoft.com/office/powerpoint/2010/main">
+          <mc:Choice Requires="p14">
             <p:contentPart p14:bwMode="auto" r:id="rId74">
               <p14:nvContentPartPr>
                 <p14:cNvPr id="111" name="Ink 110">
@@ -29086,7 +29288,7 @@
               </p14:xfrm>
             </p:contentPart>
           </mc:Choice>
-          <mc:Fallback>
+          <mc:Fallback xmlns="">
             <p:pic>
               <p:nvPicPr>
                 <p:cNvPr id="111" name="Ink 110">
@@ -29117,8 +29319,8 @@
             </p:pic>
           </mc:Fallback>
         </mc:AlternateContent>
-        <mc:AlternateContent xmlns:mc="http://schemas.openxmlformats.org/markup-compatibility/2006">
-          <mc:Choice xmlns:p14="http://schemas.microsoft.com/office/powerpoint/2010/main" Requires="p14">
+        <mc:AlternateContent xmlns:mc="http://schemas.openxmlformats.org/markup-compatibility/2006" xmlns:p14="http://schemas.microsoft.com/office/powerpoint/2010/main">
+          <mc:Choice Requires="p14">
             <p:contentPart p14:bwMode="auto" r:id="rId76">
               <p14:nvContentPartPr>
                 <p14:cNvPr id="112" name="Ink 111">
@@ -29137,7 +29339,7 @@
               </p14:xfrm>
             </p:contentPart>
           </mc:Choice>
-          <mc:Fallback>
+          <mc:Fallback xmlns="">
             <p:pic>
               <p:nvPicPr>
                 <p:cNvPr id="112" name="Ink 111">
@@ -29168,8 +29370,8 @@
             </p:pic>
           </mc:Fallback>
         </mc:AlternateContent>
-        <mc:AlternateContent xmlns:mc="http://schemas.openxmlformats.org/markup-compatibility/2006">
-          <mc:Choice xmlns:p14="http://schemas.microsoft.com/office/powerpoint/2010/main" Requires="p14">
+        <mc:AlternateContent xmlns:mc="http://schemas.openxmlformats.org/markup-compatibility/2006" xmlns:p14="http://schemas.microsoft.com/office/powerpoint/2010/main">
+          <mc:Choice Requires="p14">
             <p:contentPart p14:bwMode="auto" r:id="rId78">
               <p14:nvContentPartPr>
                 <p14:cNvPr id="113" name="Ink 112">
@@ -29188,7 +29390,7 @@
               </p14:xfrm>
             </p:contentPart>
           </mc:Choice>
-          <mc:Fallback>
+          <mc:Fallback xmlns="">
             <p:pic>
               <p:nvPicPr>
                 <p:cNvPr id="113" name="Ink 112">
@@ -29219,8 +29421,8 @@
             </p:pic>
           </mc:Fallback>
         </mc:AlternateContent>
-        <mc:AlternateContent xmlns:mc="http://schemas.openxmlformats.org/markup-compatibility/2006">
-          <mc:Choice xmlns:p14="http://schemas.microsoft.com/office/powerpoint/2010/main" Requires="p14">
+        <mc:AlternateContent xmlns:mc="http://schemas.openxmlformats.org/markup-compatibility/2006" xmlns:p14="http://schemas.microsoft.com/office/powerpoint/2010/main">
+          <mc:Choice Requires="p14">
             <p:contentPart p14:bwMode="auto" r:id="rId80">
               <p14:nvContentPartPr>
                 <p14:cNvPr id="114" name="Ink 113">
@@ -29239,7 +29441,7 @@
               </p14:xfrm>
             </p:contentPart>
           </mc:Choice>
-          <mc:Fallback>
+          <mc:Fallback xmlns="">
             <p:pic>
               <p:nvPicPr>
                 <p:cNvPr id="114" name="Ink 113">
@@ -29270,8 +29472,8 @@
             </p:pic>
           </mc:Fallback>
         </mc:AlternateContent>
-        <mc:AlternateContent xmlns:mc="http://schemas.openxmlformats.org/markup-compatibility/2006">
-          <mc:Choice xmlns:p14="http://schemas.microsoft.com/office/powerpoint/2010/main" Requires="p14">
+        <mc:AlternateContent xmlns:mc="http://schemas.openxmlformats.org/markup-compatibility/2006" xmlns:p14="http://schemas.microsoft.com/office/powerpoint/2010/main">
+          <mc:Choice Requires="p14">
             <p:contentPart p14:bwMode="auto" r:id="rId82">
               <p14:nvContentPartPr>
                 <p14:cNvPr id="115" name="Ink 114">
@@ -29290,7 +29492,7 @@
               </p14:xfrm>
             </p:contentPart>
           </mc:Choice>
-          <mc:Fallback>
+          <mc:Fallback xmlns="">
             <p:pic>
               <p:nvPicPr>
                 <p:cNvPr id="115" name="Ink 114">
@@ -29342,8 +29544,8 @@
             <a:chExt cx="950760" cy="858960"/>
           </a:xfrm>
         </p:grpSpPr>
-        <mc:AlternateContent xmlns:mc="http://schemas.openxmlformats.org/markup-compatibility/2006">
-          <mc:Choice xmlns:p14="http://schemas.microsoft.com/office/powerpoint/2010/main" Requires="p14">
+        <mc:AlternateContent xmlns:mc="http://schemas.openxmlformats.org/markup-compatibility/2006" xmlns:p14="http://schemas.microsoft.com/office/powerpoint/2010/main">
+          <mc:Choice Requires="p14">
             <p:contentPart p14:bwMode="auto" r:id="rId84">
               <p14:nvContentPartPr>
                 <p14:cNvPr id="117" name="Ink 116">
@@ -29362,7 +29564,7 @@
               </p14:xfrm>
             </p:contentPart>
           </mc:Choice>
-          <mc:Fallback>
+          <mc:Fallback xmlns="">
             <p:pic>
               <p:nvPicPr>
                 <p:cNvPr id="117" name="Ink 116">
@@ -29393,8 +29595,8 @@
             </p:pic>
           </mc:Fallback>
         </mc:AlternateContent>
-        <mc:AlternateContent xmlns:mc="http://schemas.openxmlformats.org/markup-compatibility/2006">
-          <mc:Choice xmlns:p14="http://schemas.microsoft.com/office/powerpoint/2010/main" Requires="p14">
+        <mc:AlternateContent xmlns:mc="http://schemas.openxmlformats.org/markup-compatibility/2006" xmlns:p14="http://schemas.microsoft.com/office/powerpoint/2010/main">
+          <mc:Choice Requires="p14">
             <p:contentPart p14:bwMode="auto" r:id="rId86">
               <p14:nvContentPartPr>
                 <p14:cNvPr id="118" name="Ink 117">
@@ -29413,7 +29615,7 @@
               </p14:xfrm>
             </p:contentPart>
           </mc:Choice>
-          <mc:Fallback>
+          <mc:Fallback xmlns="">
             <p:pic>
               <p:nvPicPr>
                 <p:cNvPr id="118" name="Ink 117">
@@ -29444,8 +29646,8 @@
             </p:pic>
           </mc:Fallback>
         </mc:AlternateContent>
-        <mc:AlternateContent xmlns:mc="http://schemas.openxmlformats.org/markup-compatibility/2006">
-          <mc:Choice xmlns:p14="http://schemas.microsoft.com/office/powerpoint/2010/main" Requires="p14">
+        <mc:AlternateContent xmlns:mc="http://schemas.openxmlformats.org/markup-compatibility/2006" xmlns:p14="http://schemas.microsoft.com/office/powerpoint/2010/main">
+          <mc:Choice Requires="p14">
             <p:contentPart p14:bwMode="auto" r:id="rId88">
               <p14:nvContentPartPr>
                 <p14:cNvPr id="119" name="Ink 118">
@@ -29464,7 +29666,7 @@
               </p14:xfrm>
             </p:contentPart>
           </mc:Choice>
-          <mc:Fallback>
+          <mc:Fallback xmlns="">
             <p:pic>
               <p:nvPicPr>
                 <p:cNvPr id="119" name="Ink 118">
@@ -29495,8 +29697,8 @@
             </p:pic>
           </mc:Fallback>
         </mc:AlternateContent>
-        <mc:AlternateContent xmlns:mc="http://schemas.openxmlformats.org/markup-compatibility/2006">
-          <mc:Choice xmlns:p14="http://schemas.microsoft.com/office/powerpoint/2010/main" Requires="p14">
+        <mc:AlternateContent xmlns:mc="http://schemas.openxmlformats.org/markup-compatibility/2006" xmlns:p14="http://schemas.microsoft.com/office/powerpoint/2010/main">
+          <mc:Choice Requires="p14">
             <p:contentPart p14:bwMode="auto" r:id="rId90">
               <p14:nvContentPartPr>
                 <p14:cNvPr id="120" name="Ink 119">
@@ -29515,7 +29717,7 @@
               </p14:xfrm>
             </p:contentPart>
           </mc:Choice>
-          <mc:Fallback>
+          <mc:Fallback xmlns="">
             <p:pic>
               <p:nvPicPr>
                 <p:cNvPr id="120" name="Ink 119">
@@ -29546,8 +29748,8 @@
             </p:pic>
           </mc:Fallback>
         </mc:AlternateContent>
-        <mc:AlternateContent xmlns:mc="http://schemas.openxmlformats.org/markup-compatibility/2006">
-          <mc:Choice xmlns:p14="http://schemas.microsoft.com/office/powerpoint/2010/main" Requires="p14">
+        <mc:AlternateContent xmlns:mc="http://schemas.openxmlformats.org/markup-compatibility/2006" xmlns:p14="http://schemas.microsoft.com/office/powerpoint/2010/main">
+          <mc:Choice Requires="p14">
             <p:contentPart p14:bwMode="auto" r:id="rId92">
               <p14:nvContentPartPr>
                 <p14:cNvPr id="121" name="Ink 120">
@@ -29566,7 +29768,7 @@
               </p14:xfrm>
             </p:contentPart>
           </mc:Choice>
-          <mc:Fallback>
+          <mc:Fallback xmlns="">
             <p:pic>
               <p:nvPicPr>
                 <p:cNvPr id="121" name="Ink 120">
@@ -29597,8 +29799,8 @@
             </p:pic>
           </mc:Fallback>
         </mc:AlternateContent>
-        <mc:AlternateContent xmlns:mc="http://schemas.openxmlformats.org/markup-compatibility/2006">
-          <mc:Choice xmlns:p14="http://schemas.microsoft.com/office/powerpoint/2010/main" Requires="p14">
+        <mc:AlternateContent xmlns:mc="http://schemas.openxmlformats.org/markup-compatibility/2006" xmlns:p14="http://schemas.microsoft.com/office/powerpoint/2010/main">
+          <mc:Choice Requires="p14">
             <p:contentPart p14:bwMode="auto" r:id="rId94">
               <p14:nvContentPartPr>
                 <p14:cNvPr id="122" name="Ink 121">
@@ -29617,7 +29819,7 @@
               </p14:xfrm>
             </p:contentPart>
           </mc:Choice>
-          <mc:Fallback>
+          <mc:Fallback xmlns="">
             <p:pic>
               <p:nvPicPr>
                 <p:cNvPr id="122" name="Ink 121">
@@ -29648,8 +29850,8 @@
             </p:pic>
           </mc:Fallback>
         </mc:AlternateContent>
-        <mc:AlternateContent xmlns:mc="http://schemas.openxmlformats.org/markup-compatibility/2006">
-          <mc:Choice xmlns:p14="http://schemas.microsoft.com/office/powerpoint/2010/main" Requires="p14">
+        <mc:AlternateContent xmlns:mc="http://schemas.openxmlformats.org/markup-compatibility/2006" xmlns:p14="http://schemas.microsoft.com/office/powerpoint/2010/main">
+          <mc:Choice Requires="p14">
             <p:contentPart p14:bwMode="auto" r:id="rId96">
               <p14:nvContentPartPr>
                 <p14:cNvPr id="123" name="Ink 122">
@@ -29668,7 +29870,7 @@
               </p14:xfrm>
             </p:contentPart>
           </mc:Choice>
-          <mc:Fallback>
+          <mc:Fallback xmlns="">
             <p:pic>
               <p:nvPicPr>
                 <p:cNvPr id="123" name="Ink 122">
@@ -29699,8 +29901,8 @@
             </p:pic>
           </mc:Fallback>
         </mc:AlternateContent>
-        <mc:AlternateContent xmlns:mc="http://schemas.openxmlformats.org/markup-compatibility/2006">
-          <mc:Choice xmlns:p14="http://schemas.microsoft.com/office/powerpoint/2010/main" Requires="p14">
+        <mc:AlternateContent xmlns:mc="http://schemas.openxmlformats.org/markup-compatibility/2006" xmlns:p14="http://schemas.microsoft.com/office/powerpoint/2010/main">
+          <mc:Choice Requires="p14">
             <p:contentPart p14:bwMode="auto" r:id="rId98">
               <p14:nvContentPartPr>
                 <p14:cNvPr id="124" name="Ink 123">
@@ -29719,7 +29921,7 @@
               </p14:xfrm>
             </p:contentPart>
           </mc:Choice>
-          <mc:Fallback>
+          <mc:Fallback xmlns="">
             <p:pic>
               <p:nvPicPr>
                 <p:cNvPr id="124" name="Ink 123">
@@ -29750,8 +29952,8 @@
             </p:pic>
           </mc:Fallback>
         </mc:AlternateContent>
-        <mc:AlternateContent xmlns:mc="http://schemas.openxmlformats.org/markup-compatibility/2006">
-          <mc:Choice xmlns:p14="http://schemas.microsoft.com/office/powerpoint/2010/main" Requires="p14">
+        <mc:AlternateContent xmlns:mc="http://schemas.openxmlformats.org/markup-compatibility/2006" xmlns:p14="http://schemas.microsoft.com/office/powerpoint/2010/main">
+          <mc:Choice Requires="p14">
             <p:contentPart p14:bwMode="auto" r:id="rId100">
               <p14:nvContentPartPr>
                 <p14:cNvPr id="125" name="Ink 124">
@@ -29770,7 +29972,7 @@
               </p14:xfrm>
             </p:contentPart>
           </mc:Choice>
-          <mc:Fallback>
+          <mc:Fallback xmlns="">
             <p:pic>
               <p:nvPicPr>
                 <p:cNvPr id="125" name="Ink 124">
@@ -29801,8 +30003,8 @@
             </p:pic>
           </mc:Fallback>
         </mc:AlternateContent>
-        <mc:AlternateContent xmlns:mc="http://schemas.openxmlformats.org/markup-compatibility/2006">
-          <mc:Choice xmlns:p14="http://schemas.microsoft.com/office/powerpoint/2010/main" Requires="p14">
+        <mc:AlternateContent xmlns:mc="http://schemas.openxmlformats.org/markup-compatibility/2006" xmlns:p14="http://schemas.microsoft.com/office/powerpoint/2010/main">
+          <mc:Choice Requires="p14">
             <p:contentPart p14:bwMode="auto" r:id="rId102">
               <p14:nvContentPartPr>
                 <p14:cNvPr id="126" name="Ink 125">
@@ -29821,7 +30023,7 @@
               </p14:xfrm>
             </p:contentPart>
           </mc:Choice>
-          <mc:Fallback>
+          <mc:Fallback xmlns="">
             <p:pic>
               <p:nvPicPr>
                 <p:cNvPr id="126" name="Ink 125">
@@ -29852,8 +30054,8 @@
             </p:pic>
           </mc:Fallback>
         </mc:AlternateContent>
-        <mc:AlternateContent xmlns:mc="http://schemas.openxmlformats.org/markup-compatibility/2006">
-          <mc:Choice xmlns:p14="http://schemas.microsoft.com/office/powerpoint/2010/main" Requires="p14">
+        <mc:AlternateContent xmlns:mc="http://schemas.openxmlformats.org/markup-compatibility/2006" xmlns:p14="http://schemas.microsoft.com/office/powerpoint/2010/main">
+          <mc:Choice Requires="p14">
             <p:contentPart p14:bwMode="auto" r:id="rId104">
               <p14:nvContentPartPr>
                 <p14:cNvPr id="127" name="Ink 126">
@@ -29872,7 +30074,7 @@
               </p14:xfrm>
             </p:contentPart>
           </mc:Choice>
-          <mc:Fallback>
+          <mc:Fallback xmlns="">
             <p:pic>
               <p:nvPicPr>
                 <p:cNvPr id="127" name="Ink 126">
@@ -29924,8 +30126,8 @@
             <a:chExt cx="1257120" cy="547200"/>
           </a:xfrm>
         </p:grpSpPr>
-        <mc:AlternateContent xmlns:mc="http://schemas.openxmlformats.org/markup-compatibility/2006">
-          <mc:Choice xmlns:p14="http://schemas.microsoft.com/office/powerpoint/2010/main" Requires="p14">
+        <mc:AlternateContent xmlns:mc="http://schemas.openxmlformats.org/markup-compatibility/2006" xmlns:p14="http://schemas.microsoft.com/office/powerpoint/2010/main">
+          <mc:Choice Requires="p14">
             <p:contentPart p14:bwMode="auto" r:id="rId106">
               <p14:nvContentPartPr>
                 <p14:cNvPr id="130" name="Ink 129">
@@ -29944,7 +30146,7 @@
               </p14:xfrm>
             </p:contentPart>
           </mc:Choice>
-          <mc:Fallback>
+          <mc:Fallback xmlns="">
             <p:pic>
               <p:nvPicPr>
                 <p:cNvPr id="130" name="Ink 129">
@@ -29975,8 +30177,8 @@
             </p:pic>
           </mc:Fallback>
         </mc:AlternateContent>
-        <mc:AlternateContent xmlns:mc="http://schemas.openxmlformats.org/markup-compatibility/2006">
-          <mc:Choice xmlns:p14="http://schemas.microsoft.com/office/powerpoint/2010/main" Requires="p14">
+        <mc:AlternateContent xmlns:mc="http://schemas.openxmlformats.org/markup-compatibility/2006" xmlns:p14="http://schemas.microsoft.com/office/powerpoint/2010/main">
+          <mc:Choice Requires="p14">
             <p:contentPart p14:bwMode="auto" r:id="rId108">
               <p14:nvContentPartPr>
                 <p14:cNvPr id="131" name="Ink 130">
@@ -29995,7 +30197,7 @@
               </p14:xfrm>
             </p:contentPart>
           </mc:Choice>
-          <mc:Fallback>
+          <mc:Fallback xmlns="">
             <p:pic>
               <p:nvPicPr>
                 <p:cNvPr id="131" name="Ink 130">
@@ -30026,8 +30228,8 @@
             </p:pic>
           </mc:Fallback>
         </mc:AlternateContent>
-        <mc:AlternateContent xmlns:mc="http://schemas.openxmlformats.org/markup-compatibility/2006">
-          <mc:Choice xmlns:p14="http://schemas.microsoft.com/office/powerpoint/2010/main" Requires="p14">
+        <mc:AlternateContent xmlns:mc="http://schemas.openxmlformats.org/markup-compatibility/2006" xmlns:p14="http://schemas.microsoft.com/office/powerpoint/2010/main">
+          <mc:Choice Requires="p14">
             <p:contentPart p14:bwMode="auto" r:id="rId110">
               <p14:nvContentPartPr>
                 <p14:cNvPr id="132" name="Ink 131">
@@ -30046,7 +30248,7 @@
               </p14:xfrm>
             </p:contentPart>
           </mc:Choice>
-          <mc:Fallback>
+          <mc:Fallback xmlns="">
             <p:pic>
               <p:nvPicPr>
                 <p:cNvPr id="132" name="Ink 131">
@@ -30077,8 +30279,8 @@
             </p:pic>
           </mc:Fallback>
         </mc:AlternateContent>
-        <mc:AlternateContent xmlns:mc="http://schemas.openxmlformats.org/markup-compatibility/2006">
-          <mc:Choice xmlns:p14="http://schemas.microsoft.com/office/powerpoint/2010/main" Requires="p14">
+        <mc:AlternateContent xmlns:mc="http://schemas.openxmlformats.org/markup-compatibility/2006" xmlns:p14="http://schemas.microsoft.com/office/powerpoint/2010/main">
+          <mc:Choice Requires="p14">
             <p:contentPart p14:bwMode="auto" r:id="rId112">
               <p14:nvContentPartPr>
                 <p14:cNvPr id="133" name="Ink 132">
@@ -30097,7 +30299,7 @@
               </p14:xfrm>
             </p:contentPart>
           </mc:Choice>
-          <mc:Fallback>
+          <mc:Fallback xmlns="">
             <p:pic>
               <p:nvPicPr>
                 <p:cNvPr id="133" name="Ink 132">
@@ -30128,8 +30330,8 @@
             </p:pic>
           </mc:Fallback>
         </mc:AlternateContent>
-        <mc:AlternateContent xmlns:mc="http://schemas.openxmlformats.org/markup-compatibility/2006">
-          <mc:Choice xmlns:p14="http://schemas.microsoft.com/office/powerpoint/2010/main" Requires="p14">
+        <mc:AlternateContent xmlns:mc="http://schemas.openxmlformats.org/markup-compatibility/2006" xmlns:p14="http://schemas.microsoft.com/office/powerpoint/2010/main">
+          <mc:Choice Requires="p14">
             <p:contentPart p14:bwMode="auto" r:id="rId114">
               <p14:nvContentPartPr>
                 <p14:cNvPr id="134" name="Ink 133">
@@ -30148,7 +30350,7 @@
               </p14:xfrm>
             </p:contentPart>
           </mc:Choice>
-          <mc:Fallback>
+          <mc:Fallback xmlns="">
             <p:pic>
               <p:nvPicPr>
                 <p:cNvPr id="134" name="Ink 133">
@@ -30179,8 +30381,8 @@
             </p:pic>
           </mc:Fallback>
         </mc:AlternateContent>
-        <mc:AlternateContent xmlns:mc="http://schemas.openxmlformats.org/markup-compatibility/2006">
-          <mc:Choice xmlns:p14="http://schemas.microsoft.com/office/powerpoint/2010/main" Requires="p14">
+        <mc:AlternateContent xmlns:mc="http://schemas.openxmlformats.org/markup-compatibility/2006" xmlns:p14="http://schemas.microsoft.com/office/powerpoint/2010/main">
+          <mc:Choice Requires="p14">
             <p:contentPart p14:bwMode="auto" r:id="rId116">
               <p14:nvContentPartPr>
                 <p14:cNvPr id="135" name="Ink 134">
@@ -30199,7 +30401,7 @@
               </p14:xfrm>
             </p:contentPart>
           </mc:Choice>
-          <mc:Fallback>
+          <mc:Fallback xmlns="">
             <p:pic>
               <p:nvPicPr>
                 <p:cNvPr id="135" name="Ink 134">
@@ -30230,8 +30432,8 @@
             </p:pic>
           </mc:Fallback>
         </mc:AlternateContent>
-        <mc:AlternateContent xmlns:mc="http://schemas.openxmlformats.org/markup-compatibility/2006">
-          <mc:Choice xmlns:p14="http://schemas.microsoft.com/office/powerpoint/2010/main" Requires="p14">
+        <mc:AlternateContent xmlns:mc="http://schemas.openxmlformats.org/markup-compatibility/2006" xmlns:p14="http://schemas.microsoft.com/office/powerpoint/2010/main">
+          <mc:Choice Requires="p14">
             <p:contentPart p14:bwMode="auto" r:id="rId118">
               <p14:nvContentPartPr>
                 <p14:cNvPr id="136" name="Ink 135">
@@ -30250,7 +30452,7 @@
               </p14:xfrm>
             </p:contentPart>
           </mc:Choice>
-          <mc:Fallback>
+          <mc:Fallback xmlns="">
             <p:pic>
               <p:nvPicPr>
                 <p:cNvPr id="136" name="Ink 135">
@@ -30281,8 +30483,8 @@
             </p:pic>
           </mc:Fallback>
         </mc:AlternateContent>
-        <mc:AlternateContent xmlns:mc="http://schemas.openxmlformats.org/markup-compatibility/2006">
-          <mc:Choice xmlns:p14="http://schemas.microsoft.com/office/powerpoint/2010/main" Requires="p14">
+        <mc:AlternateContent xmlns:mc="http://schemas.openxmlformats.org/markup-compatibility/2006" xmlns:p14="http://schemas.microsoft.com/office/powerpoint/2010/main">
+          <mc:Choice Requires="p14">
             <p:contentPart p14:bwMode="auto" r:id="rId120">
               <p14:nvContentPartPr>
                 <p14:cNvPr id="137" name="Ink 136">
@@ -30301,7 +30503,7 @@
               </p14:xfrm>
             </p:contentPart>
           </mc:Choice>
-          <mc:Fallback>
+          <mc:Fallback xmlns="">
             <p:pic>
               <p:nvPicPr>
                 <p:cNvPr id="137" name="Ink 136">
@@ -30353,8 +30555,8 @@
             <a:chExt cx="381240" cy="558360"/>
           </a:xfrm>
         </p:grpSpPr>
-        <mc:AlternateContent xmlns:mc="http://schemas.openxmlformats.org/markup-compatibility/2006">
-          <mc:Choice xmlns:p14="http://schemas.microsoft.com/office/powerpoint/2010/main" Requires="p14">
+        <mc:AlternateContent xmlns:mc="http://schemas.openxmlformats.org/markup-compatibility/2006" xmlns:p14="http://schemas.microsoft.com/office/powerpoint/2010/main">
+          <mc:Choice Requires="p14">
             <p:contentPart p14:bwMode="auto" r:id="rId122">
               <p14:nvContentPartPr>
                 <p14:cNvPr id="139" name="Ink 138">
@@ -30373,7 +30575,7 @@
               </p14:xfrm>
             </p:contentPart>
           </mc:Choice>
-          <mc:Fallback>
+          <mc:Fallback xmlns="">
             <p:pic>
               <p:nvPicPr>
                 <p:cNvPr id="139" name="Ink 138">
@@ -30404,8 +30606,8 @@
             </p:pic>
           </mc:Fallback>
         </mc:AlternateContent>
-        <mc:AlternateContent xmlns:mc="http://schemas.openxmlformats.org/markup-compatibility/2006">
-          <mc:Choice xmlns:p14="http://schemas.microsoft.com/office/powerpoint/2010/main" Requires="p14">
+        <mc:AlternateContent xmlns:mc="http://schemas.openxmlformats.org/markup-compatibility/2006" xmlns:p14="http://schemas.microsoft.com/office/powerpoint/2010/main">
+          <mc:Choice Requires="p14">
             <p:contentPart p14:bwMode="auto" r:id="rId124">
               <p14:nvContentPartPr>
                 <p14:cNvPr id="140" name="Ink 139">
@@ -30424,7 +30626,7 @@
               </p14:xfrm>
             </p:contentPart>
           </mc:Choice>
-          <mc:Fallback>
+          <mc:Fallback xmlns="">
             <p:pic>
               <p:nvPicPr>
                 <p:cNvPr id="140" name="Ink 139">
@@ -30455,8 +30657,8 @@
             </p:pic>
           </mc:Fallback>
         </mc:AlternateContent>
-        <mc:AlternateContent xmlns:mc="http://schemas.openxmlformats.org/markup-compatibility/2006">
-          <mc:Choice xmlns:p14="http://schemas.microsoft.com/office/powerpoint/2010/main" Requires="p14">
+        <mc:AlternateContent xmlns:mc="http://schemas.openxmlformats.org/markup-compatibility/2006" xmlns:p14="http://schemas.microsoft.com/office/powerpoint/2010/main">
+          <mc:Choice Requires="p14">
             <p:contentPart p14:bwMode="auto" r:id="rId126">
               <p14:nvContentPartPr>
                 <p14:cNvPr id="141" name="Ink 140">
@@ -30475,7 +30677,7 @@
               </p14:xfrm>
             </p:contentPart>
           </mc:Choice>
-          <mc:Fallback>
+          <mc:Fallback xmlns="">
             <p:pic>
               <p:nvPicPr>
                 <p:cNvPr id="141" name="Ink 140">
@@ -30506,8 +30708,8 @@
             </p:pic>
           </mc:Fallback>
         </mc:AlternateContent>
-        <mc:AlternateContent xmlns:mc="http://schemas.openxmlformats.org/markup-compatibility/2006">
-          <mc:Choice xmlns:p14="http://schemas.microsoft.com/office/powerpoint/2010/main" Requires="p14">
+        <mc:AlternateContent xmlns:mc="http://schemas.openxmlformats.org/markup-compatibility/2006" xmlns:p14="http://schemas.microsoft.com/office/powerpoint/2010/main">
+          <mc:Choice Requires="p14">
             <p:contentPart p14:bwMode="auto" r:id="rId128">
               <p14:nvContentPartPr>
                 <p14:cNvPr id="142" name="Ink 141">
@@ -30526,7 +30728,7 @@
               </p14:xfrm>
             </p:contentPart>
           </mc:Choice>
-          <mc:Fallback>
+          <mc:Fallback xmlns="">
             <p:pic>
               <p:nvPicPr>
                 <p:cNvPr id="142" name="Ink 141">
@@ -30578,8 +30780,8 @@
             <a:chExt cx="370800" cy="158760"/>
           </a:xfrm>
         </p:grpSpPr>
-        <mc:AlternateContent xmlns:mc="http://schemas.openxmlformats.org/markup-compatibility/2006">
-          <mc:Choice xmlns:p14="http://schemas.microsoft.com/office/powerpoint/2010/main" Requires="p14">
+        <mc:AlternateContent xmlns:mc="http://schemas.openxmlformats.org/markup-compatibility/2006" xmlns:p14="http://schemas.microsoft.com/office/powerpoint/2010/main">
+          <mc:Choice Requires="p14">
             <p:contentPart p14:bwMode="auto" r:id="rId130">
               <p14:nvContentPartPr>
                 <p14:cNvPr id="144" name="Ink 143">
@@ -30598,7 +30800,7 @@
               </p14:xfrm>
             </p:contentPart>
           </mc:Choice>
-          <mc:Fallback>
+          <mc:Fallback xmlns="">
             <p:pic>
               <p:nvPicPr>
                 <p:cNvPr id="144" name="Ink 143">
@@ -30629,8 +30831,8 @@
             </p:pic>
           </mc:Fallback>
         </mc:AlternateContent>
-        <mc:AlternateContent xmlns:mc="http://schemas.openxmlformats.org/markup-compatibility/2006">
-          <mc:Choice xmlns:p14="http://schemas.microsoft.com/office/powerpoint/2010/main" Requires="p14">
+        <mc:AlternateContent xmlns:mc="http://schemas.openxmlformats.org/markup-compatibility/2006" xmlns:p14="http://schemas.microsoft.com/office/powerpoint/2010/main">
+          <mc:Choice Requires="p14">
             <p:contentPart p14:bwMode="auto" r:id="rId132">
               <p14:nvContentPartPr>
                 <p14:cNvPr id="145" name="Ink 144">
@@ -30649,7 +30851,7 @@
               </p14:xfrm>
             </p:contentPart>
           </mc:Choice>
-          <mc:Fallback>
+          <mc:Fallback xmlns="">
             <p:pic>
               <p:nvPicPr>
                 <p:cNvPr id="145" name="Ink 144">
@@ -30680,8 +30882,8 @@
             </p:pic>
           </mc:Fallback>
         </mc:AlternateContent>
-        <mc:AlternateContent xmlns:mc="http://schemas.openxmlformats.org/markup-compatibility/2006">
-          <mc:Choice xmlns:p14="http://schemas.microsoft.com/office/powerpoint/2010/main" Requires="p14">
+        <mc:AlternateContent xmlns:mc="http://schemas.openxmlformats.org/markup-compatibility/2006" xmlns:p14="http://schemas.microsoft.com/office/powerpoint/2010/main">
+          <mc:Choice Requires="p14">
             <p:contentPart p14:bwMode="auto" r:id="rId134">
               <p14:nvContentPartPr>
                 <p14:cNvPr id="146" name="Ink 145">
@@ -30700,7 +30902,7 @@
               </p14:xfrm>
             </p:contentPart>
           </mc:Choice>
-          <mc:Fallback>
+          <mc:Fallback xmlns="">
             <p:pic>
               <p:nvPicPr>
                 <p:cNvPr id="146" name="Ink 145">
@@ -30752,8 +30954,8 @@
             <a:chExt cx="883800" cy="546840"/>
           </a:xfrm>
         </p:grpSpPr>
-        <mc:AlternateContent xmlns:mc="http://schemas.openxmlformats.org/markup-compatibility/2006">
-          <mc:Choice xmlns:p14="http://schemas.microsoft.com/office/powerpoint/2010/main" Requires="p14">
+        <mc:AlternateContent xmlns:mc="http://schemas.openxmlformats.org/markup-compatibility/2006" xmlns:p14="http://schemas.microsoft.com/office/powerpoint/2010/main">
+          <mc:Choice Requires="p14">
             <p:contentPart p14:bwMode="auto" r:id="rId136">
               <p14:nvContentPartPr>
                 <p14:cNvPr id="148" name="Ink 147">
@@ -30772,7 +30974,7 @@
               </p14:xfrm>
             </p:contentPart>
           </mc:Choice>
-          <mc:Fallback>
+          <mc:Fallback xmlns="">
             <p:pic>
               <p:nvPicPr>
                 <p:cNvPr id="148" name="Ink 147">
@@ -30803,8 +31005,8 @@
             </p:pic>
           </mc:Fallback>
         </mc:AlternateContent>
-        <mc:AlternateContent xmlns:mc="http://schemas.openxmlformats.org/markup-compatibility/2006">
-          <mc:Choice xmlns:p14="http://schemas.microsoft.com/office/powerpoint/2010/main" Requires="p14">
+        <mc:AlternateContent xmlns:mc="http://schemas.openxmlformats.org/markup-compatibility/2006" xmlns:p14="http://schemas.microsoft.com/office/powerpoint/2010/main">
+          <mc:Choice Requires="p14">
             <p:contentPart p14:bwMode="auto" r:id="rId138">
               <p14:nvContentPartPr>
                 <p14:cNvPr id="149" name="Ink 148">
@@ -30823,7 +31025,7 @@
               </p14:xfrm>
             </p:contentPart>
           </mc:Choice>
-          <mc:Fallback>
+          <mc:Fallback xmlns="">
             <p:pic>
               <p:nvPicPr>
                 <p:cNvPr id="149" name="Ink 148">
@@ -30854,8 +31056,8 @@
             </p:pic>
           </mc:Fallback>
         </mc:AlternateContent>
-        <mc:AlternateContent xmlns:mc="http://schemas.openxmlformats.org/markup-compatibility/2006">
-          <mc:Choice xmlns:p14="http://schemas.microsoft.com/office/powerpoint/2010/main" Requires="p14">
+        <mc:AlternateContent xmlns:mc="http://schemas.openxmlformats.org/markup-compatibility/2006" xmlns:p14="http://schemas.microsoft.com/office/powerpoint/2010/main">
+          <mc:Choice Requires="p14">
             <p:contentPart p14:bwMode="auto" r:id="rId140">
               <p14:nvContentPartPr>
                 <p14:cNvPr id="150" name="Ink 149">
@@ -30874,7 +31076,7 @@
               </p14:xfrm>
             </p:contentPart>
           </mc:Choice>
-          <mc:Fallback>
+          <mc:Fallback xmlns="">
             <p:pic>
               <p:nvPicPr>
                 <p:cNvPr id="150" name="Ink 149">
@@ -30905,8 +31107,8 @@
             </p:pic>
           </mc:Fallback>
         </mc:AlternateContent>
-        <mc:AlternateContent xmlns:mc="http://schemas.openxmlformats.org/markup-compatibility/2006">
-          <mc:Choice xmlns:p14="http://schemas.microsoft.com/office/powerpoint/2010/main" Requires="p14">
+        <mc:AlternateContent xmlns:mc="http://schemas.openxmlformats.org/markup-compatibility/2006" xmlns:p14="http://schemas.microsoft.com/office/powerpoint/2010/main">
+          <mc:Choice Requires="p14">
             <p:contentPart p14:bwMode="auto" r:id="rId142">
               <p14:nvContentPartPr>
                 <p14:cNvPr id="151" name="Ink 150">
@@ -30925,7 +31127,7 @@
               </p14:xfrm>
             </p:contentPart>
           </mc:Choice>
-          <mc:Fallback>
+          <mc:Fallback xmlns="">
             <p:pic>
               <p:nvPicPr>
                 <p:cNvPr id="151" name="Ink 150">
@@ -30956,8 +31158,8 @@
             </p:pic>
           </mc:Fallback>
         </mc:AlternateContent>
-        <mc:AlternateContent xmlns:mc="http://schemas.openxmlformats.org/markup-compatibility/2006">
-          <mc:Choice xmlns:p14="http://schemas.microsoft.com/office/powerpoint/2010/main" Requires="p14">
+        <mc:AlternateContent xmlns:mc="http://schemas.openxmlformats.org/markup-compatibility/2006" xmlns:p14="http://schemas.microsoft.com/office/powerpoint/2010/main">
+          <mc:Choice Requires="p14">
             <p:contentPart p14:bwMode="auto" r:id="rId144">
               <p14:nvContentPartPr>
                 <p14:cNvPr id="152" name="Ink 151">
@@ -30976,7 +31178,7 @@
               </p14:xfrm>
             </p:contentPart>
           </mc:Choice>
-          <mc:Fallback>
+          <mc:Fallback xmlns="">
             <p:pic>
               <p:nvPicPr>
                 <p:cNvPr id="152" name="Ink 151">
@@ -31007,8 +31209,8 @@
             </p:pic>
           </mc:Fallback>
         </mc:AlternateContent>
-        <mc:AlternateContent xmlns:mc="http://schemas.openxmlformats.org/markup-compatibility/2006">
-          <mc:Choice xmlns:p14="http://schemas.microsoft.com/office/powerpoint/2010/main" Requires="p14">
+        <mc:AlternateContent xmlns:mc="http://schemas.openxmlformats.org/markup-compatibility/2006" xmlns:p14="http://schemas.microsoft.com/office/powerpoint/2010/main">
+          <mc:Choice Requires="p14">
             <p:contentPart p14:bwMode="auto" r:id="rId146">
               <p14:nvContentPartPr>
                 <p14:cNvPr id="153" name="Ink 152">
@@ -31027,7 +31229,7 @@
               </p14:xfrm>
             </p:contentPart>
           </mc:Choice>
-          <mc:Fallback>
+          <mc:Fallback xmlns="">
             <p:pic>
               <p:nvPicPr>
                 <p:cNvPr id="153" name="Ink 152">
@@ -31058,8 +31260,8 @@
             </p:pic>
           </mc:Fallback>
         </mc:AlternateContent>
-        <mc:AlternateContent xmlns:mc="http://schemas.openxmlformats.org/markup-compatibility/2006">
-          <mc:Choice xmlns:p14="http://schemas.microsoft.com/office/powerpoint/2010/main" Requires="p14">
+        <mc:AlternateContent xmlns:mc="http://schemas.openxmlformats.org/markup-compatibility/2006" xmlns:p14="http://schemas.microsoft.com/office/powerpoint/2010/main">
+          <mc:Choice Requires="p14">
             <p:contentPart p14:bwMode="auto" r:id="rId148">
               <p14:nvContentPartPr>
                 <p14:cNvPr id="154" name="Ink 153">
@@ -31078,7 +31280,7 @@
               </p14:xfrm>
             </p:contentPart>
           </mc:Choice>
-          <mc:Fallback>
+          <mc:Fallback xmlns="">
             <p:pic>
               <p:nvPicPr>
                 <p:cNvPr id="154" name="Ink 153">
@@ -31109,8 +31311,8 @@
             </p:pic>
           </mc:Fallback>
         </mc:AlternateContent>
-        <mc:AlternateContent xmlns:mc="http://schemas.openxmlformats.org/markup-compatibility/2006">
-          <mc:Choice xmlns:p14="http://schemas.microsoft.com/office/powerpoint/2010/main" Requires="p14">
+        <mc:AlternateContent xmlns:mc="http://schemas.openxmlformats.org/markup-compatibility/2006" xmlns:p14="http://schemas.microsoft.com/office/powerpoint/2010/main">
+          <mc:Choice Requires="p14">
             <p:contentPart p14:bwMode="auto" r:id="rId150">
               <p14:nvContentPartPr>
                 <p14:cNvPr id="155" name="Ink 154">
@@ -31129,7 +31331,7 @@
               </p14:xfrm>
             </p:contentPart>
           </mc:Choice>
-          <mc:Fallback>
+          <mc:Fallback xmlns="">
             <p:pic>
               <p:nvPicPr>
                 <p:cNvPr id="155" name="Ink 154">
@@ -31181,8 +31383,8 @@
             <a:chExt cx="369360" cy="215640"/>
           </a:xfrm>
         </p:grpSpPr>
-        <mc:AlternateContent xmlns:mc="http://schemas.openxmlformats.org/markup-compatibility/2006">
-          <mc:Choice xmlns:p14="http://schemas.microsoft.com/office/powerpoint/2010/main" Requires="p14">
+        <mc:AlternateContent xmlns:mc="http://schemas.openxmlformats.org/markup-compatibility/2006" xmlns:p14="http://schemas.microsoft.com/office/powerpoint/2010/main">
+          <mc:Choice Requires="p14">
             <p:contentPart p14:bwMode="auto" r:id="rId152">
               <p14:nvContentPartPr>
                 <p14:cNvPr id="157" name="Ink 156">
@@ -31201,7 +31403,7 @@
               </p14:xfrm>
             </p:contentPart>
           </mc:Choice>
-          <mc:Fallback>
+          <mc:Fallback xmlns="">
             <p:pic>
               <p:nvPicPr>
                 <p:cNvPr id="157" name="Ink 156">
@@ -31232,8 +31434,8 @@
             </p:pic>
           </mc:Fallback>
         </mc:AlternateContent>
-        <mc:AlternateContent xmlns:mc="http://schemas.openxmlformats.org/markup-compatibility/2006">
-          <mc:Choice xmlns:p14="http://schemas.microsoft.com/office/powerpoint/2010/main" Requires="p14">
+        <mc:AlternateContent xmlns:mc="http://schemas.openxmlformats.org/markup-compatibility/2006" xmlns:p14="http://schemas.microsoft.com/office/powerpoint/2010/main">
+          <mc:Choice Requires="p14">
             <p:contentPart p14:bwMode="auto" r:id="rId154">
               <p14:nvContentPartPr>
                 <p14:cNvPr id="158" name="Ink 157">
@@ -31252,7 +31454,7 @@
               </p14:xfrm>
             </p:contentPart>
           </mc:Choice>
-          <mc:Fallback>
+          <mc:Fallback xmlns="">
             <p:pic>
               <p:nvPicPr>
                 <p:cNvPr id="158" name="Ink 157">
@@ -31283,8 +31485,8 @@
             </p:pic>
           </mc:Fallback>
         </mc:AlternateContent>
-        <mc:AlternateContent xmlns:mc="http://schemas.openxmlformats.org/markup-compatibility/2006">
-          <mc:Choice xmlns:p14="http://schemas.microsoft.com/office/powerpoint/2010/main" Requires="p14">
+        <mc:AlternateContent xmlns:mc="http://schemas.openxmlformats.org/markup-compatibility/2006" xmlns:p14="http://schemas.microsoft.com/office/powerpoint/2010/main">
+          <mc:Choice Requires="p14">
             <p:contentPart p14:bwMode="auto" r:id="rId156">
               <p14:nvContentPartPr>
                 <p14:cNvPr id="159" name="Ink 158">
@@ -31303,7 +31505,7 @@
               </p14:xfrm>
             </p:contentPart>
           </mc:Choice>
-          <mc:Fallback>
+          <mc:Fallback xmlns="">
             <p:pic>
               <p:nvPicPr>
                 <p:cNvPr id="159" name="Ink 158">
@@ -31355,8 +31557,8 @@
             <a:chExt cx="552960" cy="444960"/>
           </a:xfrm>
         </p:grpSpPr>
-        <mc:AlternateContent xmlns:mc="http://schemas.openxmlformats.org/markup-compatibility/2006">
-          <mc:Choice xmlns:p14="http://schemas.microsoft.com/office/powerpoint/2010/main" Requires="p14">
+        <mc:AlternateContent xmlns:mc="http://schemas.openxmlformats.org/markup-compatibility/2006" xmlns:p14="http://schemas.microsoft.com/office/powerpoint/2010/main">
+          <mc:Choice Requires="p14">
             <p:contentPart p14:bwMode="auto" r:id="rId158">
               <p14:nvContentPartPr>
                 <p14:cNvPr id="161" name="Ink 160">
@@ -31375,7 +31577,7 @@
               </p14:xfrm>
             </p:contentPart>
           </mc:Choice>
-          <mc:Fallback>
+          <mc:Fallback xmlns="">
             <p:pic>
               <p:nvPicPr>
                 <p:cNvPr id="161" name="Ink 160">
@@ -31406,8 +31608,8 @@
             </p:pic>
           </mc:Fallback>
         </mc:AlternateContent>
-        <mc:AlternateContent xmlns:mc="http://schemas.openxmlformats.org/markup-compatibility/2006">
-          <mc:Choice xmlns:p14="http://schemas.microsoft.com/office/powerpoint/2010/main" Requires="p14">
+        <mc:AlternateContent xmlns:mc="http://schemas.openxmlformats.org/markup-compatibility/2006" xmlns:p14="http://schemas.microsoft.com/office/powerpoint/2010/main">
+          <mc:Choice Requires="p14">
             <p:contentPart p14:bwMode="auto" r:id="rId160">
               <p14:nvContentPartPr>
                 <p14:cNvPr id="162" name="Ink 161">
@@ -31426,7 +31628,7 @@
               </p14:xfrm>
             </p:contentPart>
           </mc:Choice>
-          <mc:Fallback>
+          <mc:Fallback xmlns="">
             <p:pic>
               <p:nvPicPr>
                 <p:cNvPr id="162" name="Ink 161">
@@ -31457,8 +31659,8 @@
             </p:pic>
           </mc:Fallback>
         </mc:AlternateContent>
-        <mc:AlternateContent xmlns:mc="http://schemas.openxmlformats.org/markup-compatibility/2006">
-          <mc:Choice xmlns:p14="http://schemas.microsoft.com/office/powerpoint/2010/main" Requires="p14">
+        <mc:AlternateContent xmlns:mc="http://schemas.openxmlformats.org/markup-compatibility/2006" xmlns:p14="http://schemas.microsoft.com/office/powerpoint/2010/main">
+          <mc:Choice Requires="p14">
             <p:contentPart p14:bwMode="auto" r:id="rId162">
               <p14:nvContentPartPr>
                 <p14:cNvPr id="163" name="Ink 162">
@@ -31477,7 +31679,7 @@
               </p14:xfrm>
             </p:contentPart>
           </mc:Choice>
-          <mc:Fallback>
+          <mc:Fallback xmlns="">
             <p:pic>
               <p:nvPicPr>
                 <p:cNvPr id="163" name="Ink 162">
@@ -31508,8 +31710,8 @@
             </p:pic>
           </mc:Fallback>
         </mc:AlternateContent>
-        <mc:AlternateContent xmlns:mc="http://schemas.openxmlformats.org/markup-compatibility/2006">
-          <mc:Choice xmlns:p14="http://schemas.microsoft.com/office/powerpoint/2010/main" Requires="p14">
+        <mc:AlternateContent xmlns:mc="http://schemas.openxmlformats.org/markup-compatibility/2006" xmlns:p14="http://schemas.microsoft.com/office/powerpoint/2010/main">
+          <mc:Choice Requires="p14">
             <p:contentPart p14:bwMode="auto" r:id="rId164">
               <p14:nvContentPartPr>
                 <p14:cNvPr id="164" name="Ink 163">
@@ -31528,7 +31730,7 @@
               </p14:xfrm>
             </p:contentPart>
           </mc:Choice>
-          <mc:Fallback>
+          <mc:Fallback xmlns="">
             <p:pic>
               <p:nvPicPr>
                 <p:cNvPr id="164" name="Ink 163">
@@ -31559,8 +31761,8 @@
             </p:pic>
           </mc:Fallback>
         </mc:AlternateContent>
-        <mc:AlternateContent xmlns:mc="http://schemas.openxmlformats.org/markup-compatibility/2006">
-          <mc:Choice xmlns:p14="http://schemas.microsoft.com/office/powerpoint/2010/main" Requires="p14">
+        <mc:AlternateContent xmlns:mc="http://schemas.openxmlformats.org/markup-compatibility/2006" xmlns:p14="http://schemas.microsoft.com/office/powerpoint/2010/main">
+          <mc:Choice Requires="p14">
             <p:contentPart p14:bwMode="auto" r:id="rId166">
               <p14:nvContentPartPr>
                 <p14:cNvPr id="165" name="Ink 164">
@@ -31579,7 +31781,7 @@
               </p14:xfrm>
             </p:contentPart>
           </mc:Choice>
-          <mc:Fallback>
+          <mc:Fallback xmlns="">
             <p:pic>
               <p:nvPicPr>
                 <p:cNvPr id="165" name="Ink 164">
@@ -31610,8 +31812,8 @@
             </p:pic>
           </mc:Fallback>
         </mc:AlternateContent>
-        <mc:AlternateContent xmlns:mc="http://schemas.openxmlformats.org/markup-compatibility/2006">
-          <mc:Choice xmlns:p14="http://schemas.microsoft.com/office/powerpoint/2010/main" Requires="p14">
+        <mc:AlternateContent xmlns:mc="http://schemas.openxmlformats.org/markup-compatibility/2006" xmlns:p14="http://schemas.microsoft.com/office/powerpoint/2010/main">
+          <mc:Choice Requires="p14">
             <p:contentPart p14:bwMode="auto" r:id="rId168">
               <p14:nvContentPartPr>
                 <p14:cNvPr id="166" name="Ink 165">
@@ -31630,7 +31832,7 @@
               </p14:xfrm>
             </p:contentPart>
           </mc:Choice>
-          <mc:Fallback>
+          <mc:Fallback xmlns="">
             <p:pic>
               <p:nvPicPr>
                 <p:cNvPr id="166" name="Ink 165">
@@ -31661,8 +31863,8 @@
             </p:pic>
           </mc:Fallback>
         </mc:AlternateContent>
-        <mc:AlternateContent xmlns:mc="http://schemas.openxmlformats.org/markup-compatibility/2006">
-          <mc:Choice xmlns:p14="http://schemas.microsoft.com/office/powerpoint/2010/main" Requires="p14">
+        <mc:AlternateContent xmlns:mc="http://schemas.openxmlformats.org/markup-compatibility/2006" xmlns:p14="http://schemas.microsoft.com/office/powerpoint/2010/main">
+          <mc:Choice Requires="p14">
             <p:contentPart p14:bwMode="auto" r:id="rId170">
               <p14:nvContentPartPr>
                 <p14:cNvPr id="167" name="Ink 166">
@@ -31681,7 +31883,7 @@
               </p14:xfrm>
             </p:contentPart>
           </mc:Choice>
-          <mc:Fallback>
+          <mc:Fallback xmlns="">
             <p:pic>
               <p:nvPicPr>
                 <p:cNvPr id="167" name="Ink 166">
@@ -31712,8 +31914,8 @@
             </p:pic>
           </mc:Fallback>
         </mc:AlternateContent>
-        <mc:AlternateContent xmlns:mc="http://schemas.openxmlformats.org/markup-compatibility/2006">
-          <mc:Choice xmlns:p14="http://schemas.microsoft.com/office/powerpoint/2010/main" Requires="p14">
+        <mc:AlternateContent xmlns:mc="http://schemas.openxmlformats.org/markup-compatibility/2006" xmlns:p14="http://schemas.microsoft.com/office/powerpoint/2010/main">
+          <mc:Choice Requires="p14">
             <p:contentPart p14:bwMode="auto" r:id="rId172">
               <p14:nvContentPartPr>
                 <p14:cNvPr id="168" name="Ink 167">
@@ -31732,7 +31934,7 @@
               </p14:xfrm>
             </p:contentPart>
           </mc:Choice>
-          <mc:Fallback>
+          <mc:Fallback xmlns="">
             <p:pic>
               <p:nvPicPr>
                 <p:cNvPr id="168" name="Ink 167">
@@ -31784,8 +31986,8 @@
             <a:chExt cx="146520" cy="426240"/>
           </a:xfrm>
         </p:grpSpPr>
-        <mc:AlternateContent xmlns:mc="http://schemas.openxmlformats.org/markup-compatibility/2006">
-          <mc:Choice xmlns:p14="http://schemas.microsoft.com/office/powerpoint/2010/main" Requires="p14">
+        <mc:AlternateContent xmlns:mc="http://schemas.openxmlformats.org/markup-compatibility/2006" xmlns:p14="http://schemas.microsoft.com/office/powerpoint/2010/main">
+          <mc:Choice Requires="p14">
             <p:contentPart p14:bwMode="auto" r:id="rId174">
               <p14:nvContentPartPr>
                 <p14:cNvPr id="170" name="Ink 169">
@@ -31804,7 +32006,7 @@
               </p14:xfrm>
             </p:contentPart>
           </mc:Choice>
-          <mc:Fallback>
+          <mc:Fallback xmlns="">
             <p:pic>
               <p:nvPicPr>
                 <p:cNvPr id="170" name="Ink 169">
@@ -31835,8 +32037,8 @@
             </p:pic>
           </mc:Fallback>
         </mc:AlternateContent>
-        <mc:AlternateContent xmlns:mc="http://schemas.openxmlformats.org/markup-compatibility/2006">
-          <mc:Choice xmlns:p14="http://schemas.microsoft.com/office/powerpoint/2010/main" Requires="p14">
+        <mc:AlternateContent xmlns:mc="http://schemas.openxmlformats.org/markup-compatibility/2006" xmlns:p14="http://schemas.microsoft.com/office/powerpoint/2010/main">
+          <mc:Choice Requires="p14">
             <p:contentPart p14:bwMode="auto" r:id="rId176">
               <p14:nvContentPartPr>
                 <p14:cNvPr id="171" name="Ink 170">
@@ -31855,7 +32057,7 @@
               </p14:xfrm>
             </p:contentPart>
           </mc:Choice>
-          <mc:Fallback>
+          <mc:Fallback xmlns="">
             <p:pic>
               <p:nvPicPr>
                 <p:cNvPr id="171" name="Ink 170">
@@ -31907,8 +32109,8 @@
             <a:chExt cx="778680" cy="223920"/>
           </a:xfrm>
         </p:grpSpPr>
-        <mc:AlternateContent xmlns:mc="http://schemas.openxmlformats.org/markup-compatibility/2006">
-          <mc:Choice xmlns:p14="http://schemas.microsoft.com/office/powerpoint/2010/main" Requires="p14">
+        <mc:AlternateContent xmlns:mc="http://schemas.openxmlformats.org/markup-compatibility/2006" xmlns:p14="http://schemas.microsoft.com/office/powerpoint/2010/main">
+          <mc:Choice Requires="p14">
             <p:contentPart p14:bwMode="auto" r:id="rId178">
               <p14:nvContentPartPr>
                 <p14:cNvPr id="173" name="Ink 172">
@@ -31927,7 +32129,7 @@
               </p14:xfrm>
             </p:contentPart>
           </mc:Choice>
-          <mc:Fallback>
+          <mc:Fallback xmlns="">
             <p:pic>
               <p:nvPicPr>
                 <p:cNvPr id="173" name="Ink 172">
@@ -31958,8 +32160,8 @@
             </p:pic>
           </mc:Fallback>
         </mc:AlternateContent>
-        <mc:AlternateContent xmlns:mc="http://schemas.openxmlformats.org/markup-compatibility/2006">
-          <mc:Choice xmlns:p14="http://schemas.microsoft.com/office/powerpoint/2010/main" Requires="p14">
+        <mc:AlternateContent xmlns:mc="http://schemas.openxmlformats.org/markup-compatibility/2006" xmlns:p14="http://schemas.microsoft.com/office/powerpoint/2010/main">
+          <mc:Choice Requires="p14">
             <p:contentPart p14:bwMode="auto" r:id="rId180">
               <p14:nvContentPartPr>
                 <p14:cNvPr id="174" name="Ink 173">
@@ -31978,7 +32180,7 @@
               </p14:xfrm>
             </p:contentPart>
           </mc:Choice>
-          <mc:Fallback>
+          <mc:Fallback xmlns="">
             <p:pic>
               <p:nvPicPr>
                 <p:cNvPr id="174" name="Ink 173">
@@ -32009,8 +32211,8 @@
             </p:pic>
           </mc:Fallback>
         </mc:AlternateContent>
-        <mc:AlternateContent xmlns:mc="http://schemas.openxmlformats.org/markup-compatibility/2006">
-          <mc:Choice xmlns:p14="http://schemas.microsoft.com/office/powerpoint/2010/main" Requires="p14">
+        <mc:AlternateContent xmlns:mc="http://schemas.openxmlformats.org/markup-compatibility/2006" xmlns:p14="http://schemas.microsoft.com/office/powerpoint/2010/main">
+          <mc:Choice Requires="p14">
             <p:contentPart p14:bwMode="auto" r:id="rId182">
               <p14:nvContentPartPr>
                 <p14:cNvPr id="175" name="Ink 174">
@@ -32029,7 +32231,7 @@
               </p14:xfrm>
             </p:contentPart>
           </mc:Choice>
-          <mc:Fallback>
+          <mc:Fallback xmlns="">
             <p:pic>
               <p:nvPicPr>
                 <p:cNvPr id="175" name="Ink 174">
@@ -32060,8 +32262,8 @@
             </p:pic>
           </mc:Fallback>
         </mc:AlternateContent>
-        <mc:AlternateContent xmlns:mc="http://schemas.openxmlformats.org/markup-compatibility/2006">
-          <mc:Choice xmlns:p14="http://schemas.microsoft.com/office/powerpoint/2010/main" Requires="p14">
+        <mc:AlternateContent xmlns:mc="http://schemas.openxmlformats.org/markup-compatibility/2006" xmlns:p14="http://schemas.microsoft.com/office/powerpoint/2010/main">
+          <mc:Choice Requires="p14">
             <p:contentPart p14:bwMode="auto" r:id="rId184">
               <p14:nvContentPartPr>
                 <p14:cNvPr id="176" name="Ink 175">
@@ -32080,7 +32282,7 @@
               </p14:xfrm>
             </p:contentPart>
           </mc:Choice>
-          <mc:Fallback>
+          <mc:Fallback xmlns="">
             <p:pic>
               <p:nvPicPr>
                 <p:cNvPr id="176" name="Ink 175">
@@ -32111,8 +32313,8 @@
             </p:pic>
           </mc:Fallback>
         </mc:AlternateContent>
-        <mc:AlternateContent xmlns:mc="http://schemas.openxmlformats.org/markup-compatibility/2006">
-          <mc:Choice xmlns:p14="http://schemas.microsoft.com/office/powerpoint/2010/main" Requires="p14">
+        <mc:AlternateContent xmlns:mc="http://schemas.openxmlformats.org/markup-compatibility/2006" xmlns:p14="http://schemas.microsoft.com/office/powerpoint/2010/main">
+          <mc:Choice Requires="p14">
             <p:contentPart p14:bwMode="auto" r:id="rId186">
               <p14:nvContentPartPr>
                 <p14:cNvPr id="177" name="Ink 176">
@@ -32131,7 +32333,7 @@
               </p14:xfrm>
             </p:contentPart>
           </mc:Choice>
-          <mc:Fallback>
+          <mc:Fallback xmlns="">
             <p:pic>
               <p:nvPicPr>
                 <p:cNvPr id="177" name="Ink 176">
@@ -32162,8 +32364,8 @@
             </p:pic>
           </mc:Fallback>
         </mc:AlternateContent>
-        <mc:AlternateContent xmlns:mc="http://schemas.openxmlformats.org/markup-compatibility/2006">
-          <mc:Choice xmlns:p14="http://schemas.microsoft.com/office/powerpoint/2010/main" Requires="p14">
+        <mc:AlternateContent xmlns:mc="http://schemas.openxmlformats.org/markup-compatibility/2006" xmlns:p14="http://schemas.microsoft.com/office/powerpoint/2010/main">
+          <mc:Choice Requires="p14">
             <p:contentPart p14:bwMode="auto" r:id="rId188">
               <p14:nvContentPartPr>
                 <p14:cNvPr id="178" name="Ink 177">
@@ -32182,7 +32384,7 @@
               </p14:xfrm>
             </p:contentPart>
           </mc:Choice>
-          <mc:Fallback>
+          <mc:Fallback xmlns="">
             <p:pic>
               <p:nvPicPr>
                 <p:cNvPr id="178" name="Ink 177">
@@ -32234,8 +32436,8 @@
             <a:chExt cx="1251000" cy="346320"/>
           </a:xfrm>
         </p:grpSpPr>
-        <mc:AlternateContent xmlns:mc="http://schemas.openxmlformats.org/markup-compatibility/2006">
-          <mc:Choice xmlns:p14="http://schemas.microsoft.com/office/powerpoint/2010/main" Requires="p14">
+        <mc:AlternateContent xmlns:mc="http://schemas.openxmlformats.org/markup-compatibility/2006" xmlns:p14="http://schemas.microsoft.com/office/powerpoint/2010/main">
+          <mc:Choice Requires="p14">
             <p:contentPart p14:bwMode="auto" r:id="rId190">
               <p14:nvContentPartPr>
                 <p14:cNvPr id="179" name="Ink 178">
@@ -32254,7 +32456,7 @@
               </p14:xfrm>
             </p:contentPart>
           </mc:Choice>
-          <mc:Fallback>
+          <mc:Fallback xmlns="">
             <p:pic>
               <p:nvPicPr>
                 <p:cNvPr id="179" name="Ink 178">
@@ -32285,8 +32487,8 @@
             </p:pic>
           </mc:Fallback>
         </mc:AlternateContent>
-        <mc:AlternateContent xmlns:mc="http://schemas.openxmlformats.org/markup-compatibility/2006">
-          <mc:Choice xmlns:p14="http://schemas.microsoft.com/office/powerpoint/2010/main" Requires="p14">
+        <mc:AlternateContent xmlns:mc="http://schemas.openxmlformats.org/markup-compatibility/2006" xmlns:p14="http://schemas.microsoft.com/office/powerpoint/2010/main">
+          <mc:Choice Requires="p14">
             <p:contentPart p14:bwMode="auto" r:id="rId192">
               <p14:nvContentPartPr>
                 <p14:cNvPr id="180" name="Ink 179">
@@ -32305,7 +32507,7 @@
               </p14:xfrm>
             </p:contentPart>
           </mc:Choice>
-          <mc:Fallback>
+          <mc:Fallback xmlns="">
             <p:pic>
               <p:nvPicPr>
                 <p:cNvPr id="180" name="Ink 179">
@@ -32336,8 +32538,8 @@
             </p:pic>
           </mc:Fallback>
         </mc:AlternateContent>
-        <mc:AlternateContent xmlns:mc="http://schemas.openxmlformats.org/markup-compatibility/2006">
-          <mc:Choice xmlns:p14="http://schemas.microsoft.com/office/powerpoint/2010/main" Requires="p14">
+        <mc:AlternateContent xmlns:mc="http://schemas.openxmlformats.org/markup-compatibility/2006" xmlns:p14="http://schemas.microsoft.com/office/powerpoint/2010/main">
+          <mc:Choice Requires="p14">
             <p:contentPart p14:bwMode="auto" r:id="rId194">
               <p14:nvContentPartPr>
                 <p14:cNvPr id="181" name="Ink 180">
@@ -32356,7 +32558,7 @@
               </p14:xfrm>
             </p:contentPart>
           </mc:Choice>
-          <mc:Fallback>
+          <mc:Fallback xmlns="">
             <p:pic>
               <p:nvPicPr>
                 <p:cNvPr id="181" name="Ink 180">
@@ -32387,8 +32589,8 @@
             </p:pic>
           </mc:Fallback>
         </mc:AlternateContent>
-        <mc:AlternateContent xmlns:mc="http://schemas.openxmlformats.org/markup-compatibility/2006">
-          <mc:Choice xmlns:p14="http://schemas.microsoft.com/office/powerpoint/2010/main" Requires="p14">
+        <mc:AlternateContent xmlns:mc="http://schemas.openxmlformats.org/markup-compatibility/2006" xmlns:p14="http://schemas.microsoft.com/office/powerpoint/2010/main">
+          <mc:Choice Requires="p14">
             <p:contentPart p14:bwMode="auto" r:id="rId196">
               <p14:nvContentPartPr>
                 <p14:cNvPr id="182" name="Ink 181">
@@ -32407,7 +32609,7 @@
               </p14:xfrm>
             </p:contentPart>
           </mc:Choice>
-          <mc:Fallback>
+          <mc:Fallback xmlns="">
             <p:pic>
               <p:nvPicPr>
                 <p:cNvPr id="182" name="Ink 181">
@@ -32438,8 +32640,8 @@
             </p:pic>
           </mc:Fallback>
         </mc:AlternateContent>
-        <mc:AlternateContent xmlns:mc="http://schemas.openxmlformats.org/markup-compatibility/2006">
-          <mc:Choice xmlns:p14="http://schemas.microsoft.com/office/powerpoint/2010/main" Requires="p14">
+        <mc:AlternateContent xmlns:mc="http://schemas.openxmlformats.org/markup-compatibility/2006" xmlns:p14="http://schemas.microsoft.com/office/powerpoint/2010/main">
+          <mc:Choice Requires="p14">
             <p:contentPart p14:bwMode="auto" r:id="rId198">
               <p14:nvContentPartPr>
                 <p14:cNvPr id="183" name="Ink 182">
@@ -32458,7 +32660,7 @@
               </p14:xfrm>
             </p:contentPart>
           </mc:Choice>
-          <mc:Fallback>
+          <mc:Fallback xmlns="">
             <p:pic>
               <p:nvPicPr>
                 <p:cNvPr id="183" name="Ink 182">
@@ -32489,8 +32691,8 @@
             </p:pic>
           </mc:Fallback>
         </mc:AlternateContent>
-        <mc:AlternateContent xmlns:mc="http://schemas.openxmlformats.org/markup-compatibility/2006">
-          <mc:Choice xmlns:p14="http://schemas.microsoft.com/office/powerpoint/2010/main" Requires="p14">
+        <mc:AlternateContent xmlns:mc="http://schemas.openxmlformats.org/markup-compatibility/2006" xmlns:p14="http://schemas.microsoft.com/office/powerpoint/2010/main">
+          <mc:Choice Requires="p14">
             <p:contentPart p14:bwMode="auto" r:id="rId200">
               <p14:nvContentPartPr>
                 <p14:cNvPr id="184" name="Ink 183">
@@ -32509,7 +32711,7 @@
               </p14:xfrm>
             </p:contentPart>
           </mc:Choice>
-          <mc:Fallback>
+          <mc:Fallback xmlns="">
             <p:pic>
               <p:nvPicPr>
                 <p:cNvPr id="184" name="Ink 183">
@@ -32540,8 +32742,8 @@
             </p:pic>
           </mc:Fallback>
         </mc:AlternateContent>
-        <mc:AlternateContent xmlns:mc="http://schemas.openxmlformats.org/markup-compatibility/2006">
-          <mc:Choice xmlns:p14="http://schemas.microsoft.com/office/powerpoint/2010/main" Requires="p14">
+        <mc:AlternateContent xmlns:mc="http://schemas.openxmlformats.org/markup-compatibility/2006" xmlns:p14="http://schemas.microsoft.com/office/powerpoint/2010/main">
+          <mc:Choice Requires="p14">
             <p:contentPart p14:bwMode="auto" r:id="rId202">
               <p14:nvContentPartPr>
                 <p14:cNvPr id="185" name="Ink 184">
@@ -32560,7 +32762,7 @@
               </p14:xfrm>
             </p:contentPart>
           </mc:Choice>
-          <mc:Fallback>
+          <mc:Fallback xmlns="">
             <p:pic>
               <p:nvPicPr>
                 <p:cNvPr id="185" name="Ink 184">
@@ -32591,8 +32793,8 @@
             </p:pic>
           </mc:Fallback>
         </mc:AlternateContent>
-        <mc:AlternateContent xmlns:mc="http://schemas.openxmlformats.org/markup-compatibility/2006">
-          <mc:Choice xmlns:p14="http://schemas.microsoft.com/office/powerpoint/2010/main" Requires="p14">
+        <mc:AlternateContent xmlns:mc="http://schemas.openxmlformats.org/markup-compatibility/2006" xmlns:p14="http://schemas.microsoft.com/office/powerpoint/2010/main">
+          <mc:Choice Requires="p14">
             <p:contentPart p14:bwMode="auto" r:id="rId204">
               <p14:nvContentPartPr>
                 <p14:cNvPr id="186" name="Ink 185">
@@ -32611,7 +32813,7 @@
               </p14:xfrm>
             </p:contentPart>
           </mc:Choice>
-          <mc:Fallback>
+          <mc:Fallback xmlns="">
             <p:pic>
               <p:nvPicPr>
                 <p:cNvPr id="186" name="Ink 185">
@@ -32642,8 +32844,8 @@
             </p:pic>
           </mc:Fallback>
         </mc:AlternateContent>
-        <mc:AlternateContent xmlns:mc="http://schemas.openxmlformats.org/markup-compatibility/2006">
-          <mc:Choice xmlns:p14="http://schemas.microsoft.com/office/powerpoint/2010/main" Requires="p14">
+        <mc:AlternateContent xmlns:mc="http://schemas.openxmlformats.org/markup-compatibility/2006" xmlns:p14="http://schemas.microsoft.com/office/powerpoint/2010/main">
+          <mc:Choice Requires="p14">
             <p:contentPart p14:bwMode="auto" r:id="rId206">
               <p14:nvContentPartPr>
                 <p14:cNvPr id="187" name="Ink 186">
@@ -32662,7 +32864,7 @@
               </p14:xfrm>
             </p:contentPart>
           </mc:Choice>
-          <mc:Fallback>
+          <mc:Fallback xmlns="">
             <p:pic>
               <p:nvPicPr>
                 <p:cNvPr id="187" name="Ink 186">
@@ -32693,8 +32895,8 @@
             </p:pic>
           </mc:Fallback>
         </mc:AlternateContent>
-        <mc:AlternateContent xmlns:mc="http://schemas.openxmlformats.org/markup-compatibility/2006">
-          <mc:Choice xmlns:p14="http://schemas.microsoft.com/office/powerpoint/2010/main" Requires="p14">
+        <mc:AlternateContent xmlns:mc="http://schemas.openxmlformats.org/markup-compatibility/2006" xmlns:p14="http://schemas.microsoft.com/office/powerpoint/2010/main">
+          <mc:Choice Requires="p14">
             <p:contentPart p14:bwMode="auto" r:id="rId208">
               <p14:nvContentPartPr>
                 <p14:cNvPr id="188" name="Ink 187">
@@ -32713,7 +32915,7 @@
               </p14:xfrm>
             </p:contentPart>
           </mc:Choice>
-          <mc:Fallback>
+          <mc:Fallback xmlns="">
             <p:pic>
               <p:nvPicPr>
                 <p:cNvPr id="188" name="Ink 187">
@@ -32758,7 +32960,7 @@
 </p:sld>
 </file>
 
-<file path=ppt/slides/slide6.xml><?xml version="1.0" encoding="utf-8"?>
+<file path=ppt/slides/slide7.xml><?xml version="1.0" encoding="utf-8"?>
 <p:sld xmlns:a="http://schemas.openxmlformats.org/drawingml/2006/main" xmlns:r="http://schemas.openxmlformats.org/officeDocument/2006/relationships" xmlns:p="http://schemas.openxmlformats.org/presentationml/2006/main">
   <p:cSld>
     <p:spTree>
